--- a/doc/CS1_Task1/Presentation_CS1_Task1.pptx
+++ b/doc/CS1_Task1/Presentation_CS1_Task1.pptx
@@ -1,19 +1,27 @@
 
 <file path=ppt/presentation.xml><?xml version="1.0" encoding="utf-8"?>
-<p:presentation xmlns:a="http://schemas.openxmlformats.org/drawingml/2006/main" xmlns:r="http://schemas.openxmlformats.org/officeDocument/2006/relationships" xmlns:p="http://schemas.openxmlformats.org/presentationml/2006/main" saveSubsetFonts="1">
+<p:presentation xmlns:a="http://schemas.openxmlformats.org/drawingml/2006/main" xmlns:r="http://schemas.openxmlformats.org/officeDocument/2006/relationships" xmlns:p="http://schemas.openxmlformats.org/presentationml/2006/main" showSpecialPlsOnTitleSld="0" saveSubsetFonts="1" autoCompressPictures="0">
   <p:sldMasterIdLst>
     <p:sldMasterId id="2147483648" r:id="rId1"/>
   </p:sldMasterIdLst>
+  <p:notesMasterIdLst>
+    <p:notesMasterId r:id="rId5"/>
+  </p:notesMasterIdLst>
+  <p:handoutMasterIdLst>
+    <p:handoutMasterId r:id="rId6"/>
+  </p:handoutMasterIdLst>
   <p:sldIdLst>
     <p:sldId id="256" r:id="rId2"/>
+    <p:sldId id="257" r:id="rId3"/>
+    <p:sldId id="258" r:id="rId4"/>
   </p:sldIdLst>
-  <p:sldSz cx="12192000" cy="6858000"/>
+  <p:sldSz cx="9144000" cy="6858000" type="screen4x3"/>
   <p:notesSz cx="6858000" cy="9144000"/>
   <p:defaultTextStyle>
     <a:defPPr>
       <a:defRPr lang="de-DE"/>
     </a:defPPr>
-    <a:lvl1pPr marL="0" algn="l" defTabSz="914400" rtl="0" eaLnBrk="1" latinLnBrk="0" hangingPunct="1">
+    <a:lvl1pPr marL="0" algn="l" defTabSz="457200" rtl="0" eaLnBrk="1" latinLnBrk="0" hangingPunct="1">
       <a:defRPr sz="1800" kern="1200">
         <a:solidFill>
           <a:schemeClr val="tx1"/>
@@ -23,7 +31,7 @@
         <a:cs typeface="+mn-cs"/>
       </a:defRPr>
     </a:lvl1pPr>
-    <a:lvl2pPr marL="457200" algn="l" defTabSz="914400" rtl="0" eaLnBrk="1" latinLnBrk="0" hangingPunct="1">
+    <a:lvl2pPr marL="457200" algn="l" defTabSz="457200" rtl="0" eaLnBrk="1" latinLnBrk="0" hangingPunct="1">
       <a:defRPr sz="1800" kern="1200">
         <a:solidFill>
           <a:schemeClr val="tx1"/>
@@ -33,7 +41,7 @@
         <a:cs typeface="+mn-cs"/>
       </a:defRPr>
     </a:lvl2pPr>
-    <a:lvl3pPr marL="914400" algn="l" defTabSz="914400" rtl="0" eaLnBrk="1" latinLnBrk="0" hangingPunct="1">
+    <a:lvl3pPr marL="914400" algn="l" defTabSz="457200" rtl="0" eaLnBrk="1" latinLnBrk="0" hangingPunct="1">
       <a:defRPr sz="1800" kern="1200">
         <a:solidFill>
           <a:schemeClr val="tx1"/>
@@ -43,7 +51,7 @@
         <a:cs typeface="+mn-cs"/>
       </a:defRPr>
     </a:lvl3pPr>
-    <a:lvl4pPr marL="1371600" algn="l" defTabSz="914400" rtl="0" eaLnBrk="1" latinLnBrk="0" hangingPunct="1">
+    <a:lvl4pPr marL="1371600" algn="l" defTabSz="457200" rtl="0" eaLnBrk="1" latinLnBrk="0" hangingPunct="1">
       <a:defRPr sz="1800" kern="1200">
         <a:solidFill>
           <a:schemeClr val="tx1"/>
@@ -53,7 +61,7 @@
         <a:cs typeface="+mn-cs"/>
       </a:defRPr>
     </a:lvl4pPr>
-    <a:lvl5pPr marL="1828800" algn="l" defTabSz="914400" rtl="0" eaLnBrk="1" latinLnBrk="0" hangingPunct="1">
+    <a:lvl5pPr marL="1828800" algn="l" defTabSz="457200" rtl="0" eaLnBrk="1" latinLnBrk="0" hangingPunct="1">
       <a:defRPr sz="1800" kern="1200">
         <a:solidFill>
           <a:schemeClr val="tx1"/>
@@ -63,7 +71,7 @@
         <a:cs typeface="+mn-cs"/>
       </a:defRPr>
     </a:lvl5pPr>
-    <a:lvl6pPr marL="2286000" algn="l" defTabSz="914400" rtl="0" eaLnBrk="1" latinLnBrk="0" hangingPunct="1">
+    <a:lvl6pPr marL="2286000" algn="l" defTabSz="457200" rtl="0" eaLnBrk="1" latinLnBrk="0" hangingPunct="1">
       <a:defRPr sz="1800" kern="1200">
         <a:solidFill>
           <a:schemeClr val="tx1"/>
@@ -73,7 +81,7 @@
         <a:cs typeface="+mn-cs"/>
       </a:defRPr>
     </a:lvl6pPr>
-    <a:lvl7pPr marL="2743200" algn="l" defTabSz="914400" rtl="0" eaLnBrk="1" latinLnBrk="0" hangingPunct="1">
+    <a:lvl7pPr marL="2743200" algn="l" defTabSz="457200" rtl="0" eaLnBrk="1" latinLnBrk="0" hangingPunct="1">
       <a:defRPr sz="1800" kern="1200">
         <a:solidFill>
           <a:schemeClr val="tx1"/>
@@ -83,7 +91,7 @@
         <a:cs typeface="+mn-cs"/>
       </a:defRPr>
     </a:lvl7pPr>
-    <a:lvl8pPr marL="3200400" algn="l" defTabSz="914400" rtl="0" eaLnBrk="1" latinLnBrk="0" hangingPunct="1">
+    <a:lvl8pPr marL="3200400" algn="l" defTabSz="457200" rtl="0" eaLnBrk="1" latinLnBrk="0" hangingPunct="1">
       <a:defRPr sz="1800" kern="1200">
         <a:solidFill>
           <a:schemeClr val="tx1"/>
@@ -93,7 +101,7 @@
         <a:cs typeface="+mn-cs"/>
       </a:defRPr>
     </a:lvl8pPr>
-    <a:lvl9pPr marL="3657600" algn="l" defTabSz="914400" rtl="0" eaLnBrk="1" latinLnBrk="0" hangingPunct="1">
+    <a:lvl9pPr marL="3657600" algn="l" defTabSz="457200" rtl="0" eaLnBrk="1" latinLnBrk="0" hangingPunct="1">
       <a:defRPr sz="1800" kern="1200">
         <a:solidFill>
           <a:schemeClr val="tx1"/>
@@ -105,6 +113,523 @@
     </a:lvl9pPr>
   </p:defaultTextStyle>
 </p:presentation>
+</file>
+
+<file path=ppt/handoutMasters/handoutMaster1.xml><?xml version="1.0" encoding="utf-8"?>
+<p:handoutMaster xmlns:a="http://schemas.openxmlformats.org/drawingml/2006/main" xmlns:r="http://schemas.openxmlformats.org/officeDocument/2006/relationships" xmlns:p="http://schemas.openxmlformats.org/presentationml/2006/main">
+  <p:cSld>
+    <p:bg>
+      <p:bgRef idx="1001">
+        <a:schemeClr val="bg1"/>
+      </p:bgRef>
+    </p:bg>
+    <p:spTree>
+      <p:nvGrpSpPr>
+        <p:cNvPr id="1" name=""/>
+        <p:cNvGrpSpPr/>
+        <p:nvPr/>
+      </p:nvGrpSpPr>
+      <p:grpSpPr>
+        <a:xfrm>
+          <a:off x="0" y="0"/>
+          <a:ext cx="0" cy="0"/>
+          <a:chOff x="0" y="0"/>
+          <a:chExt cx="0" cy="0"/>
+        </a:xfrm>
+      </p:grpSpPr>
+      <p:sp>
+        <p:nvSpPr>
+          <p:cNvPr id="2" name="Überschriftenplatzhalter 1"/>
+          <p:cNvSpPr>
+            <a:spLocks noGrp="1"/>
+          </p:cNvSpPr>
+          <p:nvPr>
+            <p:ph type="hdr" sz="quarter"/>
+          </p:nvPr>
+        </p:nvSpPr>
+        <p:spPr>
+          <a:xfrm>
+            <a:off x="0" y="0"/>
+            <a:ext cx="2971800" cy="457200"/>
+          </a:xfrm>
+          <a:prstGeom prst="rect">
+            <a:avLst/>
+          </a:prstGeom>
+        </p:spPr>
+        <p:txBody>
+          <a:bodyPr vert="horz" lIns="91440" tIns="45720" rIns="91440" bIns="45720" rtlCol="0"/>
+          <a:lstStyle>
+            <a:lvl1pPr algn="l">
+              <a:defRPr sz="1200"/>
+            </a:lvl1pPr>
+          </a:lstStyle>
+          <a:p>
+            <a:endParaRPr lang="de-DE"/>
+          </a:p>
+        </p:txBody>
+      </p:sp>
+      <p:sp>
+        <p:nvSpPr>
+          <p:cNvPr id="3" name="Datumsplatzhalter 2"/>
+          <p:cNvSpPr>
+            <a:spLocks noGrp="1"/>
+          </p:cNvSpPr>
+          <p:nvPr>
+            <p:ph type="dt" sz="quarter" idx="1"/>
+          </p:nvPr>
+        </p:nvSpPr>
+        <p:spPr>
+          <a:xfrm>
+            <a:off x="3884613" y="0"/>
+            <a:ext cx="2971800" cy="457200"/>
+          </a:xfrm>
+          <a:prstGeom prst="rect">
+            <a:avLst/>
+          </a:prstGeom>
+        </p:spPr>
+        <p:txBody>
+          <a:bodyPr vert="horz" lIns="91440" tIns="45720" rIns="91440" bIns="45720" rtlCol="0"/>
+          <a:lstStyle>
+            <a:lvl1pPr algn="r">
+              <a:defRPr sz="1200"/>
+            </a:lvl1pPr>
+          </a:lstStyle>
+          <a:p>
+            <a:fld id="{47E3F55A-9F19-D94E-8909-A60208097873}" type="datetimeFigureOut">
+              <a:rPr lang="de-DE" smtClean="0"/>
+              <a:t>27.09.15</a:t>
+            </a:fld>
+            <a:endParaRPr lang="de-DE"/>
+          </a:p>
+        </p:txBody>
+      </p:sp>
+      <p:sp>
+        <p:nvSpPr>
+          <p:cNvPr id="4" name="Fußzeilenplatzhalter 3"/>
+          <p:cNvSpPr>
+            <a:spLocks noGrp="1"/>
+          </p:cNvSpPr>
+          <p:nvPr>
+            <p:ph type="ftr" sz="quarter" idx="2"/>
+          </p:nvPr>
+        </p:nvSpPr>
+        <p:spPr>
+          <a:xfrm>
+            <a:off x="0" y="8685213"/>
+            <a:ext cx="2971800" cy="457200"/>
+          </a:xfrm>
+          <a:prstGeom prst="rect">
+            <a:avLst/>
+          </a:prstGeom>
+        </p:spPr>
+        <p:txBody>
+          <a:bodyPr vert="horz" lIns="91440" tIns="45720" rIns="91440" bIns="45720" rtlCol="0" anchor="b"/>
+          <a:lstStyle>
+            <a:lvl1pPr algn="l">
+              <a:defRPr sz="1200"/>
+            </a:lvl1pPr>
+          </a:lstStyle>
+          <a:p>
+            <a:endParaRPr lang="de-DE"/>
+          </a:p>
+        </p:txBody>
+      </p:sp>
+      <p:sp>
+        <p:nvSpPr>
+          <p:cNvPr id="5" name="Foliennummernplatzhalter 4"/>
+          <p:cNvSpPr>
+            <a:spLocks noGrp="1"/>
+          </p:cNvSpPr>
+          <p:nvPr>
+            <p:ph type="sldNum" sz="quarter" idx="3"/>
+          </p:nvPr>
+        </p:nvSpPr>
+        <p:spPr>
+          <a:xfrm>
+            <a:off x="3884613" y="8685213"/>
+            <a:ext cx="2971800" cy="457200"/>
+          </a:xfrm>
+          <a:prstGeom prst="rect">
+            <a:avLst/>
+          </a:prstGeom>
+        </p:spPr>
+        <p:txBody>
+          <a:bodyPr vert="horz" lIns="91440" tIns="45720" rIns="91440" bIns="45720" rtlCol="0" anchor="b"/>
+          <a:lstStyle>
+            <a:lvl1pPr algn="r">
+              <a:defRPr sz="1200"/>
+            </a:lvl1pPr>
+          </a:lstStyle>
+          <a:p>
+            <a:fld id="{1AAC4B74-263F-2742-9502-1FF995E27CD4}" type="slidenum">
+              <a:rPr lang="de-DE" smtClean="0"/>
+              <a:t>‹Nr.›</a:t>
+            </a:fld>
+            <a:endParaRPr lang="de-DE"/>
+          </a:p>
+        </p:txBody>
+      </p:sp>
+    </p:spTree>
+    <p:extLst>
+      <p:ext uri="{BB962C8B-B14F-4D97-AF65-F5344CB8AC3E}">
+        <p14:creationId xmlns:p14="http://schemas.microsoft.com/office/powerpoint/2010/main" val="474094815"/>
+      </p:ext>
+    </p:extLst>
+  </p:cSld>
+  <p:clrMap bg1="lt1" tx1="dk1" bg2="lt2" tx2="dk2" accent1="accent1" accent2="accent2" accent3="accent3" accent4="accent4" accent5="accent5" accent6="accent6" hlink="hlink" folHlink="folHlink"/>
+  <p:hf hdr="0" ftr="0" dt="0"/>
+</p:handoutMaster>
+</file>
+
+<file path=ppt/notesMasters/notesMaster1.xml><?xml version="1.0" encoding="utf-8"?>
+<p:notesMaster xmlns:a="http://schemas.openxmlformats.org/drawingml/2006/main" xmlns:r="http://schemas.openxmlformats.org/officeDocument/2006/relationships" xmlns:p="http://schemas.openxmlformats.org/presentationml/2006/main">
+  <p:cSld>
+    <p:bg>
+      <p:bgRef idx="1001">
+        <a:schemeClr val="bg1"/>
+      </p:bgRef>
+    </p:bg>
+    <p:spTree>
+      <p:nvGrpSpPr>
+        <p:cNvPr id="1" name=""/>
+        <p:cNvGrpSpPr/>
+        <p:nvPr/>
+      </p:nvGrpSpPr>
+      <p:grpSpPr>
+        <a:xfrm>
+          <a:off x="0" y="0"/>
+          <a:ext cx="0" cy="0"/>
+          <a:chOff x="0" y="0"/>
+          <a:chExt cx="0" cy="0"/>
+        </a:xfrm>
+      </p:grpSpPr>
+      <p:sp>
+        <p:nvSpPr>
+          <p:cNvPr id="2" name="Überschriftenplatzhalter 1"/>
+          <p:cNvSpPr>
+            <a:spLocks noGrp="1"/>
+          </p:cNvSpPr>
+          <p:nvPr>
+            <p:ph type="hdr" sz="quarter"/>
+          </p:nvPr>
+        </p:nvSpPr>
+        <p:spPr>
+          <a:xfrm>
+            <a:off x="0" y="0"/>
+            <a:ext cx="2971800" cy="457200"/>
+          </a:xfrm>
+          <a:prstGeom prst="rect">
+            <a:avLst/>
+          </a:prstGeom>
+        </p:spPr>
+        <p:txBody>
+          <a:bodyPr vert="horz" lIns="91440" tIns="45720" rIns="91440" bIns="45720" rtlCol="0"/>
+          <a:lstStyle>
+            <a:lvl1pPr algn="l">
+              <a:defRPr sz="1200"/>
+            </a:lvl1pPr>
+          </a:lstStyle>
+          <a:p>
+            <a:endParaRPr lang="de-DE"/>
+          </a:p>
+        </p:txBody>
+      </p:sp>
+      <p:sp>
+        <p:nvSpPr>
+          <p:cNvPr id="3" name="Datumsplatzhalter 2"/>
+          <p:cNvSpPr>
+            <a:spLocks noGrp="1"/>
+          </p:cNvSpPr>
+          <p:nvPr>
+            <p:ph type="dt" idx="1"/>
+          </p:nvPr>
+        </p:nvSpPr>
+        <p:spPr>
+          <a:xfrm>
+            <a:off x="3884613" y="0"/>
+            <a:ext cx="2971800" cy="457200"/>
+          </a:xfrm>
+          <a:prstGeom prst="rect">
+            <a:avLst/>
+          </a:prstGeom>
+        </p:spPr>
+        <p:txBody>
+          <a:bodyPr vert="horz" lIns="91440" tIns="45720" rIns="91440" bIns="45720" rtlCol="0"/>
+          <a:lstStyle>
+            <a:lvl1pPr algn="r">
+              <a:defRPr sz="1200"/>
+            </a:lvl1pPr>
+          </a:lstStyle>
+          <a:p>
+            <a:fld id="{E59730A7-D9EA-EF44-A46E-923AED385B8A}" type="datetimeFigureOut">
+              <a:rPr lang="de-DE" smtClean="0"/>
+              <a:t>27.09.15</a:t>
+            </a:fld>
+            <a:endParaRPr lang="de-DE"/>
+          </a:p>
+        </p:txBody>
+      </p:sp>
+      <p:sp>
+        <p:nvSpPr>
+          <p:cNvPr id="4" name="Folienbildplatzhalter 3"/>
+          <p:cNvSpPr>
+            <a:spLocks noGrp="1" noRot="1" noChangeAspect="1"/>
+          </p:cNvSpPr>
+          <p:nvPr>
+            <p:ph type="sldImg" idx="2"/>
+          </p:nvPr>
+        </p:nvSpPr>
+        <p:spPr>
+          <a:xfrm>
+            <a:off x="1143000" y="685800"/>
+            <a:ext cx="4572000" cy="3429000"/>
+          </a:xfrm>
+          <a:prstGeom prst="rect">
+            <a:avLst/>
+          </a:prstGeom>
+          <a:noFill/>
+          <a:ln w="12700">
+            <a:solidFill>
+              <a:prstClr val="black"/>
+            </a:solidFill>
+          </a:ln>
+        </p:spPr>
+        <p:txBody>
+          <a:bodyPr vert="horz" lIns="91440" tIns="45720" rIns="91440" bIns="45720" rtlCol="0" anchor="ctr"/>
+          <a:lstStyle/>
+          <a:p>
+            <a:endParaRPr lang="de-DE"/>
+          </a:p>
+        </p:txBody>
+      </p:sp>
+      <p:sp>
+        <p:nvSpPr>
+          <p:cNvPr id="5" name="Notizenplatzhalter 4"/>
+          <p:cNvSpPr>
+            <a:spLocks noGrp="1"/>
+          </p:cNvSpPr>
+          <p:nvPr>
+            <p:ph type="body" sz="quarter" idx="3"/>
+          </p:nvPr>
+        </p:nvSpPr>
+        <p:spPr>
+          <a:xfrm>
+            <a:off x="685800" y="4343400"/>
+            <a:ext cx="5486400" cy="4114800"/>
+          </a:xfrm>
+          <a:prstGeom prst="rect">
+            <a:avLst/>
+          </a:prstGeom>
+        </p:spPr>
+        <p:txBody>
+          <a:bodyPr vert="horz" lIns="91440" tIns="45720" rIns="91440" bIns="45720" rtlCol="0"/>
+          <a:lstStyle/>
+          <a:p>
+            <a:pPr lvl="0"/>
+            <a:r>
+              <a:rPr lang="de-CH" smtClean="0"/>
+              <a:t>Mastertextformat bearbeiten</a:t>
+            </a:r>
+          </a:p>
+          <a:p>
+            <a:pPr lvl="1"/>
+            <a:r>
+              <a:rPr lang="de-CH" smtClean="0"/>
+              <a:t>Zweite Ebene</a:t>
+            </a:r>
+          </a:p>
+          <a:p>
+            <a:pPr lvl="2"/>
+            <a:r>
+              <a:rPr lang="de-CH" smtClean="0"/>
+              <a:t>Dritte Ebene</a:t>
+            </a:r>
+          </a:p>
+          <a:p>
+            <a:pPr lvl="3"/>
+            <a:r>
+              <a:rPr lang="de-CH" smtClean="0"/>
+              <a:t>Vierte Ebene</a:t>
+            </a:r>
+          </a:p>
+          <a:p>
+            <a:pPr lvl="4"/>
+            <a:r>
+              <a:rPr lang="de-CH" smtClean="0"/>
+              <a:t>Fünfte Ebene</a:t>
+            </a:r>
+            <a:endParaRPr lang="de-DE"/>
+          </a:p>
+        </p:txBody>
+      </p:sp>
+      <p:sp>
+        <p:nvSpPr>
+          <p:cNvPr id="6" name="Fußzeilenplatzhalter 5"/>
+          <p:cNvSpPr>
+            <a:spLocks noGrp="1"/>
+          </p:cNvSpPr>
+          <p:nvPr>
+            <p:ph type="ftr" sz="quarter" idx="4"/>
+          </p:nvPr>
+        </p:nvSpPr>
+        <p:spPr>
+          <a:xfrm>
+            <a:off x="0" y="8685213"/>
+            <a:ext cx="2971800" cy="457200"/>
+          </a:xfrm>
+          <a:prstGeom prst="rect">
+            <a:avLst/>
+          </a:prstGeom>
+        </p:spPr>
+        <p:txBody>
+          <a:bodyPr vert="horz" lIns="91440" tIns="45720" rIns="91440" bIns="45720" rtlCol="0" anchor="b"/>
+          <a:lstStyle>
+            <a:lvl1pPr algn="l">
+              <a:defRPr sz="1200"/>
+            </a:lvl1pPr>
+          </a:lstStyle>
+          <a:p>
+            <a:endParaRPr lang="de-DE"/>
+          </a:p>
+        </p:txBody>
+      </p:sp>
+      <p:sp>
+        <p:nvSpPr>
+          <p:cNvPr id="7" name="Foliennummernplatzhalter 6"/>
+          <p:cNvSpPr>
+            <a:spLocks noGrp="1"/>
+          </p:cNvSpPr>
+          <p:nvPr>
+            <p:ph type="sldNum" sz="quarter" idx="5"/>
+          </p:nvPr>
+        </p:nvSpPr>
+        <p:spPr>
+          <a:xfrm>
+            <a:off x="3884613" y="8685213"/>
+            <a:ext cx="2971800" cy="457200"/>
+          </a:xfrm>
+          <a:prstGeom prst="rect">
+            <a:avLst/>
+          </a:prstGeom>
+        </p:spPr>
+        <p:txBody>
+          <a:bodyPr vert="horz" lIns="91440" tIns="45720" rIns="91440" bIns="45720" rtlCol="0" anchor="b"/>
+          <a:lstStyle>
+            <a:lvl1pPr algn="r">
+              <a:defRPr sz="1200"/>
+            </a:lvl1pPr>
+          </a:lstStyle>
+          <a:p>
+            <a:fld id="{C0BE87DB-377C-774C-B780-E41B5F8F9DD2}" type="slidenum">
+              <a:rPr lang="de-DE" smtClean="0"/>
+              <a:t>‹Nr.›</a:t>
+            </a:fld>
+            <a:endParaRPr lang="de-DE"/>
+          </a:p>
+        </p:txBody>
+      </p:sp>
+    </p:spTree>
+    <p:extLst>
+      <p:ext uri="{BB962C8B-B14F-4D97-AF65-F5344CB8AC3E}">
+        <p14:creationId xmlns:p14="http://schemas.microsoft.com/office/powerpoint/2010/main" val="791945162"/>
+      </p:ext>
+    </p:extLst>
+  </p:cSld>
+  <p:clrMap bg1="lt1" tx1="dk1" bg2="lt2" tx2="dk2" accent1="accent1" accent2="accent2" accent3="accent3" accent4="accent4" accent5="accent5" accent6="accent6" hlink="hlink" folHlink="folHlink"/>
+  <p:hf hdr="0" ftr="0" dt="0"/>
+  <p:notesStyle>
+    <a:lvl1pPr marL="0" algn="l" defTabSz="457200" rtl="0" eaLnBrk="1" latinLnBrk="0" hangingPunct="1">
+      <a:defRPr sz="1200" kern="1200">
+        <a:solidFill>
+          <a:schemeClr val="tx1"/>
+        </a:solidFill>
+        <a:latin typeface="+mn-lt"/>
+        <a:ea typeface="+mn-ea"/>
+        <a:cs typeface="+mn-cs"/>
+      </a:defRPr>
+    </a:lvl1pPr>
+    <a:lvl2pPr marL="457200" algn="l" defTabSz="457200" rtl="0" eaLnBrk="1" latinLnBrk="0" hangingPunct="1">
+      <a:defRPr sz="1200" kern="1200">
+        <a:solidFill>
+          <a:schemeClr val="tx1"/>
+        </a:solidFill>
+        <a:latin typeface="+mn-lt"/>
+        <a:ea typeface="+mn-ea"/>
+        <a:cs typeface="+mn-cs"/>
+      </a:defRPr>
+    </a:lvl2pPr>
+    <a:lvl3pPr marL="914400" algn="l" defTabSz="457200" rtl="0" eaLnBrk="1" latinLnBrk="0" hangingPunct="1">
+      <a:defRPr sz="1200" kern="1200">
+        <a:solidFill>
+          <a:schemeClr val="tx1"/>
+        </a:solidFill>
+        <a:latin typeface="+mn-lt"/>
+        <a:ea typeface="+mn-ea"/>
+        <a:cs typeface="+mn-cs"/>
+      </a:defRPr>
+    </a:lvl3pPr>
+    <a:lvl4pPr marL="1371600" algn="l" defTabSz="457200" rtl="0" eaLnBrk="1" latinLnBrk="0" hangingPunct="1">
+      <a:defRPr sz="1200" kern="1200">
+        <a:solidFill>
+          <a:schemeClr val="tx1"/>
+        </a:solidFill>
+        <a:latin typeface="+mn-lt"/>
+        <a:ea typeface="+mn-ea"/>
+        <a:cs typeface="+mn-cs"/>
+      </a:defRPr>
+    </a:lvl4pPr>
+    <a:lvl5pPr marL="1828800" algn="l" defTabSz="457200" rtl="0" eaLnBrk="1" latinLnBrk="0" hangingPunct="1">
+      <a:defRPr sz="1200" kern="1200">
+        <a:solidFill>
+          <a:schemeClr val="tx1"/>
+        </a:solidFill>
+        <a:latin typeface="+mn-lt"/>
+        <a:ea typeface="+mn-ea"/>
+        <a:cs typeface="+mn-cs"/>
+      </a:defRPr>
+    </a:lvl5pPr>
+    <a:lvl6pPr marL="2286000" algn="l" defTabSz="457200" rtl="0" eaLnBrk="1" latinLnBrk="0" hangingPunct="1">
+      <a:defRPr sz="1200" kern="1200">
+        <a:solidFill>
+          <a:schemeClr val="tx1"/>
+        </a:solidFill>
+        <a:latin typeface="+mn-lt"/>
+        <a:ea typeface="+mn-ea"/>
+        <a:cs typeface="+mn-cs"/>
+      </a:defRPr>
+    </a:lvl6pPr>
+    <a:lvl7pPr marL="2743200" algn="l" defTabSz="457200" rtl="0" eaLnBrk="1" latinLnBrk="0" hangingPunct="1">
+      <a:defRPr sz="1200" kern="1200">
+        <a:solidFill>
+          <a:schemeClr val="tx1"/>
+        </a:solidFill>
+        <a:latin typeface="+mn-lt"/>
+        <a:ea typeface="+mn-ea"/>
+        <a:cs typeface="+mn-cs"/>
+      </a:defRPr>
+    </a:lvl7pPr>
+    <a:lvl8pPr marL="3200400" algn="l" defTabSz="457200" rtl="0" eaLnBrk="1" latinLnBrk="0" hangingPunct="1">
+      <a:defRPr sz="1200" kern="1200">
+        <a:solidFill>
+          <a:schemeClr val="tx1"/>
+        </a:solidFill>
+        <a:latin typeface="+mn-lt"/>
+        <a:ea typeface="+mn-ea"/>
+        <a:cs typeface="+mn-cs"/>
+      </a:defRPr>
+    </a:lvl8pPr>
+    <a:lvl9pPr marL="3657600" algn="l" defTabSz="457200" rtl="0" eaLnBrk="1" latinLnBrk="0" hangingPunct="1">
+      <a:defRPr sz="1200" kern="1200">
+        <a:solidFill>
+          <a:schemeClr val="tx1"/>
+        </a:solidFill>
+        <a:latin typeface="+mn-lt"/>
+        <a:ea typeface="+mn-ea"/>
+        <a:cs typeface="+mn-cs"/>
+      </a:defRPr>
+    </a:lvl9pPr>
+  </p:notesStyle>
+</p:notesMaster>
 </file>
 
 <file path=ppt/slideLayouts/slideLayout1.xml><?xml version="1.0" encoding="utf-8"?>
@@ -136,23 +661,19 @@
         </p:nvSpPr>
         <p:spPr>
           <a:xfrm>
-            <a:off x="1524000" y="1122363"/>
-            <a:ext cx="9144000" cy="2387600"/>
+            <a:off x="685800" y="2130425"/>
+            <a:ext cx="7772400" cy="1470025"/>
           </a:xfrm>
         </p:spPr>
         <p:txBody>
-          <a:bodyPr anchor="b"/>
-          <a:lstStyle>
-            <a:lvl1pPr algn="ctr">
-              <a:defRPr sz="6000"/>
-            </a:lvl1pPr>
-          </a:lstStyle>
-          <a:p>
-            <a:r>
-              <a:rPr lang="de-DE" smtClean="0"/>
-              <a:t>Titelmasterformat durch Klicken bearbeiten</a:t>
-            </a:r>
-            <a:endParaRPr lang="en-GB"/>
+          <a:bodyPr/>
+          <a:lstStyle/>
+          <a:p>
+            <a:r>
+              <a:rPr lang="de-CH" smtClean="0"/>
+              <a:t>Mastertitelformat bearbeiten</a:t>
+            </a:r>
+            <a:endParaRPr lang="de-DE"/>
           </a:p>
         </p:txBody>
       </p:sp>
@@ -168,8 +689,8 @@
         </p:nvSpPr>
         <p:spPr>
           <a:xfrm>
-            <a:off x="1524000" y="3602038"/>
-            <a:ext cx="9144000" cy="1655762"/>
+            <a:off x="1371600" y="3886200"/>
+            <a:ext cx="6400800" cy="1752600"/>
           </a:xfrm>
         </p:spPr>
         <p:txBody>
@@ -177,119 +698,173 @@
           <a:lstStyle>
             <a:lvl1pPr marL="0" indent="0" algn="ctr">
               <a:buNone/>
-              <a:defRPr sz="2400"/>
+              <a:defRPr>
+                <a:solidFill>
+                  <a:schemeClr val="tx1">
+                    <a:tint val="75000"/>
+                  </a:schemeClr>
+                </a:solidFill>
+              </a:defRPr>
             </a:lvl1pPr>
             <a:lvl2pPr marL="457200" indent="0" algn="ctr">
               <a:buNone/>
-              <a:defRPr sz="2000"/>
+              <a:defRPr>
+                <a:solidFill>
+                  <a:schemeClr val="tx1">
+                    <a:tint val="75000"/>
+                  </a:schemeClr>
+                </a:solidFill>
+              </a:defRPr>
             </a:lvl2pPr>
             <a:lvl3pPr marL="914400" indent="0" algn="ctr">
               <a:buNone/>
-              <a:defRPr sz="1800"/>
+              <a:defRPr>
+                <a:solidFill>
+                  <a:schemeClr val="tx1">
+                    <a:tint val="75000"/>
+                  </a:schemeClr>
+                </a:solidFill>
+              </a:defRPr>
             </a:lvl3pPr>
             <a:lvl4pPr marL="1371600" indent="0" algn="ctr">
               <a:buNone/>
-              <a:defRPr sz="1600"/>
+              <a:defRPr>
+                <a:solidFill>
+                  <a:schemeClr val="tx1">
+                    <a:tint val="75000"/>
+                  </a:schemeClr>
+                </a:solidFill>
+              </a:defRPr>
             </a:lvl4pPr>
             <a:lvl5pPr marL="1828800" indent="0" algn="ctr">
               <a:buNone/>
-              <a:defRPr sz="1600"/>
+              <a:defRPr>
+                <a:solidFill>
+                  <a:schemeClr val="tx1">
+                    <a:tint val="75000"/>
+                  </a:schemeClr>
+                </a:solidFill>
+              </a:defRPr>
             </a:lvl5pPr>
             <a:lvl6pPr marL="2286000" indent="0" algn="ctr">
               <a:buNone/>
-              <a:defRPr sz="1600"/>
+              <a:defRPr>
+                <a:solidFill>
+                  <a:schemeClr val="tx1">
+                    <a:tint val="75000"/>
+                  </a:schemeClr>
+                </a:solidFill>
+              </a:defRPr>
             </a:lvl6pPr>
             <a:lvl7pPr marL="2743200" indent="0" algn="ctr">
               <a:buNone/>
-              <a:defRPr sz="1600"/>
+              <a:defRPr>
+                <a:solidFill>
+                  <a:schemeClr val="tx1">
+                    <a:tint val="75000"/>
+                  </a:schemeClr>
+                </a:solidFill>
+              </a:defRPr>
             </a:lvl7pPr>
             <a:lvl8pPr marL="3200400" indent="0" algn="ctr">
               <a:buNone/>
-              <a:defRPr sz="1600"/>
+              <a:defRPr>
+                <a:solidFill>
+                  <a:schemeClr val="tx1">
+                    <a:tint val="75000"/>
+                  </a:schemeClr>
+                </a:solidFill>
+              </a:defRPr>
             </a:lvl8pPr>
             <a:lvl9pPr marL="3657600" indent="0" algn="ctr">
               <a:buNone/>
-              <a:defRPr sz="1600"/>
+              <a:defRPr>
+                <a:solidFill>
+                  <a:schemeClr val="tx1">
+                    <a:tint val="75000"/>
+                  </a:schemeClr>
+                </a:solidFill>
+              </a:defRPr>
             </a:lvl9pPr>
           </a:lstStyle>
           <a:p>
             <a:r>
+              <a:rPr lang="de-CH" smtClean="0"/>
+              <a:t>Master-Untertitelformat bearbeiten</a:t>
+            </a:r>
+            <a:endParaRPr lang="de-DE"/>
+          </a:p>
+        </p:txBody>
+      </p:sp>
+      <p:sp>
+        <p:nvSpPr>
+          <p:cNvPr id="4" name="Datumsplatzhalter 3"/>
+          <p:cNvSpPr>
+            <a:spLocks noGrp="1"/>
+          </p:cNvSpPr>
+          <p:nvPr>
+            <p:ph type="dt" sz="half" idx="10"/>
+          </p:nvPr>
+        </p:nvSpPr>
+        <p:spPr/>
+        <p:txBody>
+          <a:bodyPr/>
+          <a:lstStyle/>
+          <a:p>
+            <a:fld id="{CBD29935-9B7C-6940-92B6-E6B38ABF7A33}" type="datetime1">
+              <a:rPr lang="de-CH" smtClean="0"/>
+              <a:t>27.09.15</a:t>
+            </a:fld>
+            <a:endParaRPr lang="de-DE"/>
+          </a:p>
+        </p:txBody>
+      </p:sp>
+      <p:sp>
+        <p:nvSpPr>
+          <p:cNvPr id="5" name="Fußzeilenplatzhalter 4"/>
+          <p:cNvSpPr>
+            <a:spLocks noGrp="1"/>
+          </p:cNvSpPr>
+          <p:nvPr>
+            <p:ph type="ftr" sz="quarter" idx="11"/>
+          </p:nvPr>
+        </p:nvSpPr>
+        <p:spPr/>
+        <p:txBody>
+          <a:bodyPr/>
+          <a:lstStyle/>
+          <a:p>
+            <a:endParaRPr lang="de-DE"/>
+          </a:p>
+        </p:txBody>
+      </p:sp>
+      <p:sp>
+        <p:nvSpPr>
+          <p:cNvPr id="6" name="Foliennummernplatzhalter 5"/>
+          <p:cNvSpPr>
+            <a:spLocks noGrp="1"/>
+          </p:cNvSpPr>
+          <p:nvPr>
+            <p:ph type="sldNum" sz="quarter" idx="12"/>
+          </p:nvPr>
+        </p:nvSpPr>
+        <p:spPr/>
+        <p:txBody>
+          <a:bodyPr/>
+          <a:lstStyle/>
+          <a:p>
+            <a:fld id="{6BB33ECD-5191-EC4A-BC48-DDE302A05FCA}" type="slidenum">
               <a:rPr lang="de-DE" smtClean="0"/>
-              <a:t>Formatvorlage des Untertitelmasters durch Klicken bearbeiten</a:t>
-            </a:r>
-            <a:endParaRPr lang="en-GB"/>
-          </a:p>
-        </p:txBody>
-      </p:sp>
-      <p:sp>
-        <p:nvSpPr>
-          <p:cNvPr id="4" name="Datumsplatzhalter 3"/>
-          <p:cNvSpPr>
-            <a:spLocks noGrp="1"/>
-          </p:cNvSpPr>
-          <p:nvPr>
-            <p:ph type="dt" sz="half" idx="10"/>
-          </p:nvPr>
-        </p:nvSpPr>
-        <p:spPr/>
-        <p:txBody>
-          <a:bodyPr/>
-          <a:lstStyle/>
-          <a:p>
-            <a:fld id="{DF6DCAC8-75E4-4F15-9352-BAE8E4670518}" type="datetimeFigureOut">
-              <a:rPr lang="en-GB" smtClean="0"/>
-              <a:t>25/09/2015</a:t>
-            </a:fld>
-            <a:endParaRPr lang="en-GB"/>
-          </a:p>
-        </p:txBody>
-      </p:sp>
-      <p:sp>
-        <p:nvSpPr>
-          <p:cNvPr id="5" name="Fußzeilenplatzhalter 4"/>
-          <p:cNvSpPr>
-            <a:spLocks noGrp="1"/>
-          </p:cNvSpPr>
-          <p:nvPr>
-            <p:ph type="ftr" sz="quarter" idx="11"/>
-          </p:nvPr>
-        </p:nvSpPr>
-        <p:spPr/>
-        <p:txBody>
-          <a:bodyPr/>
-          <a:lstStyle/>
-          <a:p>
-            <a:endParaRPr lang="en-GB"/>
-          </a:p>
-        </p:txBody>
-      </p:sp>
-      <p:sp>
-        <p:nvSpPr>
-          <p:cNvPr id="6" name="Foliennummernplatzhalter 5"/>
-          <p:cNvSpPr>
-            <a:spLocks noGrp="1"/>
-          </p:cNvSpPr>
-          <p:nvPr>
-            <p:ph type="sldNum" sz="quarter" idx="12"/>
-          </p:nvPr>
-        </p:nvSpPr>
-        <p:spPr/>
-        <p:txBody>
-          <a:bodyPr/>
-          <a:lstStyle/>
-          <a:p>
-            <a:fld id="{DB1B72FE-204D-405E-8784-F9B18E986B41}" type="slidenum">
-              <a:rPr lang="en-GB" smtClean="0"/>
               <a:t>‹Nr.›</a:t>
             </a:fld>
-            <a:endParaRPr lang="en-GB"/>
+            <a:endParaRPr lang="de-DE"/>
           </a:p>
         </p:txBody>
       </p:sp>
     </p:spTree>
     <p:extLst>
       <p:ext uri="{BB962C8B-B14F-4D97-AF65-F5344CB8AC3E}">
-        <p14:creationId xmlns:p14="http://schemas.microsoft.com/office/powerpoint/2010/main" val="1661724968"/>
+        <p14:creationId xmlns:p14="http://schemas.microsoft.com/office/powerpoint/2010/main" val="3647231629"/>
       </p:ext>
     </p:extLst>
   </p:cSld>
@@ -332,134 +907,134 @@
           <a:lstStyle/>
           <a:p>
             <a:r>
+              <a:rPr lang="de-CH" smtClean="0"/>
+              <a:t>Mastertitelformat bearbeiten</a:t>
+            </a:r>
+            <a:endParaRPr lang="de-DE"/>
+          </a:p>
+        </p:txBody>
+      </p:sp>
+      <p:sp>
+        <p:nvSpPr>
+          <p:cNvPr id="3" name="Vertikaler Textplatzhalter 2"/>
+          <p:cNvSpPr>
+            <a:spLocks noGrp="1"/>
+          </p:cNvSpPr>
+          <p:nvPr>
+            <p:ph type="body" orient="vert" idx="1"/>
+          </p:nvPr>
+        </p:nvSpPr>
+        <p:spPr/>
+        <p:txBody>
+          <a:bodyPr vert="eaVert"/>
+          <a:lstStyle/>
+          <a:p>
+            <a:pPr lvl="0"/>
+            <a:r>
+              <a:rPr lang="de-CH" smtClean="0"/>
+              <a:t>Mastertextformat bearbeiten</a:t>
+            </a:r>
+          </a:p>
+          <a:p>
+            <a:pPr lvl="1"/>
+            <a:r>
+              <a:rPr lang="de-CH" smtClean="0"/>
+              <a:t>Zweite Ebene</a:t>
+            </a:r>
+          </a:p>
+          <a:p>
+            <a:pPr lvl="2"/>
+            <a:r>
+              <a:rPr lang="de-CH" smtClean="0"/>
+              <a:t>Dritte Ebene</a:t>
+            </a:r>
+          </a:p>
+          <a:p>
+            <a:pPr lvl="3"/>
+            <a:r>
+              <a:rPr lang="de-CH" smtClean="0"/>
+              <a:t>Vierte Ebene</a:t>
+            </a:r>
+          </a:p>
+          <a:p>
+            <a:pPr lvl="4"/>
+            <a:r>
+              <a:rPr lang="de-CH" smtClean="0"/>
+              <a:t>Fünfte Ebene</a:t>
+            </a:r>
+            <a:endParaRPr lang="de-DE"/>
+          </a:p>
+        </p:txBody>
+      </p:sp>
+      <p:sp>
+        <p:nvSpPr>
+          <p:cNvPr id="4" name="Datumsplatzhalter 3"/>
+          <p:cNvSpPr>
+            <a:spLocks noGrp="1"/>
+          </p:cNvSpPr>
+          <p:nvPr>
+            <p:ph type="dt" sz="half" idx="10"/>
+          </p:nvPr>
+        </p:nvSpPr>
+        <p:spPr/>
+        <p:txBody>
+          <a:bodyPr/>
+          <a:lstStyle/>
+          <a:p>
+            <a:fld id="{81F46EDF-B096-2C41-8722-708F4344B1F0}" type="datetime1">
+              <a:rPr lang="de-CH" smtClean="0"/>
+              <a:t>27.09.15</a:t>
+            </a:fld>
+            <a:endParaRPr lang="de-DE"/>
+          </a:p>
+        </p:txBody>
+      </p:sp>
+      <p:sp>
+        <p:nvSpPr>
+          <p:cNvPr id="5" name="Fußzeilenplatzhalter 4"/>
+          <p:cNvSpPr>
+            <a:spLocks noGrp="1"/>
+          </p:cNvSpPr>
+          <p:nvPr>
+            <p:ph type="ftr" sz="quarter" idx="11"/>
+          </p:nvPr>
+        </p:nvSpPr>
+        <p:spPr/>
+        <p:txBody>
+          <a:bodyPr/>
+          <a:lstStyle/>
+          <a:p>
+            <a:endParaRPr lang="de-DE"/>
+          </a:p>
+        </p:txBody>
+      </p:sp>
+      <p:sp>
+        <p:nvSpPr>
+          <p:cNvPr id="6" name="Foliennummernplatzhalter 5"/>
+          <p:cNvSpPr>
+            <a:spLocks noGrp="1"/>
+          </p:cNvSpPr>
+          <p:nvPr>
+            <p:ph type="sldNum" sz="quarter" idx="12"/>
+          </p:nvPr>
+        </p:nvSpPr>
+        <p:spPr/>
+        <p:txBody>
+          <a:bodyPr/>
+          <a:lstStyle/>
+          <a:p>
+            <a:fld id="{6BB33ECD-5191-EC4A-BC48-DDE302A05FCA}" type="slidenum">
               <a:rPr lang="de-DE" smtClean="0"/>
-              <a:t>Titelmasterformat durch Klicken bearbeiten</a:t>
-            </a:r>
-            <a:endParaRPr lang="en-GB"/>
-          </a:p>
-        </p:txBody>
-      </p:sp>
-      <p:sp>
-        <p:nvSpPr>
-          <p:cNvPr id="3" name="Vertikaler Textplatzhalter 2"/>
-          <p:cNvSpPr>
-            <a:spLocks noGrp="1"/>
-          </p:cNvSpPr>
-          <p:nvPr>
-            <p:ph type="body" orient="vert" idx="1"/>
-          </p:nvPr>
-        </p:nvSpPr>
-        <p:spPr/>
-        <p:txBody>
-          <a:bodyPr vert="eaVert"/>
-          <a:lstStyle/>
-          <a:p>
-            <a:pPr lvl="0"/>
-            <a:r>
-              <a:rPr lang="de-DE" smtClean="0"/>
-              <a:t>Textmasterformat bearbeiten</a:t>
-            </a:r>
-          </a:p>
-          <a:p>
-            <a:pPr lvl="1"/>
-            <a:r>
-              <a:rPr lang="de-DE" smtClean="0"/>
-              <a:t>Zweite Ebene</a:t>
-            </a:r>
-          </a:p>
-          <a:p>
-            <a:pPr lvl="2"/>
-            <a:r>
-              <a:rPr lang="de-DE" smtClean="0"/>
-              <a:t>Dritte Ebene</a:t>
-            </a:r>
-          </a:p>
-          <a:p>
-            <a:pPr lvl="3"/>
-            <a:r>
-              <a:rPr lang="de-DE" smtClean="0"/>
-              <a:t>Vierte Ebene</a:t>
-            </a:r>
-          </a:p>
-          <a:p>
-            <a:pPr lvl="4"/>
-            <a:r>
-              <a:rPr lang="de-DE" smtClean="0"/>
-              <a:t>Fünfte Ebene</a:t>
-            </a:r>
-            <a:endParaRPr lang="en-GB"/>
-          </a:p>
-        </p:txBody>
-      </p:sp>
-      <p:sp>
-        <p:nvSpPr>
-          <p:cNvPr id="4" name="Datumsplatzhalter 3"/>
-          <p:cNvSpPr>
-            <a:spLocks noGrp="1"/>
-          </p:cNvSpPr>
-          <p:nvPr>
-            <p:ph type="dt" sz="half" idx="10"/>
-          </p:nvPr>
-        </p:nvSpPr>
-        <p:spPr/>
-        <p:txBody>
-          <a:bodyPr/>
-          <a:lstStyle/>
-          <a:p>
-            <a:fld id="{DF6DCAC8-75E4-4F15-9352-BAE8E4670518}" type="datetimeFigureOut">
-              <a:rPr lang="en-GB" smtClean="0"/>
-              <a:t>25/09/2015</a:t>
-            </a:fld>
-            <a:endParaRPr lang="en-GB"/>
-          </a:p>
-        </p:txBody>
-      </p:sp>
-      <p:sp>
-        <p:nvSpPr>
-          <p:cNvPr id="5" name="Fußzeilenplatzhalter 4"/>
-          <p:cNvSpPr>
-            <a:spLocks noGrp="1"/>
-          </p:cNvSpPr>
-          <p:nvPr>
-            <p:ph type="ftr" sz="quarter" idx="11"/>
-          </p:nvPr>
-        </p:nvSpPr>
-        <p:spPr/>
-        <p:txBody>
-          <a:bodyPr/>
-          <a:lstStyle/>
-          <a:p>
-            <a:endParaRPr lang="en-GB"/>
-          </a:p>
-        </p:txBody>
-      </p:sp>
-      <p:sp>
-        <p:nvSpPr>
-          <p:cNvPr id="6" name="Foliennummernplatzhalter 5"/>
-          <p:cNvSpPr>
-            <a:spLocks noGrp="1"/>
-          </p:cNvSpPr>
-          <p:nvPr>
-            <p:ph type="sldNum" sz="quarter" idx="12"/>
-          </p:nvPr>
-        </p:nvSpPr>
-        <p:spPr/>
-        <p:txBody>
-          <a:bodyPr/>
-          <a:lstStyle/>
-          <a:p>
-            <a:fld id="{DB1B72FE-204D-405E-8784-F9B18E986B41}" type="slidenum">
-              <a:rPr lang="en-GB" smtClean="0"/>
               <a:t>‹Nr.›</a:t>
             </a:fld>
-            <a:endParaRPr lang="en-GB"/>
+            <a:endParaRPr lang="de-DE"/>
           </a:p>
         </p:txBody>
       </p:sp>
     </p:spTree>
     <p:extLst>
       <p:ext uri="{BB962C8B-B14F-4D97-AF65-F5344CB8AC3E}">
-        <p14:creationId xmlns:p14="http://schemas.microsoft.com/office/powerpoint/2010/main" val="622711229"/>
+        <p14:creationId xmlns:p14="http://schemas.microsoft.com/office/powerpoint/2010/main" val="1025101673"/>
       </p:ext>
     </p:extLst>
   </p:cSld>
@@ -498,8 +1073,8 @@
         </p:nvSpPr>
         <p:spPr>
           <a:xfrm>
-            <a:off x="8724900" y="365125"/>
-            <a:ext cx="2628900" cy="5811838"/>
+            <a:off x="6629400" y="274638"/>
+            <a:ext cx="2057400" cy="5851525"/>
           </a:xfrm>
         </p:spPr>
         <p:txBody>
@@ -507,10 +1082,10 @@
           <a:lstStyle/>
           <a:p>
             <a:r>
-              <a:rPr lang="de-DE" smtClean="0"/>
-              <a:t>Titelmasterformat durch Klicken bearbeiten</a:t>
-            </a:r>
-            <a:endParaRPr lang="en-GB"/>
+              <a:rPr lang="de-CH" smtClean="0"/>
+              <a:t>Mastertitelformat bearbeiten</a:t>
+            </a:r>
+            <a:endParaRPr lang="de-DE"/>
           </a:p>
         </p:txBody>
       </p:sp>
@@ -526,8 +1101,8 @@
         </p:nvSpPr>
         <p:spPr>
           <a:xfrm>
-            <a:off x="838200" y="365125"/>
-            <a:ext cx="7734300" cy="5811838"/>
+            <a:off x="457200" y="274638"/>
+            <a:ext cx="6019800" cy="5851525"/>
           </a:xfrm>
         </p:spPr>
         <p:txBody>
@@ -536,110 +1111,110 @@
           <a:p>
             <a:pPr lvl="0"/>
             <a:r>
+              <a:rPr lang="de-CH" smtClean="0"/>
+              <a:t>Mastertextformat bearbeiten</a:t>
+            </a:r>
+          </a:p>
+          <a:p>
+            <a:pPr lvl="1"/>
+            <a:r>
+              <a:rPr lang="de-CH" smtClean="0"/>
+              <a:t>Zweite Ebene</a:t>
+            </a:r>
+          </a:p>
+          <a:p>
+            <a:pPr lvl="2"/>
+            <a:r>
+              <a:rPr lang="de-CH" smtClean="0"/>
+              <a:t>Dritte Ebene</a:t>
+            </a:r>
+          </a:p>
+          <a:p>
+            <a:pPr lvl="3"/>
+            <a:r>
+              <a:rPr lang="de-CH" smtClean="0"/>
+              <a:t>Vierte Ebene</a:t>
+            </a:r>
+          </a:p>
+          <a:p>
+            <a:pPr lvl="4"/>
+            <a:r>
+              <a:rPr lang="de-CH" smtClean="0"/>
+              <a:t>Fünfte Ebene</a:t>
+            </a:r>
+            <a:endParaRPr lang="de-DE"/>
+          </a:p>
+        </p:txBody>
+      </p:sp>
+      <p:sp>
+        <p:nvSpPr>
+          <p:cNvPr id="4" name="Datumsplatzhalter 3"/>
+          <p:cNvSpPr>
+            <a:spLocks noGrp="1"/>
+          </p:cNvSpPr>
+          <p:nvPr>
+            <p:ph type="dt" sz="half" idx="10"/>
+          </p:nvPr>
+        </p:nvSpPr>
+        <p:spPr/>
+        <p:txBody>
+          <a:bodyPr/>
+          <a:lstStyle/>
+          <a:p>
+            <a:fld id="{D8180C87-BF35-8F46-BF91-F650A587160F}" type="datetime1">
+              <a:rPr lang="de-CH" smtClean="0"/>
+              <a:t>27.09.15</a:t>
+            </a:fld>
+            <a:endParaRPr lang="de-DE"/>
+          </a:p>
+        </p:txBody>
+      </p:sp>
+      <p:sp>
+        <p:nvSpPr>
+          <p:cNvPr id="5" name="Fußzeilenplatzhalter 4"/>
+          <p:cNvSpPr>
+            <a:spLocks noGrp="1"/>
+          </p:cNvSpPr>
+          <p:nvPr>
+            <p:ph type="ftr" sz="quarter" idx="11"/>
+          </p:nvPr>
+        </p:nvSpPr>
+        <p:spPr/>
+        <p:txBody>
+          <a:bodyPr/>
+          <a:lstStyle/>
+          <a:p>
+            <a:endParaRPr lang="de-DE"/>
+          </a:p>
+        </p:txBody>
+      </p:sp>
+      <p:sp>
+        <p:nvSpPr>
+          <p:cNvPr id="6" name="Foliennummernplatzhalter 5"/>
+          <p:cNvSpPr>
+            <a:spLocks noGrp="1"/>
+          </p:cNvSpPr>
+          <p:nvPr>
+            <p:ph type="sldNum" sz="quarter" idx="12"/>
+          </p:nvPr>
+        </p:nvSpPr>
+        <p:spPr/>
+        <p:txBody>
+          <a:bodyPr/>
+          <a:lstStyle/>
+          <a:p>
+            <a:fld id="{6BB33ECD-5191-EC4A-BC48-DDE302A05FCA}" type="slidenum">
               <a:rPr lang="de-DE" smtClean="0"/>
-              <a:t>Textmasterformat bearbeiten</a:t>
-            </a:r>
-          </a:p>
-          <a:p>
-            <a:pPr lvl="1"/>
-            <a:r>
-              <a:rPr lang="de-DE" smtClean="0"/>
-              <a:t>Zweite Ebene</a:t>
-            </a:r>
-          </a:p>
-          <a:p>
-            <a:pPr lvl="2"/>
-            <a:r>
-              <a:rPr lang="de-DE" smtClean="0"/>
-              <a:t>Dritte Ebene</a:t>
-            </a:r>
-          </a:p>
-          <a:p>
-            <a:pPr lvl="3"/>
-            <a:r>
-              <a:rPr lang="de-DE" smtClean="0"/>
-              <a:t>Vierte Ebene</a:t>
-            </a:r>
-          </a:p>
-          <a:p>
-            <a:pPr lvl="4"/>
-            <a:r>
-              <a:rPr lang="de-DE" smtClean="0"/>
-              <a:t>Fünfte Ebene</a:t>
-            </a:r>
-            <a:endParaRPr lang="en-GB"/>
-          </a:p>
-        </p:txBody>
-      </p:sp>
-      <p:sp>
-        <p:nvSpPr>
-          <p:cNvPr id="4" name="Datumsplatzhalter 3"/>
-          <p:cNvSpPr>
-            <a:spLocks noGrp="1"/>
-          </p:cNvSpPr>
-          <p:nvPr>
-            <p:ph type="dt" sz="half" idx="10"/>
-          </p:nvPr>
-        </p:nvSpPr>
-        <p:spPr/>
-        <p:txBody>
-          <a:bodyPr/>
-          <a:lstStyle/>
-          <a:p>
-            <a:fld id="{DF6DCAC8-75E4-4F15-9352-BAE8E4670518}" type="datetimeFigureOut">
-              <a:rPr lang="en-GB" smtClean="0"/>
-              <a:t>25/09/2015</a:t>
-            </a:fld>
-            <a:endParaRPr lang="en-GB"/>
-          </a:p>
-        </p:txBody>
-      </p:sp>
-      <p:sp>
-        <p:nvSpPr>
-          <p:cNvPr id="5" name="Fußzeilenplatzhalter 4"/>
-          <p:cNvSpPr>
-            <a:spLocks noGrp="1"/>
-          </p:cNvSpPr>
-          <p:nvPr>
-            <p:ph type="ftr" sz="quarter" idx="11"/>
-          </p:nvPr>
-        </p:nvSpPr>
-        <p:spPr/>
-        <p:txBody>
-          <a:bodyPr/>
-          <a:lstStyle/>
-          <a:p>
-            <a:endParaRPr lang="en-GB"/>
-          </a:p>
-        </p:txBody>
-      </p:sp>
-      <p:sp>
-        <p:nvSpPr>
-          <p:cNvPr id="6" name="Foliennummernplatzhalter 5"/>
-          <p:cNvSpPr>
-            <a:spLocks noGrp="1"/>
-          </p:cNvSpPr>
-          <p:nvPr>
-            <p:ph type="sldNum" sz="quarter" idx="12"/>
-          </p:nvPr>
-        </p:nvSpPr>
-        <p:spPr/>
-        <p:txBody>
-          <a:bodyPr/>
-          <a:lstStyle/>
-          <a:p>
-            <a:fld id="{DB1B72FE-204D-405E-8784-F9B18E986B41}" type="slidenum">
-              <a:rPr lang="en-GB" smtClean="0"/>
               <a:t>‹Nr.›</a:t>
             </a:fld>
-            <a:endParaRPr lang="en-GB"/>
+            <a:endParaRPr lang="de-DE"/>
           </a:p>
         </p:txBody>
       </p:sp>
     </p:spTree>
     <p:extLst>
       <p:ext uri="{BB962C8B-B14F-4D97-AF65-F5344CB8AC3E}">
-        <p14:creationId xmlns:p14="http://schemas.microsoft.com/office/powerpoint/2010/main" val="3372873285"/>
+        <p14:creationId xmlns:p14="http://schemas.microsoft.com/office/powerpoint/2010/main" val="964656649"/>
       </p:ext>
     </p:extLst>
   </p:cSld>
@@ -682,134 +1257,134 @@
           <a:lstStyle/>
           <a:p>
             <a:r>
+              <a:rPr lang="de-CH" smtClean="0"/>
+              <a:t>Mastertitelformat bearbeiten</a:t>
+            </a:r>
+            <a:endParaRPr lang="de-DE"/>
+          </a:p>
+        </p:txBody>
+      </p:sp>
+      <p:sp>
+        <p:nvSpPr>
+          <p:cNvPr id="3" name="Inhaltsplatzhalter 2"/>
+          <p:cNvSpPr>
+            <a:spLocks noGrp="1"/>
+          </p:cNvSpPr>
+          <p:nvPr>
+            <p:ph idx="1"/>
+          </p:nvPr>
+        </p:nvSpPr>
+        <p:spPr/>
+        <p:txBody>
+          <a:bodyPr/>
+          <a:lstStyle/>
+          <a:p>
+            <a:pPr lvl="0"/>
+            <a:r>
+              <a:rPr lang="de-CH" smtClean="0"/>
+              <a:t>Mastertextformat bearbeiten</a:t>
+            </a:r>
+          </a:p>
+          <a:p>
+            <a:pPr lvl="1"/>
+            <a:r>
+              <a:rPr lang="de-CH" smtClean="0"/>
+              <a:t>Zweite Ebene</a:t>
+            </a:r>
+          </a:p>
+          <a:p>
+            <a:pPr lvl="2"/>
+            <a:r>
+              <a:rPr lang="de-CH" smtClean="0"/>
+              <a:t>Dritte Ebene</a:t>
+            </a:r>
+          </a:p>
+          <a:p>
+            <a:pPr lvl="3"/>
+            <a:r>
+              <a:rPr lang="de-CH" smtClean="0"/>
+              <a:t>Vierte Ebene</a:t>
+            </a:r>
+          </a:p>
+          <a:p>
+            <a:pPr lvl="4"/>
+            <a:r>
+              <a:rPr lang="de-CH" smtClean="0"/>
+              <a:t>Fünfte Ebene</a:t>
+            </a:r>
+            <a:endParaRPr lang="de-DE"/>
+          </a:p>
+        </p:txBody>
+      </p:sp>
+      <p:sp>
+        <p:nvSpPr>
+          <p:cNvPr id="4" name="Datumsplatzhalter 3"/>
+          <p:cNvSpPr>
+            <a:spLocks noGrp="1"/>
+          </p:cNvSpPr>
+          <p:nvPr>
+            <p:ph type="dt" sz="half" idx="10"/>
+          </p:nvPr>
+        </p:nvSpPr>
+        <p:spPr/>
+        <p:txBody>
+          <a:bodyPr/>
+          <a:lstStyle/>
+          <a:p>
+            <a:fld id="{570992C3-92D7-8F40-A711-6CFB7B759DEC}" type="datetime1">
+              <a:rPr lang="de-CH" smtClean="0"/>
+              <a:t>27.09.15</a:t>
+            </a:fld>
+            <a:endParaRPr lang="de-DE"/>
+          </a:p>
+        </p:txBody>
+      </p:sp>
+      <p:sp>
+        <p:nvSpPr>
+          <p:cNvPr id="5" name="Fußzeilenplatzhalter 4"/>
+          <p:cNvSpPr>
+            <a:spLocks noGrp="1"/>
+          </p:cNvSpPr>
+          <p:nvPr>
+            <p:ph type="ftr" sz="quarter" idx="11"/>
+          </p:nvPr>
+        </p:nvSpPr>
+        <p:spPr/>
+        <p:txBody>
+          <a:bodyPr/>
+          <a:lstStyle/>
+          <a:p>
+            <a:endParaRPr lang="de-DE" dirty="0"/>
+          </a:p>
+        </p:txBody>
+      </p:sp>
+      <p:sp>
+        <p:nvSpPr>
+          <p:cNvPr id="6" name="Foliennummernplatzhalter 5"/>
+          <p:cNvSpPr>
+            <a:spLocks noGrp="1"/>
+          </p:cNvSpPr>
+          <p:nvPr>
+            <p:ph type="sldNum" sz="quarter" idx="12"/>
+          </p:nvPr>
+        </p:nvSpPr>
+        <p:spPr/>
+        <p:txBody>
+          <a:bodyPr/>
+          <a:lstStyle/>
+          <a:p>
+            <a:fld id="{6BB33ECD-5191-EC4A-BC48-DDE302A05FCA}" type="slidenum">
               <a:rPr lang="de-DE" smtClean="0"/>
-              <a:t>Titelmasterformat durch Klicken bearbeiten</a:t>
-            </a:r>
-            <a:endParaRPr lang="en-GB"/>
-          </a:p>
-        </p:txBody>
-      </p:sp>
-      <p:sp>
-        <p:nvSpPr>
-          <p:cNvPr id="3" name="Inhaltsplatzhalter 2"/>
-          <p:cNvSpPr>
-            <a:spLocks noGrp="1"/>
-          </p:cNvSpPr>
-          <p:nvPr>
-            <p:ph idx="1"/>
-          </p:nvPr>
-        </p:nvSpPr>
-        <p:spPr/>
-        <p:txBody>
-          <a:bodyPr/>
-          <a:lstStyle/>
-          <a:p>
-            <a:pPr lvl="0"/>
-            <a:r>
-              <a:rPr lang="de-DE" smtClean="0"/>
-              <a:t>Textmasterformat bearbeiten</a:t>
-            </a:r>
-          </a:p>
-          <a:p>
-            <a:pPr lvl="1"/>
-            <a:r>
-              <a:rPr lang="de-DE" smtClean="0"/>
-              <a:t>Zweite Ebene</a:t>
-            </a:r>
-          </a:p>
-          <a:p>
-            <a:pPr lvl="2"/>
-            <a:r>
-              <a:rPr lang="de-DE" smtClean="0"/>
-              <a:t>Dritte Ebene</a:t>
-            </a:r>
-          </a:p>
-          <a:p>
-            <a:pPr lvl="3"/>
-            <a:r>
-              <a:rPr lang="de-DE" smtClean="0"/>
-              <a:t>Vierte Ebene</a:t>
-            </a:r>
-          </a:p>
-          <a:p>
-            <a:pPr lvl="4"/>
-            <a:r>
-              <a:rPr lang="de-DE" smtClean="0"/>
-              <a:t>Fünfte Ebene</a:t>
-            </a:r>
-            <a:endParaRPr lang="en-GB"/>
-          </a:p>
-        </p:txBody>
-      </p:sp>
-      <p:sp>
-        <p:nvSpPr>
-          <p:cNvPr id="4" name="Datumsplatzhalter 3"/>
-          <p:cNvSpPr>
-            <a:spLocks noGrp="1"/>
-          </p:cNvSpPr>
-          <p:nvPr>
-            <p:ph type="dt" sz="half" idx="10"/>
-          </p:nvPr>
-        </p:nvSpPr>
-        <p:spPr/>
-        <p:txBody>
-          <a:bodyPr/>
-          <a:lstStyle/>
-          <a:p>
-            <a:fld id="{DF6DCAC8-75E4-4F15-9352-BAE8E4670518}" type="datetimeFigureOut">
-              <a:rPr lang="en-GB" smtClean="0"/>
-              <a:t>25/09/2015</a:t>
-            </a:fld>
-            <a:endParaRPr lang="en-GB"/>
-          </a:p>
-        </p:txBody>
-      </p:sp>
-      <p:sp>
-        <p:nvSpPr>
-          <p:cNvPr id="5" name="Fußzeilenplatzhalter 4"/>
-          <p:cNvSpPr>
-            <a:spLocks noGrp="1"/>
-          </p:cNvSpPr>
-          <p:nvPr>
-            <p:ph type="ftr" sz="quarter" idx="11"/>
-          </p:nvPr>
-        </p:nvSpPr>
-        <p:spPr/>
-        <p:txBody>
-          <a:bodyPr/>
-          <a:lstStyle/>
-          <a:p>
-            <a:endParaRPr lang="en-GB"/>
-          </a:p>
-        </p:txBody>
-      </p:sp>
-      <p:sp>
-        <p:nvSpPr>
-          <p:cNvPr id="6" name="Foliennummernplatzhalter 5"/>
-          <p:cNvSpPr>
-            <a:spLocks noGrp="1"/>
-          </p:cNvSpPr>
-          <p:nvPr>
-            <p:ph type="sldNum" sz="quarter" idx="12"/>
-          </p:nvPr>
-        </p:nvSpPr>
-        <p:spPr/>
-        <p:txBody>
-          <a:bodyPr/>
-          <a:lstStyle/>
-          <a:p>
-            <a:fld id="{DB1B72FE-204D-405E-8784-F9B18E986B41}" type="slidenum">
-              <a:rPr lang="en-GB" smtClean="0"/>
               <a:t>‹Nr.›</a:t>
             </a:fld>
-            <a:endParaRPr lang="en-GB"/>
+            <a:endParaRPr lang="de-DE"/>
           </a:p>
         </p:txBody>
       </p:sp>
     </p:spTree>
     <p:extLst>
       <p:ext uri="{BB962C8B-B14F-4D97-AF65-F5344CB8AC3E}">
-        <p14:creationId xmlns:p14="http://schemas.microsoft.com/office/powerpoint/2010/main" val="1606916080"/>
+        <p14:creationId xmlns:p14="http://schemas.microsoft.com/office/powerpoint/2010/main" val="3114948995"/>
       </p:ext>
     </p:extLst>
   </p:cSld>
@@ -821,7 +1396,7 @@
 
 <file path=ppt/slideLayouts/slideLayout3.xml><?xml version="1.0" encoding="utf-8"?>
 <p:sldLayout xmlns:a="http://schemas.openxmlformats.org/drawingml/2006/main" xmlns:r="http://schemas.openxmlformats.org/officeDocument/2006/relationships" xmlns:p="http://schemas.openxmlformats.org/presentationml/2006/main" type="secHead" preserve="1">
-  <p:cSld name="Abschnitts-&#10;überschrift">
+  <p:cSld name="Abschnittsüberschrift">
     <p:spTree>
       <p:nvGrpSpPr>
         <p:cNvPr id="1" name=""/>
@@ -848,48 +1423,48 @@
         </p:nvSpPr>
         <p:spPr>
           <a:xfrm>
-            <a:off x="831850" y="1709738"/>
-            <a:ext cx="10515600" cy="2852737"/>
+            <a:off x="722313" y="4406900"/>
+            <a:ext cx="7772400" cy="1362075"/>
           </a:xfrm>
         </p:spPr>
         <p:txBody>
+          <a:bodyPr anchor="t"/>
+          <a:lstStyle>
+            <a:lvl1pPr algn="l">
+              <a:defRPr sz="4000" b="1" cap="all"/>
+            </a:lvl1pPr>
+          </a:lstStyle>
+          <a:p>
+            <a:r>
+              <a:rPr lang="de-CH" smtClean="0"/>
+              <a:t>Mastertitelformat bearbeiten</a:t>
+            </a:r>
+            <a:endParaRPr lang="de-DE"/>
+          </a:p>
+        </p:txBody>
+      </p:sp>
+      <p:sp>
+        <p:nvSpPr>
+          <p:cNvPr id="3" name="Textplatzhalter 2"/>
+          <p:cNvSpPr>
+            <a:spLocks noGrp="1"/>
+          </p:cNvSpPr>
+          <p:nvPr>
+            <p:ph type="body" idx="1"/>
+          </p:nvPr>
+        </p:nvSpPr>
+        <p:spPr>
+          <a:xfrm>
+            <a:off x="722313" y="2906713"/>
+            <a:ext cx="7772400" cy="1500187"/>
+          </a:xfrm>
+        </p:spPr>
+        <p:txBody>
           <a:bodyPr anchor="b"/>
           <a:lstStyle>
-            <a:lvl1pPr>
-              <a:defRPr sz="6000"/>
-            </a:lvl1pPr>
-          </a:lstStyle>
-          <a:p>
-            <a:r>
-              <a:rPr lang="de-DE" smtClean="0"/>
-              <a:t>Titelmasterformat durch Klicken bearbeiten</a:t>
-            </a:r>
-            <a:endParaRPr lang="en-GB"/>
-          </a:p>
-        </p:txBody>
-      </p:sp>
-      <p:sp>
-        <p:nvSpPr>
-          <p:cNvPr id="3" name="Textplatzhalter 2"/>
-          <p:cNvSpPr>
-            <a:spLocks noGrp="1"/>
-          </p:cNvSpPr>
-          <p:nvPr>
-            <p:ph type="body" idx="1"/>
-          </p:nvPr>
-        </p:nvSpPr>
-        <p:spPr>
-          <a:xfrm>
-            <a:off x="831850" y="4589463"/>
-            <a:ext cx="10515600" cy="1500187"/>
-          </a:xfrm>
-        </p:spPr>
-        <p:txBody>
-          <a:bodyPr/>
-          <a:lstStyle>
             <a:lvl1pPr marL="0" indent="0">
               <a:buNone/>
-              <a:defRPr sz="2400">
+              <a:defRPr sz="2000">
                 <a:solidFill>
                   <a:schemeClr val="tx1">
                     <a:tint val="75000"/>
@@ -899,7 +1474,7 @@
             </a:lvl1pPr>
             <a:lvl2pPr marL="457200" indent="0">
               <a:buNone/>
-              <a:defRPr sz="2000">
+              <a:defRPr sz="1800">
                 <a:solidFill>
                   <a:schemeClr val="tx1">
                     <a:tint val="75000"/>
@@ -909,7 +1484,7 @@
             </a:lvl2pPr>
             <a:lvl3pPr marL="914400" indent="0">
               <a:buNone/>
-              <a:defRPr sz="1800">
+              <a:defRPr sz="1600">
                 <a:solidFill>
                   <a:schemeClr val="tx1">
                     <a:tint val="75000"/>
@@ -919,7 +1494,7 @@
             </a:lvl3pPr>
             <a:lvl4pPr marL="1371600" indent="0">
               <a:buNone/>
-              <a:defRPr sz="1600">
+              <a:defRPr sz="1400">
                 <a:solidFill>
                   <a:schemeClr val="tx1">
                     <a:tint val="75000"/>
@@ -929,7 +1504,7 @@
             </a:lvl4pPr>
             <a:lvl5pPr marL="1828800" indent="0">
               <a:buNone/>
-              <a:defRPr sz="1600">
+              <a:defRPr sz="1400">
                 <a:solidFill>
                   <a:schemeClr val="tx1">
                     <a:tint val="75000"/>
@@ -939,7 +1514,7 @@
             </a:lvl5pPr>
             <a:lvl6pPr marL="2286000" indent="0">
               <a:buNone/>
-              <a:defRPr sz="1600">
+              <a:defRPr sz="1400">
                 <a:solidFill>
                   <a:schemeClr val="tx1">
                     <a:tint val="75000"/>
@@ -949,7 +1524,7 @@
             </a:lvl6pPr>
             <a:lvl7pPr marL="2743200" indent="0">
               <a:buNone/>
-              <a:defRPr sz="1600">
+              <a:defRPr sz="1400">
                 <a:solidFill>
                   <a:schemeClr val="tx1">
                     <a:tint val="75000"/>
@@ -959,7 +1534,7 @@
             </a:lvl7pPr>
             <a:lvl8pPr marL="3200400" indent="0">
               <a:buNone/>
-              <a:defRPr sz="1600">
+              <a:defRPr sz="1400">
                 <a:solidFill>
                   <a:schemeClr val="tx1">
                     <a:tint val="75000"/>
@@ -969,7 +1544,7 @@
             </a:lvl8pPr>
             <a:lvl9pPr marL="3657600" indent="0">
               <a:buNone/>
-              <a:defRPr sz="1600">
+              <a:defRPr sz="1400">
                 <a:solidFill>
                   <a:schemeClr val="tx1">
                     <a:tint val="75000"/>
@@ -981,81 +1556,81 @@
           <a:p>
             <a:pPr lvl="0"/>
             <a:r>
+              <a:rPr lang="de-CH" smtClean="0"/>
+              <a:t>Mastertextformat bearbeiten</a:t>
+            </a:r>
+          </a:p>
+        </p:txBody>
+      </p:sp>
+      <p:sp>
+        <p:nvSpPr>
+          <p:cNvPr id="4" name="Datumsplatzhalter 3"/>
+          <p:cNvSpPr>
+            <a:spLocks noGrp="1"/>
+          </p:cNvSpPr>
+          <p:nvPr>
+            <p:ph type="dt" sz="half" idx="10"/>
+          </p:nvPr>
+        </p:nvSpPr>
+        <p:spPr/>
+        <p:txBody>
+          <a:bodyPr/>
+          <a:lstStyle/>
+          <a:p>
+            <a:fld id="{3AAEB2DB-9F07-AB4D-8BA5-B0B446B2F859}" type="datetime1">
+              <a:rPr lang="de-CH" smtClean="0"/>
+              <a:t>27.09.15</a:t>
+            </a:fld>
+            <a:endParaRPr lang="de-DE"/>
+          </a:p>
+        </p:txBody>
+      </p:sp>
+      <p:sp>
+        <p:nvSpPr>
+          <p:cNvPr id="5" name="Fußzeilenplatzhalter 4"/>
+          <p:cNvSpPr>
+            <a:spLocks noGrp="1"/>
+          </p:cNvSpPr>
+          <p:nvPr>
+            <p:ph type="ftr" sz="quarter" idx="11"/>
+          </p:nvPr>
+        </p:nvSpPr>
+        <p:spPr/>
+        <p:txBody>
+          <a:bodyPr/>
+          <a:lstStyle/>
+          <a:p>
+            <a:endParaRPr lang="de-DE"/>
+          </a:p>
+        </p:txBody>
+      </p:sp>
+      <p:sp>
+        <p:nvSpPr>
+          <p:cNvPr id="6" name="Foliennummernplatzhalter 5"/>
+          <p:cNvSpPr>
+            <a:spLocks noGrp="1"/>
+          </p:cNvSpPr>
+          <p:nvPr>
+            <p:ph type="sldNum" sz="quarter" idx="12"/>
+          </p:nvPr>
+        </p:nvSpPr>
+        <p:spPr/>
+        <p:txBody>
+          <a:bodyPr/>
+          <a:lstStyle/>
+          <a:p>
+            <a:fld id="{6BB33ECD-5191-EC4A-BC48-DDE302A05FCA}" type="slidenum">
               <a:rPr lang="de-DE" smtClean="0"/>
-              <a:t>Textmasterformat bearbeiten</a:t>
-            </a:r>
-          </a:p>
-        </p:txBody>
-      </p:sp>
-      <p:sp>
-        <p:nvSpPr>
-          <p:cNvPr id="4" name="Datumsplatzhalter 3"/>
-          <p:cNvSpPr>
-            <a:spLocks noGrp="1"/>
-          </p:cNvSpPr>
-          <p:nvPr>
-            <p:ph type="dt" sz="half" idx="10"/>
-          </p:nvPr>
-        </p:nvSpPr>
-        <p:spPr/>
-        <p:txBody>
-          <a:bodyPr/>
-          <a:lstStyle/>
-          <a:p>
-            <a:fld id="{DF6DCAC8-75E4-4F15-9352-BAE8E4670518}" type="datetimeFigureOut">
-              <a:rPr lang="en-GB" smtClean="0"/>
-              <a:t>25/09/2015</a:t>
-            </a:fld>
-            <a:endParaRPr lang="en-GB"/>
-          </a:p>
-        </p:txBody>
-      </p:sp>
-      <p:sp>
-        <p:nvSpPr>
-          <p:cNvPr id="5" name="Fußzeilenplatzhalter 4"/>
-          <p:cNvSpPr>
-            <a:spLocks noGrp="1"/>
-          </p:cNvSpPr>
-          <p:nvPr>
-            <p:ph type="ftr" sz="quarter" idx="11"/>
-          </p:nvPr>
-        </p:nvSpPr>
-        <p:spPr/>
-        <p:txBody>
-          <a:bodyPr/>
-          <a:lstStyle/>
-          <a:p>
-            <a:endParaRPr lang="en-GB"/>
-          </a:p>
-        </p:txBody>
-      </p:sp>
-      <p:sp>
-        <p:nvSpPr>
-          <p:cNvPr id="6" name="Foliennummernplatzhalter 5"/>
-          <p:cNvSpPr>
-            <a:spLocks noGrp="1"/>
-          </p:cNvSpPr>
-          <p:nvPr>
-            <p:ph type="sldNum" sz="quarter" idx="12"/>
-          </p:nvPr>
-        </p:nvSpPr>
-        <p:spPr/>
-        <p:txBody>
-          <a:bodyPr/>
-          <a:lstStyle/>
-          <a:p>
-            <a:fld id="{DB1B72FE-204D-405E-8784-F9B18E986B41}" type="slidenum">
-              <a:rPr lang="en-GB" smtClean="0"/>
               <a:t>‹Nr.›</a:t>
             </a:fld>
-            <a:endParaRPr lang="en-GB"/>
+            <a:endParaRPr lang="de-DE"/>
           </a:p>
         </p:txBody>
       </p:sp>
     </p:spTree>
     <p:extLst>
       <p:ext uri="{BB962C8B-B14F-4D97-AF65-F5344CB8AC3E}">
-        <p14:creationId xmlns:p14="http://schemas.microsoft.com/office/powerpoint/2010/main" val="66046248"/>
+        <p14:creationId xmlns:p14="http://schemas.microsoft.com/office/powerpoint/2010/main" val="712982372"/>
       </p:ext>
     </p:extLst>
   </p:cSld>
@@ -1098,10 +1673,10 @@
           <a:lstStyle/>
           <a:p>
             <a:r>
-              <a:rPr lang="de-DE" smtClean="0"/>
-              <a:t>Titelmasterformat durch Klicken bearbeiten</a:t>
-            </a:r>
-            <a:endParaRPr lang="en-GB"/>
+              <a:rPr lang="de-CH" smtClean="0"/>
+              <a:t>Mastertitelformat bearbeiten</a:t>
+            </a:r>
+            <a:endParaRPr lang="de-DE"/>
           </a:p>
         </p:txBody>
       </p:sp>
@@ -1117,48 +1692,76 @@
         </p:nvSpPr>
         <p:spPr>
           <a:xfrm>
-            <a:off x="838200" y="1825625"/>
-            <a:ext cx="5181600" cy="4351338"/>
+            <a:off x="457200" y="1600200"/>
+            <a:ext cx="4038600" cy="4525963"/>
           </a:xfrm>
         </p:spPr>
         <p:txBody>
           <a:bodyPr/>
-          <a:lstStyle/>
+          <a:lstStyle>
+            <a:lvl1pPr>
+              <a:defRPr sz="2800"/>
+            </a:lvl1pPr>
+            <a:lvl2pPr>
+              <a:defRPr sz="2400"/>
+            </a:lvl2pPr>
+            <a:lvl3pPr>
+              <a:defRPr sz="2000"/>
+            </a:lvl3pPr>
+            <a:lvl4pPr>
+              <a:defRPr sz="1800"/>
+            </a:lvl4pPr>
+            <a:lvl5pPr>
+              <a:defRPr sz="1800"/>
+            </a:lvl5pPr>
+            <a:lvl6pPr>
+              <a:defRPr sz="1800"/>
+            </a:lvl6pPr>
+            <a:lvl7pPr>
+              <a:defRPr sz="1800"/>
+            </a:lvl7pPr>
+            <a:lvl8pPr>
+              <a:defRPr sz="1800"/>
+            </a:lvl8pPr>
+            <a:lvl9pPr>
+              <a:defRPr sz="1800"/>
+            </a:lvl9pPr>
+          </a:lstStyle>
           <a:p>
             <a:pPr lvl="0"/>
             <a:r>
-              <a:rPr lang="de-DE" smtClean="0"/>
-              <a:t>Textmasterformat bearbeiten</a:t>
+              <a:rPr lang="de-CH" smtClean="0"/>
+              <a:t>Mastertextformat bearbeiten</a:t>
             </a:r>
           </a:p>
           <a:p>
             <a:pPr lvl="1"/>
             <a:r>
-              <a:rPr lang="de-DE" smtClean="0"/>
+              <a:rPr lang="de-CH" smtClean="0"/>
               <a:t>Zweite Ebene</a:t>
             </a:r>
           </a:p>
           <a:p>
             <a:pPr lvl="2"/>
             <a:r>
-              <a:rPr lang="de-DE" smtClean="0"/>
+              <a:rPr lang="de-CH" smtClean="0"/>
               <a:t>Dritte Ebene</a:t>
             </a:r>
           </a:p>
           <a:p>
             <a:pPr lvl="3"/>
             <a:r>
-              <a:rPr lang="de-DE" smtClean="0"/>
+              <a:rPr lang="de-CH" smtClean="0"/>
               <a:t>Vierte Ebene</a:t>
             </a:r>
           </a:p>
           <a:p>
             <a:pPr lvl="4"/>
             <a:r>
-              <a:rPr lang="de-DE" smtClean="0"/>
+              <a:rPr lang="de-CH" smtClean="0"/>
               <a:t>Fünfte Ebene</a:t>
             </a:r>
-            <a:endParaRPr lang="en-GB"/>
+            <a:endParaRPr lang="de-DE"/>
           </a:p>
         </p:txBody>
       </p:sp>
@@ -1174,120 +1777,148 @@
         </p:nvSpPr>
         <p:spPr>
           <a:xfrm>
-            <a:off x="6172200" y="1825625"/>
-            <a:ext cx="5181600" cy="4351338"/>
+            <a:off x="4648200" y="1600200"/>
+            <a:ext cx="4038600" cy="4525963"/>
           </a:xfrm>
         </p:spPr>
         <p:txBody>
           <a:bodyPr/>
-          <a:lstStyle/>
+          <a:lstStyle>
+            <a:lvl1pPr>
+              <a:defRPr sz="2800"/>
+            </a:lvl1pPr>
+            <a:lvl2pPr>
+              <a:defRPr sz="2400"/>
+            </a:lvl2pPr>
+            <a:lvl3pPr>
+              <a:defRPr sz="2000"/>
+            </a:lvl3pPr>
+            <a:lvl4pPr>
+              <a:defRPr sz="1800"/>
+            </a:lvl4pPr>
+            <a:lvl5pPr>
+              <a:defRPr sz="1800"/>
+            </a:lvl5pPr>
+            <a:lvl6pPr>
+              <a:defRPr sz="1800"/>
+            </a:lvl6pPr>
+            <a:lvl7pPr>
+              <a:defRPr sz="1800"/>
+            </a:lvl7pPr>
+            <a:lvl8pPr>
+              <a:defRPr sz="1800"/>
+            </a:lvl8pPr>
+            <a:lvl9pPr>
+              <a:defRPr sz="1800"/>
+            </a:lvl9pPr>
+          </a:lstStyle>
           <a:p>
             <a:pPr lvl="0"/>
             <a:r>
+              <a:rPr lang="de-CH" smtClean="0"/>
+              <a:t>Mastertextformat bearbeiten</a:t>
+            </a:r>
+          </a:p>
+          <a:p>
+            <a:pPr lvl="1"/>
+            <a:r>
+              <a:rPr lang="de-CH" smtClean="0"/>
+              <a:t>Zweite Ebene</a:t>
+            </a:r>
+          </a:p>
+          <a:p>
+            <a:pPr lvl="2"/>
+            <a:r>
+              <a:rPr lang="de-CH" smtClean="0"/>
+              <a:t>Dritte Ebene</a:t>
+            </a:r>
+          </a:p>
+          <a:p>
+            <a:pPr lvl="3"/>
+            <a:r>
+              <a:rPr lang="de-CH" smtClean="0"/>
+              <a:t>Vierte Ebene</a:t>
+            </a:r>
+          </a:p>
+          <a:p>
+            <a:pPr lvl="4"/>
+            <a:r>
+              <a:rPr lang="de-CH" smtClean="0"/>
+              <a:t>Fünfte Ebene</a:t>
+            </a:r>
+            <a:endParaRPr lang="de-DE"/>
+          </a:p>
+        </p:txBody>
+      </p:sp>
+      <p:sp>
+        <p:nvSpPr>
+          <p:cNvPr id="5" name="Datumsplatzhalter 4"/>
+          <p:cNvSpPr>
+            <a:spLocks noGrp="1"/>
+          </p:cNvSpPr>
+          <p:nvPr>
+            <p:ph type="dt" sz="half" idx="10"/>
+          </p:nvPr>
+        </p:nvSpPr>
+        <p:spPr/>
+        <p:txBody>
+          <a:bodyPr/>
+          <a:lstStyle/>
+          <a:p>
+            <a:fld id="{3B4E433F-F86A-0246-A08D-B76F53539323}" type="datetime1">
+              <a:rPr lang="de-CH" smtClean="0"/>
+              <a:t>27.09.15</a:t>
+            </a:fld>
+            <a:endParaRPr lang="de-DE"/>
+          </a:p>
+        </p:txBody>
+      </p:sp>
+      <p:sp>
+        <p:nvSpPr>
+          <p:cNvPr id="6" name="Fußzeilenplatzhalter 5"/>
+          <p:cNvSpPr>
+            <a:spLocks noGrp="1"/>
+          </p:cNvSpPr>
+          <p:nvPr>
+            <p:ph type="ftr" sz="quarter" idx="11"/>
+          </p:nvPr>
+        </p:nvSpPr>
+        <p:spPr/>
+        <p:txBody>
+          <a:bodyPr/>
+          <a:lstStyle/>
+          <a:p>
+            <a:endParaRPr lang="de-DE"/>
+          </a:p>
+        </p:txBody>
+      </p:sp>
+      <p:sp>
+        <p:nvSpPr>
+          <p:cNvPr id="7" name="Foliennummernplatzhalter 6"/>
+          <p:cNvSpPr>
+            <a:spLocks noGrp="1"/>
+          </p:cNvSpPr>
+          <p:nvPr>
+            <p:ph type="sldNum" sz="quarter" idx="12"/>
+          </p:nvPr>
+        </p:nvSpPr>
+        <p:spPr/>
+        <p:txBody>
+          <a:bodyPr/>
+          <a:lstStyle/>
+          <a:p>
+            <a:fld id="{6BB33ECD-5191-EC4A-BC48-DDE302A05FCA}" type="slidenum">
               <a:rPr lang="de-DE" smtClean="0"/>
-              <a:t>Textmasterformat bearbeiten</a:t>
-            </a:r>
-          </a:p>
-          <a:p>
-            <a:pPr lvl="1"/>
-            <a:r>
-              <a:rPr lang="de-DE" smtClean="0"/>
-              <a:t>Zweite Ebene</a:t>
-            </a:r>
-          </a:p>
-          <a:p>
-            <a:pPr lvl="2"/>
-            <a:r>
-              <a:rPr lang="de-DE" smtClean="0"/>
-              <a:t>Dritte Ebene</a:t>
-            </a:r>
-          </a:p>
-          <a:p>
-            <a:pPr lvl="3"/>
-            <a:r>
-              <a:rPr lang="de-DE" smtClean="0"/>
-              <a:t>Vierte Ebene</a:t>
-            </a:r>
-          </a:p>
-          <a:p>
-            <a:pPr lvl="4"/>
-            <a:r>
-              <a:rPr lang="de-DE" smtClean="0"/>
-              <a:t>Fünfte Ebene</a:t>
-            </a:r>
-            <a:endParaRPr lang="en-GB"/>
-          </a:p>
-        </p:txBody>
-      </p:sp>
-      <p:sp>
-        <p:nvSpPr>
-          <p:cNvPr id="5" name="Datumsplatzhalter 4"/>
-          <p:cNvSpPr>
-            <a:spLocks noGrp="1"/>
-          </p:cNvSpPr>
-          <p:nvPr>
-            <p:ph type="dt" sz="half" idx="10"/>
-          </p:nvPr>
-        </p:nvSpPr>
-        <p:spPr/>
-        <p:txBody>
-          <a:bodyPr/>
-          <a:lstStyle/>
-          <a:p>
-            <a:fld id="{DF6DCAC8-75E4-4F15-9352-BAE8E4670518}" type="datetimeFigureOut">
-              <a:rPr lang="en-GB" smtClean="0"/>
-              <a:t>25/09/2015</a:t>
-            </a:fld>
-            <a:endParaRPr lang="en-GB"/>
-          </a:p>
-        </p:txBody>
-      </p:sp>
-      <p:sp>
-        <p:nvSpPr>
-          <p:cNvPr id="6" name="Fußzeilenplatzhalter 5"/>
-          <p:cNvSpPr>
-            <a:spLocks noGrp="1"/>
-          </p:cNvSpPr>
-          <p:nvPr>
-            <p:ph type="ftr" sz="quarter" idx="11"/>
-          </p:nvPr>
-        </p:nvSpPr>
-        <p:spPr/>
-        <p:txBody>
-          <a:bodyPr/>
-          <a:lstStyle/>
-          <a:p>
-            <a:endParaRPr lang="en-GB"/>
-          </a:p>
-        </p:txBody>
-      </p:sp>
-      <p:sp>
-        <p:nvSpPr>
-          <p:cNvPr id="7" name="Foliennummernplatzhalter 6"/>
-          <p:cNvSpPr>
-            <a:spLocks noGrp="1"/>
-          </p:cNvSpPr>
-          <p:nvPr>
-            <p:ph type="sldNum" sz="quarter" idx="12"/>
-          </p:nvPr>
-        </p:nvSpPr>
-        <p:spPr/>
-        <p:txBody>
-          <a:bodyPr/>
-          <a:lstStyle/>
-          <a:p>
-            <a:fld id="{DB1B72FE-204D-405E-8784-F9B18E986B41}" type="slidenum">
-              <a:rPr lang="en-GB" smtClean="0"/>
               <a:t>‹Nr.›</a:t>
             </a:fld>
-            <a:endParaRPr lang="en-GB"/>
+            <a:endParaRPr lang="de-DE"/>
           </a:p>
         </p:txBody>
       </p:sp>
     </p:spTree>
     <p:extLst>
       <p:ext uri="{BB962C8B-B14F-4D97-AF65-F5344CB8AC3E}">
-        <p14:creationId xmlns:p14="http://schemas.microsoft.com/office/powerpoint/2010/main" val="3443300026"/>
+        <p14:creationId xmlns:p14="http://schemas.microsoft.com/office/powerpoint/2010/main" val="682641418"/>
       </p:ext>
     </p:extLst>
   </p:cSld>
@@ -1324,38 +1955,37 @@
             <p:ph type="title"/>
           </p:nvPr>
         </p:nvSpPr>
+        <p:spPr/>
+        <p:txBody>
+          <a:bodyPr/>
+          <a:lstStyle>
+            <a:lvl1pPr>
+              <a:defRPr/>
+            </a:lvl1pPr>
+          </a:lstStyle>
+          <a:p>
+            <a:r>
+              <a:rPr lang="de-CH" smtClean="0"/>
+              <a:t>Mastertitelformat bearbeiten</a:t>
+            </a:r>
+            <a:endParaRPr lang="de-DE"/>
+          </a:p>
+        </p:txBody>
+      </p:sp>
+      <p:sp>
+        <p:nvSpPr>
+          <p:cNvPr id="3" name="Textplatzhalter 2"/>
+          <p:cNvSpPr>
+            <a:spLocks noGrp="1"/>
+          </p:cNvSpPr>
+          <p:nvPr>
+            <p:ph type="body" idx="1"/>
+          </p:nvPr>
+        </p:nvSpPr>
         <p:spPr>
           <a:xfrm>
-            <a:off x="839788" y="365125"/>
-            <a:ext cx="10515600" cy="1325563"/>
-          </a:xfrm>
-        </p:spPr>
-        <p:txBody>
-          <a:bodyPr/>
-          <a:lstStyle/>
-          <a:p>
-            <a:r>
-              <a:rPr lang="de-DE" smtClean="0"/>
-              <a:t>Titelmasterformat durch Klicken bearbeiten</a:t>
-            </a:r>
-            <a:endParaRPr lang="en-GB"/>
-          </a:p>
-        </p:txBody>
-      </p:sp>
-      <p:sp>
-        <p:nvSpPr>
-          <p:cNvPr id="3" name="Textplatzhalter 2"/>
-          <p:cNvSpPr>
-            <a:spLocks noGrp="1"/>
-          </p:cNvSpPr>
-          <p:nvPr>
-            <p:ph type="body" idx="1"/>
-          </p:nvPr>
-        </p:nvSpPr>
-        <p:spPr>
-          <a:xfrm>
-            <a:off x="839788" y="1681163"/>
-            <a:ext cx="5157787" cy="823912"/>
+            <a:off x="457200" y="1535113"/>
+            <a:ext cx="4040188" cy="639762"/>
           </a:xfrm>
         </p:spPr>
         <p:txBody>
@@ -1401,8 +2031,8 @@
           <a:p>
             <a:pPr lvl="0"/>
             <a:r>
-              <a:rPr lang="de-DE" smtClean="0"/>
-              <a:t>Textmasterformat bearbeiten</a:t>
+              <a:rPr lang="de-CH" smtClean="0"/>
+              <a:t>Mastertextformat bearbeiten</a:t>
             </a:r>
           </a:p>
         </p:txBody>
@@ -1419,48 +2049,76 @@
         </p:nvSpPr>
         <p:spPr>
           <a:xfrm>
-            <a:off x="839788" y="2505075"/>
-            <a:ext cx="5157787" cy="3684588"/>
+            <a:off x="457200" y="2174875"/>
+            <a:ext cx="4040188" cy="3951288"/>
           </a:xfrm>
         </p:spPr>
         <p:txBody>
           <a:bodyPr/>
-          <a:lstStyle/>
+          <a:lstStyle>
+            <a:lvl1pPr>
+              <a:defRPr sz="2400"/>
+            </a:lvl1pPr>
+            <a:lvl2pPr>
+              <a:defRPr sz="2000"/>
+            </a:lvl2pPr>
+            <a:lvl3pPr>
+              <a:defRPr sz="1800"/>
+            </a:lvl3pPr>
+            <a:lvl4pPr>
+              <a:defRPr sz="1600"/>
+            </a:lvl4pPr>
+            <a:lvl5pPr>
+              <a:defRPr sz="1600"/>
+            </a:lvl5pPr>
+            <a:lvl6pPr>
+              <a:defRPr sz="1600"/>
+            </a:lvl6pPr>
+            <a:lvl7pPr>
+              <a:defRPr sz="1600"/>
+            </a:lvl7pPr>
+            <a:lvl8pPr>
+              <a:defRPr sz="1600"/>
+            </a:lvl8pPr>
+            <a:lvl9pPr>
+              <a:defRPr sz="1600"/>
+            </a:lvl9pPr>
+          </a:lstStyle>
           <a:p>
             <a:pPr lvl="0"/>
             <a:r>
-              <a:rPr lang="de-DE" smtClean="0"/>
-              <a:t>Textmasterformat bearbeiten</a:t>
+              <a:rPr lang="de-CH" smtClean="0"/>
+              <a:t>Mastertextformat bearbeiten</a:t>
             </a:r>
           </a:p>
           <a:p>
             <a:pPr lvl="1"/>
             <a:r>
-              <a:rPr lang="de-DE" smtClean="0"/>
+              <a:rPr lang="de-CH" smtClean="0"/>
               <a:t>Zweite Ebene</a:t>
             </a:r>
           </a:p>
           <a:p>
             <a:pPr lvl="2"/>
             <a:r>
-              <a:rPr lang="de-DE" smtClean="0"/>
+              <a:rPr lang="de-CH" smtClean="0"/>
               <a:t>Dritte Ebene</a:t>
             </a:r>
           </a:p>
           <a:p>
             <a:pPr lvl="3"/>
             <a:r>
-              <a:rPr lang="de-DE" smtClean="0"/>
+              <a:rPr lang="de-CH" smtClean="0"/>
               <a:t>Vierte Ebene</a:t>
             </a:r>
           </a:p>
           <a:p>
             <a:pPr lvl="4"/>
             <a:r>
-              <a:rPr lang="de-DE" smtClean="0"/>
+              <a:rPr lang="de-CH" smtClean="0"/>
               <a:t>Fünfte Ebene</a:t>
             </a:r>
-            <a:endParaRPr lang="en-GB"/>
+            <a:endParaRPr lang="de-DE"/>
           </a:p>
         </p:txBody>
       </p:sp>
@@ -1476,8 +2134,8 @@
         </p:nvSpPr>
         <p:spPr>
           <a:xfrm>
-            <a:off x="6172200" y="1681163"/>
-            <a:ext cx="5183188" cy="823912"/>
+            <a:off x="4645025" y="1535113"/>
+            <a:ext cx="4041775" cy="639762"/>
           </a:xfrm>
         </p:spPr>
         <p:txBody>
@@ -1523,8 +2181,8 @@
           <a:p>
             <a:pPr lvl="0"/>
             <a:r>
-              <a:rPr lang="de-DE" smtClean="0"/>
-              <a:t>Textmasterformat bearbeiten</a:t>
+              <a:rPr lang="de-CH" smtClean="0"/>
+              <a:t>Mastertextformat bearbeiten</a:t>
             </a:r>
           </a:p>
         </p:txBody>
@@ -1541,120 +2199,148 @@
         </p:nvSpPr>
         <p:spPr>
           <a:xfrm>
-            <a:off x="6172200" y="2505075"/>
-            <a:ext cx="5183188" cy="3684588"/>
+            <a:off x="4645025" y="2174875"/>
+            <a:ext cx="4041775" cy="3951288"/>
           </a:xfrm>
         </p:spPr>
         <p:txBody>
           <a:bodyPr/>
-          <a:lstStyle/>
+          <a:lstStyle>
+            <a:lvl1pPr>
+              <a:defRPr sz="2400"/>
+            </a:lvl1pPr>
+            <a:lvl2pPr>
+              <a:defRPr sz="2000"/>
+            </a:lvl2pPr>
+            <a:lvl3pPr>
+              <a:defRPr sz="1800"/>
+            </a:lvl3pPr>
+            <a:lvl4pPr>
+              <a:defRPr sz="1600"/>
+            </a:lvl4pPr>
+            <a:lvl5pPr>
+              <a:defRPr sz="1600"/>
+            </a:lvl5pPr>
+            <a:lvl6pPr>
+              <a:defRPr sz="1600"/>
+            </a:lvl6pPr>
+            <a:lvl7pPr>
+              <a:defRPr sz="1600"/>
+            </a:lvl7pPr>
+            <a:lvl8pPr>
+              <a:defRPr sz="1600"/>
+            </a:lvl8pPr>
+            <a:lvl9pPr>
+              <a:defRPr sz="1600"/>
+            </a:lvl9pPr>
+          </a:lstStyle>
           <a:p>
             <a:pPr lvl="0"/>
             <a:r>
+              <a:rPr lang="de-CH" smtClean="0"/>
+              <a:t>Mastertextformat bearbeiten</a:t>
+            </a:r>
+          </a:p>
+          <a:p>
+            <a:pPr lvl="1"/>
+            <a:r>
+              <a:rPr lang="de-CH" smtClean="0"/>
+              <a:t>Zweite Ebene</a:t>
+            </a:r>
+          </a:p>
+          <a:p>
+            <a:pPr lvl="2"/>
+            <a:r>
+              <a:rPr lang="de-CH" smtClean="0"/>
+              <a:t>Dritte Ebene</a:t>
+            </a:r>
+          </a:p>
+          <a:p>
+            <a:pPr lvl="3"/>
+            <a:r>
+              <a:rPr lang="de-CH" smtClean="0"/>
+              <a:t>Vierte Ebene</a:t>
+            </a:r>
+          </a:p>
+          <a:p>
+            <a:pPr lvl="4"/>
+            <a:r>
+              <a:rPr lang="de-CH" smtClean="0"/>
+              <a:t>Fünfte Ebene</a:t>
+            </a:r>
+            <a:endParaRPr lang="de-DE"/>
+          </a:p>
+        </p:txBody>
+      </p:sp>
+      <p:sp>
+        <p:nvSpPr>
+          <p:cNvPr id="7" name="Datumsplatzhalter 6"/>
+          <p:cNvSpPr>
+            <a:spLocks noGrp="1"/>
+          </p:cNvSpPr>
+          <p:nvPr>
+            <p:ph type="dt" sz="half" idx="10"/>
+          </p:nvPr>
+        </p:nvSpPr>
+        <p:spPr/>
+        <p:txBody>
+          <a:bodyPr/>
+          <a:lstStyle/>
+          <a:p>
+            <a:fld id="{883190B9-A810-2B44-8BEB-7B44C93B3B56}" type="datetime1">
+              <a:rPr lang="de-CH" smtClean="0"/>
+              <a:t>27.09.15</a:t>
+            </a:fld>
+            <a:endParaRPr lang="de-DE"/>
+          </a:p>
+        </p:txBody>
+      </p:sp>
+      <p:sp>
+        <p:nvSpPr>
+          <p:cNvPr id="8" name="Fußzeilenplatzhalter 7"/>
+          <p:cNvSpPr>
+            <a:spLocks noGrp="1"/>
+          </p:cNvSpPr>
+          <p:nvPr>
+            <p:ph type="ftr" sz="quarter" idx="11"/>
+          </p:nvPr>
+        </p:nvSpPr>
+        <p:spPr/>
+        <p:txBody>
+          <a:bodyPr/>
+          <a:lstStyle/>
+          <a:p>
+            <a:endParaRPr lang="de-DE"/>
+          </a:p>
+        </p:txBody>
+      </p:sp>
+      <p:sp>
+        <p:nvSpPr>
+          <p:cNvPr id="9" name="Foliennummernplatzhalter 8"/>
+          <p:cNvSpPr>
+            <a:spLocks noGrp="1"/>
+          </p:cNvSpPr>
+          <p:nvPr>
+            <p:ph type="sldNum" sz="quarter" idx="12"/>
+          </p:nvPr>
+        </p:nvSpPr>
+        <p:spPr/>
+        <p:txBody>
+          <a:bodyPr/>
+          <a:lstStyle/>
+          <a:p>
+            <a:fld id="{6BB33ECD-5191-EC4A-BC48-DDE302A05FCA}" type="slidenum">
               <a:rPr lang="de-DE" smtClean="0"/>
-              <a:t>Textmasterformat bearbeiten</a:t>
-            </a:r>
-          </a:p>
-          <a:p>
-            <a:pPr lvl="1"/>
-            <a:r>
-              <a:rPr lang="de-DE" smtClean="0"/>
-              <a:t>Zweite Ebene</a:t>
-            </a:r>
-          </a:p>
-          <a:p>
-            <a:pPr lvl="2"/>
-            <a:r>
-              <a:rPr lang="de-DE" smtClean="0"/>
-              <a:t>Dritte Ebene</a:t>
-            </a:r>
-          </a:p>
-          <a:p>
-            <a:pPr lvl="3"/>
-            <a:r>
-              <a:rPr lang="de-DE" smtClean="0"/>
-              <a:t>Vierte Ebene</a:t>
-            </a:r>
-          </a:p>
-          <a:p>
-            <a:pPr lvl="4"/>
-            <a:r>
-              <a:rPr lang="de-DE" smtClean="0"/>
-              <a:t>Fünfte Ebene</a:t>
-            </a:r>
-            <a:endParaRPr lang="en-GB"/>
-          </a:p>
-        </p:txBody>
-      </p:sp>
-      <p:sp>
-        <p:nvSpPr>
-          <p:cNvPr id="7" name="Datumsplatzhalter 6"/>
-          <p:cNvSpPr>
-            <a:spLocks noGrp="1"/>
-          </p:cNvSpPr>
-          <p:nvPr>
-            <p:ph type="dt" sz="half" idx="10"/>
-          </p:nvPr>
-        </p:nvSpPr>
-        <p:spPr/>
-        <p:txBody>
-          <a:bodyPr/>
-          <a:lstStyle/>
-          <a:p>
-            <a:fld id="{DF6DCAC8-75E4-4F15-9352-BAE8E4670518}" type="datetimeFigureOut">
-              <a:rPr lang="en-GB" smtClean="0"/>
-              <a:t>25/09/2015</a:t>
-            </a:fld>
-            <a:endParaRPr lang="en-GB"/>
-          </a:p>
-        </p:txBody>
-      </p:sp>
-      <p:sp>
-        <p:nvSpPr>
-          <p:cNvPr id="8" name="Fußzeilenplatzhalter 7"/>
-          <p:cNvSpPr>
-            <a:spLocks noGrp="1"/>
-          </p:cNvSpPr>
-          <p:nvPr>
-            <p:ph type="ftr" sz="quarter" idx="11"/>
-          </p:nvPr>
-        </p:nvSpPr>
-        <p:spPr/>
-        <p:txBody>
-          <a:bodyPr/>
-          <a:lstStyle/>
-          <a:p>
-            <a:endParaRPr lang="en-GB"/>
-          </a:p>
-        </p:txBody>
-      </p:sp>
-      <p:sp>
-        <p:nvSpPr>
-          <p:cNvPr id="9" name="Foliennummernplatzhalter 8"/>
-          <p:cNvSpPr>
-            <a:spLocks noGrp="1"/>
-          </p:cNvSpPr>
-          <p:nvPr>
-            <p:ph type="sldNum" sz="quarter" idx="12"/>
-          </p:nvPr>
-        </p:nvSpPr>
-        <p:spPr/>
-        <p:txBody>
-          <a:bodyPr/>
-          <a:lstStyle/>
-          <a:p>
-            <a:fld id="{DB1B72FE-204D-405E-8784-F9B18E986B41}" type="slidenum">
-              <a:rPr lang="en-GB" smtClean="0"/>
               <a:t>‹Nr.›</a:t>
             </a:fld>
-            <a:endParaRPr lang="en-GB"/>
+            <a:endParaRPr lang="de-DE"/>
           </a:p>
         </p:txBody>
       </p:sp>
     </p:spTree>
     <p:extLst>
       <p:ext uri="{BB962C8B-B14F-4D97-AF65-F5344CB8AC3E}">
-        <p14:creationId xmlns:p14="http://schemas.microsoft.com/office/powerpoint/2010/main" val="566753482"/>
+        <p14:creationId xmlns:p14="http://schemas.microsoft.com/office/powerpoint/2010/main" val="2759138017"/>
       </p:ext>
     </p:extLst>
   </p:cSld>
@@ -1697,82 +2383,82 @@
           <a:lstStyle/>
           <a:p>
             <a:r>
+              <a:rPr lang="de-CH" smtClean="0"/>
+              <a:t>Mastertitelformat bearbeiten</a:t>
+            </a:r>
+            <a:endParaRPr lang="de-DE"/>
+          </a:p>
+        </p:txBody>
+      </p:sp>
+      <p:sp>
+        <p:nvSpPr>
+          <p:cNvPr id="3" name="Datumsplatzhalter 2"/>
+          <p:cNvSpPr>
+            <a:spLocks noGrp="1"/>
+          </p:cNvSpPr>
+          <p:nvPr>
+            <p:ph type="dt" sz="half" idx="10"/>
+          </p:nvPr>
+        </p:nvSpPr>
+        <p:spPr/>
+        <p:txBody>
+          <a:bodyPr/>
+          <a:lstStyle/>
+          <a:p>
+            <a:fld id="{9FF8598B-26E9-DD43-9037-17DEB559E0C3}" type="datetime1">
+              <a:rPr lang="de-CH" smtClean="0"/>
+              <a:t>27.09.15</a:t>
+            </a:fld>
+            <a:endParaRPr lang="de-DE"/>
+          </a:p>
+        </p:txBody>
+      </p:sp>
+      <p:sp>
+        <p:nvSpPr>
+          <p:cNvPr id="4" name="Fußzeilenplatzhalter 3"/>
+          <p:cNvSpPr>
+            <a:spLocks noGrp="1"/>
+          </p:cNvSpPr>
+          <p:nvPr>
+            <p:ph type="ftr" sz="quarter" idx="11"/>
+          </p:nvPr>
+        </p:nvSpPr>
+        <p:spPr/>
+        <p:txBody>
+          <a:bodyPr/>
+          <a:lstStyle/>
+          <a:p>
+            <a:endParaRPr lang="de-DE"/>
+          </a:p>
+        </p:txBody>
+      </p:sp>
+      <p:sp>
+        <p:nvSpPr>
+          <p:cNvPr id="5" name="Foliennummernplatzhalter 4"/>
+          <p:cNvSpPr>
+            <a:spLocks noGrp="1"/>
+          </p:cNvSpPr>
+          <p:nvPr>
+            <p:ph type="sldNum" sz="quarter" idx="12"/>
+          </p:nvPr>
+        </p:nvSpPr>
+        <p:spPr/>
+        <p:txBody>
+          <a:bodyPr/>
+          <a:lstStyle/>
+          <a:p>
+            <a:fld id="{6BB33ECD-5191-EC4A-BC48-DDE302A05FCA}" type="slidenum">
               <a:rPr lang="de-DE" smtClean="0"/>
-              <a:t>Titelmasterformat durch Klicken bearbeiten</a:t>
-            </a:r>
-            <a:endParaRPr lang="en-GB"/>
-          </a:p>
-        </p:txBody>
-      </p:sp>
-      <p:sp>
-        <p:nvSpPr>
-          <p:cNvPr id="3" name="Datumsplatzhalter 2"/>
-          <p:cNvSpPr>
-            <a:spLocks noGrp="1"/>
-          </p:cNvSpPr>
-          <p:nvPr>
-            <p:ph type="dt" sz="half" idx="10"/>
-          </p:nvPr>
-        </p:nvSpPr>
-        <p:spPr/>
-        <p:txBody>
-          <a:bodyPr/>
-          <a:lstStyle/>
-          <a:p>
-            <a:fld id="{DF6DCAC8-75E4-4F15-9352-BAE8E4670518}" type="datetimeFigureOut">
-              <a:rPr lang="en-GB" smtClean="0"/>
-              <a:t>25/09/2015</a:t>
-            </a:fld>
-            <a:endParaRPr lang="en-GB"/>
-          </a:p>
-        </p:txBody>
-      </p:sp>
-      <p:sp>
-        <p:nvSpPr>
-          <p:cNvPr id="4" name="Fußzeilenplatzhalter 3"/>
-          <p:cNvSpPr>
-            <a:spLocks noGrp="1"/>
-          </p:cNvSpPr>
-          <p:nvPr>
-            <p:ph type="ftr" sz="quarter" idx="11"/>
-          </p:nvPr>
-        </p:nvSpPr>
-        <p:spPr/>
-        <p:txBody>
-          <a:bodyPr/>
-          <a:lstStyle/>
-          <a:p>
-            <a:endParaRPr lang="en-GB"/>
-          </a:p>
-        </p:txBody>
-      </p:sp>
-      <p:sp>
-        <p:nvSpPr>
-          <p:cNvPr id="5" name="Foliennummernplatzhalter 4"/>
-          <p:cNvSpPr>
-            <a:spLocks noGrp="1"/>
-          </p:cNvSpPr>
-          <p:nvPr>
-            <p:ph type="sldNum" sz="quarter" idx="12"/>
-          </p:nvPr>
-        </p:nvSpPr>
-        <p:spPr/>
-        <p:txBody>
-          <a:bodyPr/>
-          <a:lstStyle/>
-          <a:p>
-            <a:fld id="{DB1B72FE-204D-405E-8784-F9B18E986B41}" type="slidenum">
-              <a:rPr lang="en-GB" smtClean="0"/>
               <a:t>‹Nr.›</a:t>
             </a:fld>
-            <a:endParaRPr lang="en-GB"/>
+            <a:endParaRPr lang="de-DE"/>
           </a:p>
         </p:txBody>
       </p:sp>
     </p:spTree>
     <p:extLst>
       <p:ext uri="{BB962C8B-B14F-4D97-AF65-F5344CB8AC3E}">
-        <p14:creationId xmlns:p14="http://schemas.microsoft.com/office/powerpoint/2010/main" val="1065665304"/>
+        <p14:creationId xmlns:p14="http://schemas.microsoft.com/office/powerpoint/2010/main" val="1289855075"/>
       </p:ext>
     </p:extLst>
   </p:cSld>
@@ -1814,11 +2500,11 @@
           <a:bodyPr/>
           <a:lstStyle/>
           <a:p>
-            <a:fld id="{DF6DCAC8-75E4-4F15-9352-BAE8E4670518}" type="datetimeFigureOut">
-              <a:rPr lang="en-GB" smtClean="0"/>
-              <a:t>25/09/2015</a:t>
+            <a:fld id="{6617D5AA-B409-0C48-AC5E-C4A4104C6A7D}" type="datetime1">
+              <a:rPr lang="de-CH" smtClean="0"/>
+              <a:t>27.09.15</a:t>
             </a:fld>
-            <a:endParaRPr lang="en-GB"/>
+            <a:endParaRPr lang="de-DE"/>
           </a:p>
         </p:txBody>
       </p:sp>
@@ -1837,7 +2523,7 @@
           <a:bodyPr/>
           <a:lstStyle/>
           <a:p>
-            <a:endParaRPr lang="en-GB"/>
+            <a:endParaRPr lang="de-DE"/>
           </a:p>
         </p:txBody>
       </p:sp>
@@ -1856,18 +2542,18 @@
           <a:bodyPr/>
           <a:lstStyle/>
           <a:p>
-            <a:fld id="{DB1B72FE-204D-405E-8784-F9B18E986B41}" type="slidenum">
-              <a:rPr lang="en-GB" smtClean="0"/>
+            <a:fld id="{6BB33ECD-5191-EC4A-BC48-DDE302A05FCA}" type="slidenum">
+              <a:rPr lang="de-DE" smtClean="0"/>
               <a:t>‹Nr.›</a:t>
             </a:fld>
-            <a:endParaRPr lang="en-GB"/>
+            <a:endParaRPr lang="de-DE"/>
           </a:p>
         </p:txBody>
       </p:sp>
     </p:spTree>
     <p:extLst>
       <p:ext uri="{BB962C8B-B14F-4D97-AF65-F5344CB8AC3E}">
-        <p14:creationId xmlns:p14="http://schemas.microsoft.com/office/powerpoint/2010/main" val="1633051257"/>
+        <p14:creationId xmlns:p14="http://schemas.microsoft.com/office/powerpoint/2010/main" val="341541774"/>
       </p:ext>
     </p:extLst>
   </p:cSld>
@@ -1879,7 +2565,7 @@
 
 <file path=ppt/slideLayouts/slideLayout8.xml><?xml version="1.0" encoding="utf-8"?>
 <p:sldLayout xmlns:a="http://schemas.openxmlformats.org/drawingml/2006/main" xmlns:r="http://schemas.openxmlformats.org/officeDocument/2006/relationships" xmlns:p="http://schemas.openxmlformats.org/presentationml/2006/main" type="objTx" preserve="1">
-  <p:cSld name="Inhalt mit Überschrift">
+  <p:cSld name="Inhalt mit Beschriftung">
     <p:spTree>
       <p:nvGrpSpPr>
         <p:cNvPr id="1" name=""/>
@@ -1906,23 +2592,23 @@
         </p:nvSpPr>
         <p:spPr>
           <a:xfrm>
-            <a:off x="839788" y="457200"/>
-            <a:ext cx="3932237" cy="1600200"/>
+            <a:off x="457200" y="273050"/>
+            <a:ext cx="3008313" cy="1162050"/>
           </a:xfrm>
         </p:spPr>
         <p:txBody>
           <a:bodyPr anchor="b"/>
           <a:lstStyle>
-            <a:lvl1pPr>
-              <a:defRPr sz="3200"/>
+            <a:lvl1pPr algn="l">
+              <a:defRPr sz="2000" b="1"/>
             </a:lvl1pPr>
           </a:lstStyle>
           <a:p>
             <a:r>
-              <a:rPr lang="de-DE" smtClean="0"/>
-              <a:t>Titelmasterformat durch Klicken bearbeiten</a:t>
-            </a:r>
-            <a:endParaRPr lang="en-GB"/>
+              <a:rPr lang="de-CH" smtClean="0"/>
+              <a:t>Mastertitelformat bearbeiten</a:t>
+            </a:r>
+            <a:endParaRPr lang="de-DE"/>
           </a:p>
         </p:txBody>
       </p:sp>
@@ -1938,8 +2624,8 @@
         </p:nvSpPr>
         <p:spPr>
           <a:xfrm>
-            <a:off x="5183188" y="987425"/>
-            <a:ext cx="6172200" cy="4873625"/>
+            <a:off x="3575050" y="273050"/>
+            <a:ext cx="5111750" cy="5853113"/>
           </a:xfrm>
         </p:spPr>
         <p:txBody>
@@ -1976,38 +2662,38 @@
           <a:p>
             <a:pPr lvl="0"/>
             <a:r>
-              <a:rPr lang="de-DE" smtClean="0"/>
-              <a:t>Textmasterformat bearbeiten</a:t>
+              <a:rPr lang="de-CH" smtClean="0"/>
+              <a:t>Mastertextformat bearbeiten</a:t>
             </a:r>
           </a:p>
           <a:p>
             <a:pPr lvl="1"/>
             <a:r>
-              <a:rPr lang="de-DE" smtClean="0"/>
+              <a:rPr lang="de-CH" smtClean="0"/>
               <a:t>Zweite Ebene</a:t>
             </a:r>
           </a:p>
           <a:p>
             <a:pPr lvl="2"/>
             <a:r>
-              <a:rPr lang="de-DE" smtClean="0"/>
+              <a:rPr lang="de-CH" smtClean="0"/>
               <a:t>Dritte Ebene</a:t>
             </a:r>
           </a:p>
           <a:p>
             <a:pPr lvl="3"/>
             <a:r>
-              <a:rPr lang="de-DE" smtClean="0"/>
+              <a:rPr lang="de-CH" smtClean="0"/>
               <a:t>Vierte Ebene</a:t>
             </a:r>
           </a:p>
           <a:p>
             <a:pPr lvl="4"/>
             <a:r>
-              <a:rPr lang="de-DE" smtClean="0"/>
+              <a:rPr lang="de-CH" smtClean="0"/>
               <a:t>Fünfte Ebene</a:t>
             </a:r>
-            <a:endParaRPr lang="en-GB"/>
+            <a:endParaRPr lang="de-DE"/>
           </a:p>
         </p:txBody>
       </p:sp>
@@ -2023,8 +2709,8 @@
         </p:nvSpPr>
         <p:spPr>
           <a:xfrm>
-            <a:off x="839788" y="2057400"/>
-            <a:ext cx="3932237" cy="3811588"/>
+            <a:off x="457200" y="1435100"/>
+            <a:ext cx="3008313" cy="4691063"/>
           </a:xfrm>
         </p:spPr>
         <p:txBody>
@@ -2032,119 +2718,119 @@
           <a:lstStyle>
             <a:lvl1pPr marL="0" indent="0">
               <a:buNone/>
-              <a:defRPr sz="1600"/>
+              <a:defRPr sz="1400"/>
             </a:lvl1pPr>
             <a:lvl2pPr marL="457200" indent="0">
               <a:buNone/>
-              <a:defRPr sz="1400"/>
+              <a:defRPr sz="1200"/>
             </a:lvl2pPr>
             <a:lvl3pPr marL="914400" indent="0">
               <a:buNone/>
-              <a:defRPr sz="1200"/>
+              <a:defRPr sz="1000"/>
             </a:lvl3pPr>
             <a:lvl4pPr marL="1371600" indent="0">
               <a:buNone/>
-              <a:defRPr sz="1000"/>
+              <a:defRPr sz="900"/>
             </a:lvl4pPr>
             <a:lvl5pPr marL="1828800" indent="0">
               <a:buNone/>
-              <a:defRPr sz="1000"/>
+              <a:defRPr sz="900"/>
             </a:lvl5pPr>
             <a:lvl6pPr marL="2286000" indent="0">
               <a:buNone/>
-              <a:defRPr sz="1000"/>
+              <a:defRPr sz="900"/>
             </a:lvl6pPr>
             <a:lvl7pPr marL="2743200" indent="0">
               <a:buNone/>
-              <a:defRPr sz="1000"/>
+              <a:defRPr sz="900"/>
             </a:lvl7pPr>
             <a:lvl8pPr marL="3200400" indent="0">
               <a:buNone/>
-              <a:defRPr sz="1000"/>
+              <a:defRPr sz="900"/>
             </a:lvl8pPr>
             <a:lvl9pPr marL="3657600" indent="0">
               <a:buNone/>
-              <a:defRPr sz="1000"/>
+              <a:defRPr sz="900"/>
             </a:lvl9pPr>
           </a:lstStyle>
           <a:p>
             <a:pPr lvl="0"/>
             <a:r>
+              <a:rPr lang="de-CH" smtClean="0"/>
+              <a:t>Mastertextformat bearbeiten</a:t>
+            </a:r>
+          </a:p>
+        </p:txBody>
+      </p:sp>
+      <p:sp>
+        <p:nvSpPr>
+          <p:cNvPr id="5" name="Datumsplatzhalter 4"/>
+          <p:cNvSpPr>
+            <a:spLocks noGrp="1"/>
+          </p:cNvSpPr>
+          <p:nvPr>
+            <p:ph type="dt" sz="half" idx="10"/>
+          </p:nvPr>
+        </p:nvSpPr>
+        <p:spPr/>
+        <p:txBody>
+          <a:bodyPr/>
+          <a:lstStyle/>
+          <a:p>
+            <a:fld id="{4AEDE751-1D7B-724A-ACBB-6458F9EB4D57}" type="datetime1">
+              <a:rPr lang="de-CH" smtClean="0"/>
+              <a:t>27.09.15</a:t>
+            </a:fld>
+            <a:endParaRPr lang="de-DE"/>
+          </a:p>
+        </p:txBody>
+      </p:sp>
+      <p:sp>
+        <p:nvSpPr>
+          <p:cNvPr id="6" name="Fußzeilenplatzhalter 5"/>
+          <p:cNvSpPr>
+            <a:spLocks noGrp="1"/>
+          </p:cNvSpPr>
+          <p:nvPr>
+            <p:ph type="ftr" sz="quarter" idx="11"/>
+          </p:nvPr>
+        </p:nvSpPr>
+        <p:spPr/>
+        <p:txBody>
+          <a:bodyPr/>
+          <a:lstStyle/>
+          <a:p>
+            <a:endParaRPr lang="de-DE"/>
+          </a:p>
+        </p:txBody>
+      </p:sp>
+      <p:sp>
+        <p:nvSpPr>
+          <p:cNvPr id="7" name="Foliennummernplatzhalter 6"/>
+          <p:cNvSpPr>
+            <a:spLocks noGrp="1"/>
+          </p:cNvSpPr>
+          <p:nvPr>
+            <p:ph type="sldNum" sz="quarter" idx="12"/>
+          </p:nvPr>
+        </p:nvSpPr>
+        <p:spPr/>
+        <p:txBody>
+          <a:bodyPr/>
+          <a:lstStyle/>
+          <a:p>
+            <a:fld id="{6BB33ECD-5191-EC4A-BC48-DDE302A05FCA}" type="slidenum">
               <a:rPr lang="de-DE" smtClean="0"/>
-              <a:t>Textmasterformat bearbeiten</a:t>
-            </a:r>
-          </a:p>
-        </p:txBody>
-      </p:sp>
-      <p:sp>
-        <p:nvSpPr>
-          <p:cNvPr id="5" name="Datumsplatzhalter 4"/>
-          <p:cNvSpPr>
-            <a:spLocks noGrp="1"/>
-          </p:cNvSpPr>
-          <p:nvPr>
-            <p:ph type="dt" sz="half" idx="10"/>
-          </p:nvPr>
-        </p:nvSpPr>
-        <p:spPr/>
-        <p:txBody>
-          <a:bodyPr/>
-          <a:lstStyle/>
-          <a:p>
-            <a:fld id="{DF6DCAC8-75E4-4F15-9352-BAE8E4670518}" type="datetimeFigureOut">
-              <a:rPr lang="en-GB" smtClean="0"/>
-              <a:t>25/09/2015</a:t>
-            </a:fld>
-            <a:endParaRPr lang="en-GB"/>
-          </a:p>
-        </p:txBody>
-      </p:sp>
-      <p:sp>
-        <p:nvSpPr>
-          <p:cNvPr id="6" name="Fußzeilenplatzhalter 5"/>
-          <p:cNvSpPr>
-            <a:spLocks noGrp="1"/>
-          </p:cNvSpPr>
-          <p:nvPr>
-            <p:ph type="ftr" sz="quarter" idx="11"/>
-          </p:nvPr>
-        </p:nvSpPr>
-        <p:spPr/>
-        <p:txBody>
-          <a:bodyPr/>
-          <a:lstStyle/>
-          <a:p>
-            <a:endParaRPr lang="en-GB"/>
-          </a:p>
-        </p:txBody>
-      </p:sp>
-      <p:sp>
-        <p:nvSpPr>
-          <p:cNvPr id="7" name="Foliennummernplatzhalter 6"/>
-          <p:cNvSpPr>
-            <a:spLocks noGrp="1"/>
-          </p:cNvSpPr>
-          <p:nvPr>
-            <p:ph type="sldNum" sz="quarter" idx="12"/>
-          </p:nvPr>
-        </p:nvSpPr>
-        <p:spPr/>
-        <p:txBody>
-          <a:bodyPr/>
-          <a:lstStyle/>
-          <a:p>
-            <a:fld id="{DB1B72FE-204D-405E-8784-F9B18E986B41}" type="slidenum">
-              <a:rPr lang="en-GB" smtClean="0"/>
               <a:t>‹Nr.›</a:t>
             </a:fld>
-            <a:endParaRPr lang="en-GB"/>
+            <a:endParaRPr lang="de-DE"/>
           </a:p>
         </p:txBody>
       </p:sp>
     </p:spTree>
     <p:extLst>
       <p:ext uri="{BB962C8B-B14F-4D97-AF65-F5344CB8AC3E}">
-        <p14:creationId xmlns:p14="http://schemas.microsoft.com/office/powerpoint/2010/main" val="314422868"/>
+        <p14:creationId xmlns:p14="http://schemas.microsoft.com/office/powerpoint/2010/main" val="1557508774"/>
       </p:ext>
     </p:extLst>
   </p:cSld>
@@ -2156,7 +2842,7 @@
 
 <file path=ppt/slideLayouts/slideLayout9.xml><?xml version="1.0" encoding="utf-8"?>
 <p:sldLayout xmlns:a="http://schemas.openxmlformats.org/drawingml/2006/main" xmlns:r="http://schemas.openxmlformats.org/officeDocument/2006/relationships" xmlns:p="http://schemas.openxmlformats.org/presentationml/2006/main" type="picTx" preserve="1">
-  <p:cSld name="Bild mit Überschrift">
+  <p:cSld name="Bild mit Beschriftung">
     <p:spTree>
       <p:nvGrpSpPr>
         <p:cNvPr id="1" name=""/>
@@ -2183,23 +2869,23 @@
         </p:nvSpPr>
         <p:spPr>
           <a:xfrm>
-            <a:off x="839788" y="457200"/>
-            <a:ext cx="3932237" cy="1600200"/>
+            <a:off x="1792288" y="4800600"/>
+            <a:ext cx="5486400" cy="566738"/>
           </a:xfrm>
         </p:spPr>
         <p:txBody>
           <a:bodyPr anchor="b"/>
           <a:lstStyle>
-            <a:lvl1pPr>
-              <a:defRPr sz="3200"/>
+            <a:lvl1pPr algn="l">
+              <a:defRPr sz="2000" b="1"/>
             </a:lvl1pPr>
           </a:lstStyle>
           <a:p>
             <a:r>
-              <a:rPr lang="de-DE" smtClean="0"/>
-              <a:t>Titelmasterformat durch Klicken bearbeiten</a:t>
-            </a:r>
-            <a:endParaRPr lang="en-GB"/>
+              <a:rPr lang="de-CH" smtClean="0"/>
+              <a:t>Mastertitelformat bearbeiten</a:t>
+            </a:r>
+            <a:endParaRPr lang="de-DE"/>
           </a:p>
         </p:txBody>
       </p:sp>
@@ -2215,8 +2901,8 @@
         </p:nvSpPr>
         <p:spPr>
           <a:xfrm>
-            <a:off x="5183188" y="987425"/>
-            <a:ext cx="6172200" cy="4873625"/>
+            <a:off x="1792288" y="612775"/>
+            <a:ext cx="5486400" cy="4114800"/>
           </a:xfrm>
         </p:spPr>
         <p:txBody>
@@ -2260,7 +2946,7 @@
             </a:lvl9pPr>
           </a:lstStyle>
           <a:p>
-            <a:endParaRPr lang="en-GB"/>
+            <a:endParaRPr lang="de-DE"/>
           </a:p>
         </p:txBody>
       </p:sp>
@@ -2276,8 +2962,8 @@
         </p:nvSpPr>
         <p:spPr>
           <a:xfrm>
-            <a:off x="839788" y="2057400"/>
-            <a:ext cx="3932237" cy="3811588"/>
+            <a:off x="1792288" y="5367338"/>
+            <a:ext cx="5486400" cy="804862"/>
           </a:xfrm>
         </p:spPr>
         <p:txBody>
@@ -2285,119 +2971,119 @@
           <a:lstStyle>
             <a:lvl1pPr marL="0" indent="0">
               <a:buNone/>
-              <a:defRPr sz="1600"/>
+              <a:defRPr sz="1400"/>
             </a:lvl1pPr>
             <a:lvl2pPr marL="457200" indent="0">
               <a:buNone/>
-              <a:defRPr sz="1400"/>
+              <a:defRPr sz="1200"/>
             </a:lvl2pPr>
             <a:lvl3pPr marL="914400" indent="0">
               <a:buNone/>
-              <a:defRPr sz="1200"/>
+              <a:defRPr sz="1000"/>
             </a:lvl3pPr>
             <a:lvl4pPr marL="1371600" indent="0">
               <a:buNone/>
-              <a:defRPr sz="1000"/>
+              <a:defRPr sz="900"/>
             </a:lvl4pPr>
             <a:lvl5pPr marL="1828800" indent="0">
               <a:buNone/>
-              <a:defRPr sz="1000"/>
+              <a:defRPr sz="900"/>
             </a:lvl5pPr>
             <a:lvl6pPr marL="2286000" indent="0">
               <a:buNone/>
-              <a:defRPr sz="1000"/>
+              <a:defRPr sz="900"/>
             </a:lvl6pPr>
             <a:lvl7pPr marL="2743200" indent="0">
               <a:buNone/>
-              <a:defRPr sz="1000"/>
+              <a:defRPr sz="900"/>
             </a:lvl7pPr>
             <a:lvl8pPr marL="3200400" indent="0">
               <a:buNone/>
-              <a:defRPr sz="1000"/>
+              <a:defRPr sz="900"/>
             </a:lvl8pPr>
             <a:lvl9pPr marL="3657600" indent="0">
               <a:buNone/>
-              <a:defRPr sz="1000"/>
+              <a:defRPr sz="900"/>
             </a:lvl9pPr>
           </a:lstStyle>
           <a:p>
             <a:pPr lvl="0"/>
             <a:r>
+              <a:rPr lang="de-CH" smtClean="0"/>
+              <a:t>Mastertextformat bearbeiten</a:t>
+            </a:r>
+          </a:p>
+        </p:txBody>
+      </p:sp>
+      <p:sp>
+        <p:nvSpPr>
+          <p:cNvPr id="5" name="Datumsplatzhalter 4"/>
+          <p:cNvSpPr>
+            <a:spLocks noGrp="1"/>
+          </p:cNvSpPr>
+          <p:nvPr>
+            <p:ph type="dt" sz="half" idx="10"/>
+          </p:nvPr>
+        </p:nvSpPr>
+        <p:spPr/>
+        <p:txBody>
+          <a:bodyPr/>
+          <a:lstStyle/>
+          <a:p>
+            <a:fld id="{A2C2E3AF-746D-4F48-8A2F-BFF61E47F67A}" type="datetime1">
+              <a:rPr lang="de-CH" smtClean="0"/>
+              <a:t>27.09.15</a:t>
+            </a:fld>
+            <a:endParaRPr lang="de-DE"/>
+          </a:p>
+        </p:txBody>
+      </p:sp>
+      <p:sp>
+        <p:nvSpPr>
+          <p:cNvPr id="6" name="Fußzeilenplatzhalter 5"/>
+          <p:cNvSpPr>
+            <a:spLocks noGrp="1"/>
+          </p:cNvSpPr>
+          <p:nvPr>
+            <p:ph type="ftr" sz="quarter" idx="11"/>
+          </p:nvPr>
+        </p:nvSpPr>
+        <p:spPr/>
+        <p:txBody>
+          <a:bodyPr/>
+          <a:lstStyle/>
+          <a:p>
+            <a:endParaRPr lang="de-DE"/>
+          </a:p>
+        </p:txBody>
+      </p:sp>
+      <p:sp>
+        <p:nvSpPr>
+          <p:cNvPr id="7" name="Foliennummernplatzhalter 6"/>
+          <p:cNvSpPr>
+            <a:spLocks noGrp="1"/>
+          </p:cNvSpPr>
+          <p:nvPr>
+            <p:ph type="sldNum" sz="quarter" idx="12"/>
+          </p:nvPr>
+        </p:nvSpPr>
+        <p:spPr/>
+        <p:txBody>
+          <a:bodyPr/>
+          <a:lstStyle/>
+          <a:p>
+            <a:fld id="{6BB33ECD-5191-EC4A-BC48-DDE302A05FCA}" type="slidenum">
               <a:rPr lang="de-DE" smtClean="0"/>
-              <a:t>Textmasterformat bearbeiten</a:t>
-            </a:r>
-          </a:p>
-        </p:txBody>
-      </p:sp>
-      <p:sp>
-        <p:nvSpPr>
-          <p:cNvPr id="5" name="Datumsplatzhalter 4"/>
-          <p:cNvSpPr>
-            <a:spLocks noGrp="1"/>
-          </p:cNvSpPr>
-          <p:nvPr>
-            <p:ph type="dt" sz="half" idx="10"/>
-          </p:nvPr>
-        </p:nvSpPr>
-        <p:spPr/>
-        <p:txBody>
-          <a:bodyPr/>
-          <a:lstStyle/>
-          <a:p>
-            <a:fld id="{DF6DCAC8-75E4-4F15-9352-BAE8E4670518}" type="datetimeFigureOut">
-              <a:rPr lang="en-GB" smtClean="0"/>
-              <a:t>25/09/2015</a:t>
-            </a:fld>
-            <a:endParaRPr lang="en-GB"/>
-          </a:p>
-        </p:txBody>
-      </p:sp>
-      <p:sp>
-        <p:nvSpPr>
-          <p:cNvPr id="6" name="Fußzeilenplatzhalter 5"/>
-          <p:cNvSpPr>
-            <a:spLocks noGrp="1"/>
-          </p:cNvSpPr>
-          <p:nvPr>
-            <p:ph type="ftr" sz="quarter" idx="11"/>
-          </p:nvPr>
-        </p:nvSpPr>
-        <p:spPr/>
-        <p:txBody>
-          <a:bodyPr/>
-          <a:lstStyle/>
-          <a:p>
-            <a:endParaRPr lang="en-GB"/>
-          </a:p>
-        </p:txBody>
-      </p:sp>
-      <p:sp>
-        <p:nvSpPr>
-          <p:cNvPr id="7" name="Foliennummernplatzhalter 6"/>
-          <p:cNvSpPr>
-            <a:spLocks noGrp="1"/>
-          </p:cNvSpPr>
-          <p:nvPr>
-            <p:ph type="sldNum" sz="quarter" idx="12"/>
-          </p:nvPr>
-        </p:nvSpPr>
-        <p:spPr/>
-        <p:txBody>
-          <a:bodyPr/>
-          <a:lstStyle/>
-          <a:p>
-            <a:fld id="{DB1B72FE-204D-405E-8784-F9B18E986B41}" type="slidenum">
-              <a:rPr lang="en-GB" smtClean="0"/>
               <a:t>‹Nr.›</a:t>
             </a:fld>
-            <a:endParaRPr lang="en-GB"/>
+            <a:endParaRPr lang="de-DE"/>
           </a:p>
         </p:txBody>
       </p:sp>
     </p:spTree>
     <p:extLst>
       <p:ext uri="{BB962C8B-B14F-4D97-AF65-F5344CB8AC3E}">
-        <p14:creationId xmlns:p14="http://schemas.microsoft.com/office/powerpoint/2010/main" val="3452882136"/>
+        <p14:creationId xmlns:p14="http://schemas.microsoft.com/office/powerpoint/2010/main" val="1802164257"/>
       </p:ext>
     </p:extLst>
   </p:cSld>
@@ -2411,9 +3097,26 @@
 <p:sldMaster xmlns:a="http://schemas.openxmlformats.org/drawingml/2006/main" xmlns:r="http://schemas.openxmlformats.org/officeDocument/2006/relationships" xmlns:p="http://schemas.openxmlformats.org/presentationml/2006/main">
   <p:cSld>
     <p:bg>
-      <p:bgRef idx="1001">
-        <a:schemeClr val="bg1"/>
-      </p:bgRef>
+      <p:bgPr>
+        <a:gradFill flip="none" rotWithShape="1">
+          <a:gsLst>
+            <a:gs pos="0">
+              <a:schemeClr val="bg1"/>
+            </a:gs>
+            <a:gs pos="100000">
+              <a:srgbClr val="000000"/>
+            </a:gs>
+            <a:gs pos="88000">
+              <a:schemeClr val="bg1"/>
+            </a:gs>
+          </a:gsLst>
+          <a:path path="rect">
+            <a:fillToRect r="100000" b="100000"/>
+          </a:path>
+          <a:tileRect l="-100000" t="-100000"/>
+        </a:gradFill>
+        <a:effectLst/>
+      </p:bgPr>
     </p:bg>
     <p:spTree>
       <p:nvGrpSpPr>
@@ -2441,8 +3144,8 @@
         </p:nvSpPr>
         <p:spPr>
           <a:xfrm>
-            <a:off x="838200" y="365125"/>
-            <a:ext cx="10515600" cy="1325563"/>
+            <a:off x="457200" y="274638"/>
+            <a:ext cx="8229600" cy="1143000"/>
           </a:xfrm>
           <a:prstGeom prst="rect">
             <a:avLst/>
@@ -2455,10 +3158,10 @@
           <a:lstStyle/>
           <a:p>
             <a:r>
-              <a:rPr lang="de-DE" smtClean="0"/>
-              <a:t>Titelmasterformat durch Klicken bearbeiten</a:t>
-            </a:r>
-            <a:endParaRPr lang="en-GB"/>
+              <a:rPr lang="de-CH" dirty="0" smtClean="0"/>
+              <a:t>Mastertitelformat bearbeiten</a:t>
+            </a:r>
+            <a:endParaRPr lang="de-DE" dirty="0"/>
           </a:p>
         </p:txBody>
       </p:sp>
@@ -2474,8 +3177,8 @@
         </p:nvSpPr>
         <p:spPr>
           <a:xfrm>
-            <a:off x="838200" y="1825625"/>
-            <a:ext cx="10515600" cy="4351338"/>
+            <a:off x="457200" y="1600200"/>
+            <a:ext cx="8229600" cy="4525963"/>
           </a:xfrm>
           <a:prstGeom prst="rect">
             <a:avLst/>
@@ -2489,38 +3192,38 @@
           <a:p>
             <a:pPr lvl="0"/>
             <a:r>
-              <a:rPr lang="de-DE" smtClean="0"/>
-              <a:t>Textmasterformat bearbeiten</a:t>
+              <a:rPr lang="de-CH" smtClean="0"/>
+              <a:t>Mastertextformat bearbeiten</a:t>
             </a:r>
           </a:p>
           <a:p>
             <a:pPr lvl="1"/>
             <a:r>
-              <a:rPr lang="de-DE" smtClean="0"/>
+              <a:rPr lang="de-CH" smtClean="0"/>
               <a:t>Zweite Ebene</a:t>
             </a:r>
           </a:p>
           <a:p>
             <a:pPr lvl="2"/>
             <a:r>
-              <a:rPr lang="de-DE" smtClean="0"/>
+              <a:rPr lang="de-CH" smtClean="0"/>
               <a:t>Dritte Ebene</a:t>
             </a:r>
           </a:p>
           <a:p>
             <a:pPr lvl="3"/>
             <a:r>
-              <a:rPr lang="de-DE" smtClean="0"/>
+              <a:rPr lang="de-CH" smtClean="0"/>
               <a:t>Vierte Ebene</a:t>
             </a:r>
           </a:p>
           <a:p>
             <a:pPr lvl="4"/>
             <a:r>
-              <a:rPr lang="de-DE" smtClean="0"/>
+              <a:rPr lang="de-CH" smtClean="0"/>
               <a:t>Fünfte Ebene</a:t>
             </a:r>
-            <a:endParaRPr lang="en-GB"/>
+            <a:endParaRPr lang="de-DE"/>
           </a:p>
         </p:txBody>
       </p:sp>
@@ -2536,8 +3239,8 @@
         </p:nvSpPr>
         <p:spPr>
           <a:xfrm>
-            <a:off x="838200" y="6356350"/>
-            <a:ext cx="2743200" cy="365125"/>
+            <a:off x="457200" y="6356350"/>
+            <a:ext cx="2133600" cy="365125"/>
           </a:xfrm>
           <a:prstGeom prst="rect">
             <a:avLst/>
@@ -2549,19 +3252,17 @@
             <a:lvl1pPr algn="l">
               <a:defRPr sz="1200">
                 <a:solidFill>
-                  <a:schemeClr val="tx1">
-                    <a:tint val="75000"/>
-                  </a:schemeClr>
+                  <a:schemeClr val="bg1"/>
                 </a:solidFill>
               </a:defRPr>
             </a:lvl1pPr>
           </a:lstStyle>
           <a:p>
-            <a:fld id="{DF6DCAC8-75E4-4F15-9352-BAE8E4670518}" type="datetimeFigureOut">
-              <a:rPr lang="en-GB" smtClean="0"/>
-              <a:t>25/09/2015</a:t>
+            <a:fld id="{0D3EF838-2C0D-CF4F-8E14-D8681A7181B8}" type="datetime1">
+              <a:rPr lang="de-CH" smtClean="0"/>
+              <a:t>27.09.15</a:t>
             </a:fld>
-            <a:endParaRPr lang="en-GB"/>
+            <a:endParaRPr lang="de-DE" dirty="0"/>
           </a:p>
         </p:txBody>
       </p:sp>
@@ -2577,8 +3278,8 @@
         </p:nvSpPr>
         <p:spPr>
           <a:xfrm>
-            <a:off x="4038600" y="6356350"/>
-            <a:ext cx="4114800" cy="365125"/>
+            <a:off x="3124200" y="6356350"/>
+            <a:ext cx="2895600" cy="365125"/>
           </a:xfrm>
           <a:prstGeom prst="rect">
             <a:avLst/>
@@ -2590,15 +3291,13 @@
             <a:lvl1pPr algn="ctr">
               <a:defRPr sz="1200">
                 <a:solidFill>
-                  <a:schemeClr val="tx1">
-                    <a:tint val="75000"/>
-                  </a:schemeClr>
+                  <a:srgbClr val="FFFFFF"/>
                 </a:solidFill>
               </a:defRPr>
             </a:lvl1pPr>
           </a:lstStyle>
           <a:p>
-            <a:endParaRPr lang="en-GB"/>
+            <a:endParaRPr lang="de-DE" dirty="0"/>
           </a:p>
         </p:txBody>
       </p:sp>
@@ -2614,8 +3313,8 @@
         </p:nvSpPr>
         <p:spPr>
           <a:xfrm>
-            <a:off x="8610600" y="6356350"/>
-            <a:ext cx="2743200" cy="365125"/>
+            <a:off x="6553200" y="6356350"/>
+            <a:ext cx="2133600" cy="365125"/>
           </a:xfrm>
           <a:prstGeom prst="rect">
             <a:avLst/>
@@ -2627,26 +3326,25 @@
             <a:lvl1pPr algn="r">
               <a:defRPr sz="1200">
                 <a:solidFill>
-                  <a:schemeClr val="tx1">
-                    <a:tint val="75000"/>
-                  </a:schemeClr>
+                  <a:srgbClr val="FFFFFF"/>
                 </a:solidFill>
               </a:defRPr>
             </a:lvl1pPr>
           </a:lstStyle>
           <a:p>
-            <a:fld id="{DB1B72FE-204D-405E-8784-F9B18E986B41}" type="slidenum">
-              <a:rPr lang="en-GB" smtClean="0"/>
+            <a:fld id="{6BB33ECD-5191-EC4A-BC48-DDE302A05FCA}" type="slidenum">
+              <a:rPr lang="de-DE" smtClean="0"/>
+              <a:pPr/>
               <a:t>‹Nr.›</a:t>
             </a:fld>
-            <a:endParaRPr lang="en-GB"/>
+            <a:endParaRPr lang="de-DE" dirty="0"/>
           </a:p>
         </p:txBody>
       </p:sp>
     </p:spTree>
     <p:extLst>
       <p:ext uri="{BB962C8B-B14F-4D97-AF65-F5344CB8AC3E}">
-        <p14:creationId xmlns:p14="http://schemas.microsoft.com/office/powerpoint/2010/main" val="619554616"/>
+        <p14:creationId xmlns:p14="http://schemas.microsoft.com/office/powerpoint/2010/main" val="3157972426"/>
       </p:ext>
     </p:extLst>
   </p:cSld>
@@ -2664,12 +3362,10 @@
     <p:sldLayoutId id="2147483658" r:id="rId10"/>
     <p:sldLayoutId id="2147483659" r:id="rId11"/>
   </p:sldLayoutIdLst>
+  <p:hf hdr="0"/>
   <p:txStyles>
     <p:titleStyle>
-      <a:lvl1pPr algn="l" defTabSz="914400" rtl="0" eaLnBrk="1" latinLnBrk="0" hangingPunct="1">
-        <a:lnSpc>
-          <a:spcPct val="90000"/>
-        </a:lnSpc>
+      <a:lvl1pPr algn="ctr" defTabSz="457200" rtl="0" eaLnBrk="1" latinLnBrk="0" hangingPunct="1">
         <a:spcBef>
           <a:spcPct val="0"/>
         </a:spcBef>
@@ -2685,15 +3381,27 @@
       </a:lvl1pPr>
     </p:titleStyle>
     <p:bodyStyle>
-      <a:lvl1pPr marL="228600" indent="-228600" algn="l" defTabSz="914400" rtl="0" eaLnBrk="1" latinLnBrk="0" hangingPunct="1">
-        <a:lnSpc>
-          <a:spcPct val="90000"/>
-        </a:lnSpc>
+      <a:lvl1pPr marL="342900" indent="-342900" algn="l" defTabSz="457200" rtl="0" eaLnBrk="1" latinLnBrk="0" hangingPunct="1">
         <a:spcBef>
-          <a:spcPts val="1000"/>
+          <a:spcPct val="20000"/>
         </a:spcBef>
-        <a:buFont typeface="Arial" panose="020B0604020202020204" pitchFamily="34" charset="0"/>
+        <a:buFont typeface="Arial"/>
         <a:buChar char="•"/>
+        <a:defRPr sz="3200" kern="1200">
+          <a:solidFill>
+            <a:schemeClr val="tx1"/>
+          </a:solidFill>
+          <a:latin typeface="+mn-lt"/>
+          <a:ea typeface="+mn-ea"/>
+          <a:cs typeface="+mn-cs"/>
+        </a:defRPr>
+      </a:lvl1pPr>
+      <a:lvl2pPr marL="742950" indent="-285750" algn="l" defTabSz="457200" rtl="0" eaLnBrk="1" latinLnBrk="0" hangingPunct="1">
+        <a:spcBef>
+          <a:spcPct val="20000"/>
+        </a:spcBef>
+        <a:buFont typeface="Arial"/>
+        <a:buChar char="–"/>
         <a:defRPr sz="2800" kern="1200">
           <a:solidFill>
             <a:schemeClr val="tx1"/>
@@ -2702,15 +3410,12 @@
           <a:ea typeface="+mn-ea"/>
           <a:cs typeface="+mn-cs"/>
         </a:defRPr>
-      </a:lvl1pPr>
-      <a:lvl2pPr marL="685800" indent="-228600" algn="l" defTabSz="914400" rtl="0" eaLnBrk="1" latinLnBrk="0" hangingPunct="1">
-        <a:lnSpc>
-          <a:spcPct val="90000"/>
-        </a:lnSpc>
+      </a:lvl2pPr>
+      <a:lvl3pPr marL="1143000" indent="-228600" algn="l" defTabSz="457200" rtl="0" eaLnBrk="1" latinLnBrk="0" hangingPunct="1">
         <a:spcBef>
-          <a:spcPts val="500"/>
+          <a:spcPct val="20000"/>
         </a:spcBef>
-        <a:buFont typeface="Arial" panose="020B0604020202020204" pitchFamily="34" charset="0"/>
+        <a:buFont typeface="Arial"/>
         <a:buChar char="•"/>
         <a:defRPr sz="2400" kern="1200">
           <a:solidFill>
@@ -2720,15 +3425,42 @@
           <a:ea typeface="+mn-ea"/>
           <a:cs typeface="+mn-cs"/>
         </a:defRPr>
-      </a:lvl2pPr>
-      <a:lvl3pPr marL="1143000" indent="-228600" algn="l" defTabSz="914400" rtl="0" eaLnBrk="1" latinLnBrk="0" hangingPunct="1">
-        <a:lnSpc>
-          <a:spcPct val="90000"/>
-        </a:lnSpc>
+      </a:lvl3pPr>
+      <a:lvl4pPr marL="1600200" indent="-228600" algn="l" defTabSz="457200" rtl="0" eaLnBrk="1" latinLnBrk="0" hangingPunct="1">
         <a:spcBef>
-          <a:spcPts val="500"/>
+          <a:spcPct val="20000"/>
         </a:spcBef>
-        <a:buFont typeface="Arial" panose="020B0604020202020204" pitchFamily="34" charset="0"/>
+        <a:buFont typeface="Arial"/>
+        <a:buChar char="–"/>
+        <a:defRPr sz="2000" kern="1200">
+          <a:solidFill>
+            <a:schemeClr val="tx1"/>
+          </a:solidFill>
+          <a:latin typeface="+mn-lt"/>
+          <a:ea typeface="+mn-ea"/>
+          <a:cs typeface="+mn-cs"/>
+        </a:defRPr>
+      </a:lvl4pPr>
+      <a:lvl5pPr marL="2057400" indent="-228600" algn="l" defTabSz="457200" rtl="0" eaLnBrk="1" latinLnBrk="0" hangingPunct="1">
+        <a:spcBef>
+          <a:spcPct val="20000"/>
+        </a:spcBef>
+        <a:buFont typeface="Arial"/>
+        <a:buChar char="»"/>
+        <a:defRPr sz="2000" kern="1200">
+          <a:solidFill>
+            <a:schemeClr val="tx1"/>
+          </a:solidFill>
+          <a:latin typeface="+mn-lt"/>
+          <a:ea typeface="+mn-ea"/>
+          <a:cs typeface="+mn-cs"/>
+        </a:defRPr>
+      </a:lvl5pPr>
+      <a:lvl6pPr marL="2514600" indent="-228600" algn="l" defTabSz="457200" rtl="0" eaLnBrk="1" latinLnBrk="0" hangingPunct="1">
+        <a:spcBef>
+          <a:spcPct val="20000"/>
+        </a:spcBef>
+        <a:buFont typeface="Arial"/>
         <a:buChar char="•"/>
         <a:defRPr sz="2000" kern="1200">
           <a:solidFill>
@@ -2738,71 +3470,14 @@
           <a:ea typeface="+mn-ea"/>
           <a:cs typeface="+mn-cs"/>
         </a:defRPr>
-      </a:lvl3pPr>
-      <a:lvl4pPr marL="1600200" indent="-228600" algn="l" defTabSz="914400" rtl="0" eaLnBrk="1" latinLnBrk="0" hangingPunct="1">
-        <a:lnSpc>
-          <a:spcPct val="90000"/>
-        </a:lnSpc>
+      </a:lvl6pPr>
+      <a:lvl7pPr marL="2971800" indent="-228600" algn="l" defTabSz="457200" rtl="0" eaLnBrk="1" latinLnBrk="0" hangingPunct="1">
         <a:spcBef>
-          <a:spcPts val="500"/>
+          <a:spcPct val="20000"/>
         </a:spcBef>
-        <a:buFont typeface="Arial" panose="020B0604020202020204" pitchFamily="34" charset="0"/>
+        <a:buFont typeface="Arial"/>
         <a:buChar char="•"/>
-        <a:defRPr sz="1800" kern="1200">
-          <a:solidFill>
-            <a:schemeClr val="tx1"/>
-          </a:solidFill>
-          <a:latin typeface="+mn-lt"/>
-          <a:ea typeface="+mn-ea"/>
-          <a:cs typeface="+mn-cs"/>
-        </a:defRPr>
-      </a:lvl4pPr>
-      <a:lvl5pPr marL="2057400" indent="-228600" algn="l" defTabSz="914400" rtl="0" eaLnBrk="1" latinLnBrk="0" hangingPunct="1">
-        <a:lnSpc>
-          <a:spcPct val="90000"/>
-        </a:lnSpc>
-        <a:spcBef>
-          <a:spcPts val="500"/>
-        </a:spcBef>
-        <a:buFont typeface="Arial" panose="020B0604020202020204" pitchFamily="34" charset="0"/>
-        <a:buChar char="•"/>
-        <a:defRPr sz="1800" kern="1200">
-          <a:solidFill>
-            <a:schemeClr val="tx1"/>
-          </a:solidFill>
-          <a:latin typeface="+mn-lt"/>
-          <a:ea typeface="+mn-ea"/>
-          <a:cs typeface="+mn-cs"/>
-        </a:defRPr>
-      </a:lvl5pPr>
-      <a:lvl6pPr marL="2514600" indent="-228600" algn="l" defTabSz="914400" rtl="0" eaLnBrk="1" latinLnBrk="0" hangingPunct="1">
-        <a:lnSpc>
-          <a:spcPct val="90000"/>
-        </a:lnSpc>
-        <a:spcBef>
-          <a:spcPts val="500"/>
-        </a:spcBef>
-        <a:buFont typeface="Arial" panose="020B0604020202020204" pitchFamily="34" charset="0"/>
-        <a:buChar char="•"/>
-        <a:defRPr sz="1800" kern="1200">
-          <a:solidFill>
-            <a:schemeClr val="tx1"/>
-          </a:solidFill>
-          <a:latin typeface="+mn-lt"/>
-          <a:ea typeface="+mn-ea"/>
-          <a:cs typeface="+mn-cs"/>
-        </a:defRPr>
-      </a:lvl6pPr>
-      <a:lvl7pPr marL="2971800" indent="-228600" algn="l" defTabSz="914400" rtl="0" eaLnBrk="1" latinLnBrk="0" hangingPunct="1">
-        <a:lnSpc>
-          <a:spcPct val="90000"/>
-        </a:lnSpc>
-        <a:spcBef>
-          <a:spcPts val="500"/>
-        </a:spcBef>
-        <a:buFont typeface="Arial" panose="020B0604020202020204" pitchFamily="34" charset="0"/>
-        <a:buChar char="•"/>
-        <a:defRPr sz="1800" kern="1200">
+        <a:defRPr sz="2000" kern="1200">
           <a:solidFill>
             <a:schemeClr val="tx1"/>
           </a:solidFill>
@@ -2811,16 +3486,13 @@
           <a:cs typeface="+mn-cs"/>
         </a:defRPr>
       </a:lvl7pPr>
-      <a:lvl8pPr marL="3429000" indent="-228600" algn="l" defTabSz="914400" rtl="0" eaLnBrk="1" latinLnBrk="0" hangingPunct="1">
-        <a:lnSpc>
-          <a:spcPct val="90000"/>
-        </a:lnSpc>
+      <a:lvl8pPr marL="3429000" indent="-228600" algn="l" defTabSz="457200" rtl="0" eaLnBrk="1" latinLnBrk="0" hangingPunct="1">
         <a:spcBef>
-          <a:spcPts val="500"/>
+          <a:spcPct val="20000"/>
         </a:spcBef>
-        <a:buFont typeface="Arial" panose="020B0604020202020204" pitchFamily="34" charset="0"/>
+        <a:buFont typeface="Arial"/>
         <a:buChar char="•"/>
-        <a:defRPr sz="1800" kern="1200">
+        <a:defRPr sz="2000" kern="1200">
           <a:solidFill>
             <a:schemeClr val="tx1"/>
           </a:solidFill>
@@ -2829,16 +3501,13 @@
           <a:cs typeface="+mn-cs"/>
         </a:defRPr>
       </a:lvl8pPr>
-      <a:lvl9pPr marL="3886200" indent="-228600" algn="l" defTabSz="914400" rtl="0" eaLnBrk="1" latinLnBrk="0" hangingPunct="1">
-        <a:lnSpc>
-          <a:spcPct val="90000"/>
-        </a:lnSpc>
+      <a:lvl9pPr marL="3886200" indent="-228600" algn="l" defTabSz="457200" rtl="0" eaLnBrk="1" latinLnBrk="0" hangingPunct="1">
         <a:spcBef>
-          <a:spcPts val="500"/>
+          <a:spcPct val="20000"/>
         </a:spcBef>
-        <a:buFont typeface="Arial" panose="020B0604020202020204" pitchFamily="34" charset="0"/>
+        <a:buFont typeface="Arial"/>
         <a:buChar char="•"/>
-        <a:defRPr sz="1800" kern="1200">
+        <a:defRPr sz="2000" kern="1200">
           <a:solidFill>
             <a:schemeClr val="tx1"/>
           </a:solidFill>
@@ -2852,7 +3521,7 @@
       <a:defPPr>
         <a:defRPr lang="de-DE"/>
       </a:defPPr>
-      <a:lvl1pPr marL="0" algn="l" defTabSz="914400" rtl="0" eaLnBrk="1" latinLnBrk="0" hangingPunct="1">
+      <a:lvl1pPr marL="0" algn="l" defTabSz="457200" rtl="0" eaLnBrk="1" latinLnBrk="0" hangingPunct="1">
         <a:defRPr sz="1800" kern="1200">
           <a:solidFill>
             <a:schemeClr val="tx1"/>
@@ -2862,7 +3531,7 @@
           <a:cs typeface="+mn-cs"/>
         </a:defRPr>
       </a:lvl1pPr>
-      <a:lvl2pPr marL="457200" algn="l" defTabSz="914400" rtl="0" eaLnBrk="1" latinLnBrk="0" hangingPunct="1">
+      <a:lvl2pPr marL="457200" algn="l" defTabSz="457200" rtl="0" eaLnBrk="1" latinLnBrk="0" hangingPunct="1">
         <a:defRPr sz="1800" kern="1200">
           <a:solidFill>
             <a:schemeClr val="tx1"/>
@@ -2872,7 +3541,7 @@
           <a:cs typeface="+mn-cs"/>
         </a:defRPr>
       </a:lvl2pPr>
-      <a:lvl3pPr marL="914400" algn="l" defTabSz="914400" rtl="0" eaLnBrk="1" latinLnBrk="0" hangingPunct="1">
+      <a:lvl3pPr marL="914400" algn="l" defTabSz="457200" rtl="0" eaLnBrk="1" latinLnBrk="0" hangingPunct="1">
         <a:defRPr sz="1800" kern="1200">
           <a:solidFill>
             <a:schemeClr val="tx1"/>
@@ -2882,7 +3551,7 @@
           <a:cs typeface="+mn-cs"/>
         </a:defRPr>
       </a:lvl3pPr>
-      <a:lvl4pPr marL="1371600" algn="l" defTabSz="914400" rtl="0" eaLnBrk="1" latinLnBrk="0" hangingPunct="1">
+      <a:lvl4pPr marL="1371600" algn="l" defTabSz="457200" rtl="0" eaLnBrk="1" latinLnBrk="0" hangingPunct="1">
         <a:defRPr sz="1800" kern="1200">
           <a:solidFill>
             <a:schemeClr val="tx1"/>
@@ -2892,7 +3561,7 @@
           <a:cs typeface="+mn-cs"/>
         </a:defRPr>
       </a:lvl4pPr>
-      <a:lvl5pPr marL="1828800" algn="l" defTabSz="914400" rtl="0" eaLnBrk="1" latinLnBrk="0" hangingPunct="1">
+      <a:lvl5pPr marL="1828800" algn="l" defTabSz="457200" rtl="0" eaLnBrk="1" latinLnBrk="0" hangingPunct="1">
         <a:defRPr sz="1800" kern="1200">
           <a:solidFill>
             <a:schemeClr val="tx1"/>
@@ -2902,7 +3571,7 @@
           <a:cs typeface="+mn-cs"/>
         </a:defRPr>
       </a:lvl5pPr>
-      <a:lvl6pPr marL="2286000" algn="l" defTabSz="914400" rtl="0" eaLnBrk="1" latinLnBrk="0" hangingPunct="1">
+      <a:lvl6pPr marL="2286000" algn="l" defTabSz="457200" rtl="0" eaLnBrk="1" latinLnBrk="0" hangingPunct="1">
         <a:defRPr sz="1800" kern="1200">
           <a:solidFill>
             <a:schemeClr val="tx1"/>
@@ -2912,7 +3581,7 @@
           <a:cs typeface="+mn-cs"/>
         </a:defRPr>
       </a:lvl6pPr>
-      <a:lvl7pPr marL="2743200" algn="l" defTabSz="914400" rtl="0" eaLnBrk="1" latinLnBrk="0" hangingPunct="1">
+      <a:lvl7pPr marL="2743200" algn="l" defTabSz="457200" rtl="0" eaLnBrk="1" latinLnBrk="0" hangingPunct="1">
         <a:defRPr sz="1800" kern="1200">
           <a:solidFill>
             <a:schemeClr val="tx1"/>
@@ -2922,7 +3591,7 @@
           <a:cs typeface="+mn-cs"/>
         </a:defRPr>
       </a:lvl7pPr>
-      <a:lvl8pPr marL="3200400" algn="l" defTabSz="914400" rtl="0" eaLnBrk="1" latinLnBrk="0" hangingPunct="1">
+      <a:lvl8pPr marL="3200400" algn="l" defTabSz="457200" rtl="0" eaLnBrk="1" latinLnBrk="0" hangingPunct="1">
         <a:defRPr sz="1800" kern="1200">
           <a:solidFill>
             <a:schemeClr val="tx1"/>
@@ -2932,7 +3601,7 @@
           <a:cs typeface="+mn-cs"/>
         </a:defRPr>
       </a:lvl8pPr>
-      <a:lvl9pPr marL="3657600" algn="l" defTabSz="914400" rtl="0" eaLnBrk="1" latinLnBrk="0" hangingPunct="1">
+      <a:lvl9pPr marL="3657600" algn="l" defTabSz="457200" rtl="0" eaLnBrk="1" latinLnBrk="0" hangingPunct="1">
         <a:defRPr sz="1800" kern="1200">
           <a:solidFill>
             <a:schemeClr val="tx1"/>
@@ -2966,7 +3635,7 @@
       </p:grpSpPr>
       <p:sp>
         <p:nvSpPr>
-          <p:cNvPr id="2" name="Titel 1"/>
+          <p:cNvPr id="6" name="Titel 5"/>
           <p:cNvSpPr>
             <a:spLocks noGrp="1"/>
           </p:cNvSpPr>
@@ -2979,13 +3648,17 @@
           <a:bodyPr/>
           <a:lstStyle/>
           <a:p>
-            <a:endParaRPr lang="en-GB"/>
-          </a:p>
-        </p:txBody>
-      </p:sp>
-      <p:sp>
-        <p:nvSpPr>
-          <p:cNvPr id="3" name="Untertitel 2"/>
+            <a:r>
+              <a:rPr lang="de-DE" dirty="0" smtClean="0"/>
+              <a:t>CS Task 1</a:t>
+            </a:r>
+            <a:endParaRPr lang="de-DE" dirty="0"/>
+          </a:p>
+        </p:txBody>
+      </p:sp>
+      <p:sp>
+        <p:nvSpPr>
+          <p:cNvPr id="7" name="Untertitel 6"/>
           <p:cNvSpPr>
             <a:spLocks noGrp="1"/>
           </p:cNvSpPr>
@@ -2995,17 +3668,426 @@
         </p:nvSpPr>
         <p:spPr/>
         <p:txBody>
-          <a:bodyPr/>
-          <a:lstStyle/>
-          <a:p>
-            <a:endParaRPr lang="en-GB"/>
+          <a:bodyPr>
+            <a:normAutofit fontScale="92500" lnSpcReduction="20000"/>
+          </a:bodyPr>
+          <a:lstStyle/>
+          <a:p>
+            <a:r>
+              <a:rPr lang="de-DE" dirty="0" smtClean="0"/>
+              <a:t>Team </a:t>
+            </a:r>
+            <a:r>
+              <a:rPr lang="de-DE" dirty="0" err="1" smtClean="0"/>
+              <a:t>Weiss</a:t>
+            </a:r>
+            <a:r>
+              <a:rPr lang="de-DE" dirty="0" smtClean="0"/>
+              <a:t>:</a:t>
+            </a:r>
+          </a:p>
+          <a:p>
+            <a:r>
+              <a:rPr lang="de-DE" dirty="0" smtClean="0"/>
+              <a:t>Lukas Wyss, </a:t>
+            </a:r>
+            <a:r>
+              <a:rPr lang="de-DE" dirty="0" err="1" smtClean="0"/>
+              <a:t>Schaad</a:t>
+            </a:r>
+            <a:r>
+              <a:rPr lang="de-DE" dirty="0" smtClean="0"/>
+              <a:t> Philipp, Kevin </a:t>
+            </a:r>
+            <a:r>
+              <a:rPr lang="de-DE" dirty="0" err="1" smtClean="0"/>
+              <a:t>Tippenhauer</a:t>
+            </a:r>
+            <a:r>
+              <a:rPr lang="de-DE" dirty="0" smtClean="0"/>
+              <a:t>, Martin Stierlin, </a:t>
+            </a:r>
+          </a:p>
+          <a:p>
+            <a:r>
+              <a:rPr lang="de-DE" dirty="0" smtClean="0"/>
+              <a:t>Alain Roth, Aline Zaugg</a:t>
+            </a:r>
+            <a:endParaRPr lang="de-DE" dirty="0"/>
           </a:p>
         </p:txBody>
       </p:sp>
     </p:spTree>
     <p:extLst>
       <p:ext uri="{BB962C8B-B14F-4D97-AF65-F5344CB8AC3E}">
-        <p14:creationId xmlns:p14="http://schemas.microsoft.com/office/powerpoint/2010/main" val="983537361"/>
+        <p14:creationId xmlns:p14="http://schemas.microsoft.com/office/powerpoint/2010/main" val="2066717680"/>
+      </p:ext>
+    </p:extLst>
+  </p:cSld>
+  <p:clrMapOvr>
+    <a:masterClrMapping/>
+  </p:clrMapOvr>
+  <p:timing>
+    <p:tnLst>
+      <p:par>
+        <p:cTn xmlns:p14="http://schemas.microsoft.com/office/powerpoint/2010/main" id="1" dur="indefinite" restart="never" nodeType="tmRoot"/>
+      </p:par>
+    </p:tnLst>
+  </p:timing>
+</p:sld>
+</file>
+
+<file path=ppt/slides/slide2.xml><?xml version="1.0" encoding="utf-8"?>
+<p:sld xmlns:a="http://schemas.openxmlformats.org/drawingml/2006/main" xmlns:r="http://schemas.openxmlformats.org/officeDocument/2006/relationships" xmlns:p="http://schemas.openxmlformats.org/presentationml/2006/main">
+  <p:cSld>
+    <p:spTree>
+      <p:nvGrpSpPr>
+        <p:cNvPr id="1" name=""/>
+        <p:cNvGrpSpPr/>
+        <p:nvPr/>
+      </p:nvGrpSpPr>
+      <p:grpSpPr>
+        <a:xfrm>
+          <a:off x="0" y="0"/>
+          <a:ext cx="0" cy="0"/>
+          <a:chOff x="0" y="0"/>
+          <a:chExt cx="0" cy="0"/>
+        </a:xfrm>
+      </p:grpSpPr>
+      <p:sp>
+        <p:nvSpPr>
+          <p:cNvPr id="2" name="Titel 1"/>
+          <p:cNvSpPr>
+            <a:spLocks noGrp="1"/>
+          </p:cNvSpPr>
+          <p:nvPr>
+            <p:ph type="title"/>
+          </p:nvPr>
+        </p:nvSpPr>
+        <p:spPr/>
+        <p:txBody>
+          <a:bodyPr/>
+          <a:lstStyle/>
+          <a:p>
+            <a:r>
+              <a:rPr lang="de-DE" dirty="0" smtClean="0"/>
+              <a:t>Anspruchsgruppen</a:t>
+            </a:r>
+            <a:endParaRPr lang="de-DE" dirty="0"/>
+          </a:p>
+        </p:txBody>
+      </p:sp>
+      <p:sp>
+        <p:nvSpPr>
+          <p:cNvPr id="3" name="Inhaltsplatzhalter 2"/>
+          <p:cNvSpPr>
+            <a:spLocks noGrp="1"/>
+          </p:cNvSpPr>
+          <p:nvPr>
+            <p:ph idx="1"/>
+          </p:nvPr>
+        </p:nvSpPr>
+        <p:spPr/>
+        <p:txBody>
+          <a:bodyPr/>
+          <a:lstStyle/>
+          <a:p>
+            <a:endParaRPr lang="de-DE" dirty="0"/>
+          </a:p>
+        </p:txBody>
+      </p:sp>
+      <p:sp>
+        <p:nvSpPr>
+          <p:cNvPr id="4" name="Textfeld 3"/>
+          <p:cNvSpPr txBox="1"/>
+          <p:nvPr/>
+        </p:nvSpPr>
+        <p:spPr>
+          <a:xfrm>
+            <a:off x="1519511" y="6554649"/>
+            <a:ext cx="184666" cy="369332"/>
+          </a:xfrm>
+          <a:prstGeom prst="rect">
+            <a:avLst/>
+          </a:prstGeom>
+          <a:noFill/>
+        </p:spPr>
+        <p:txBody>
+          <a:bodyPr wrap="none" rtlCol="0">
+            <a:spAutoFit/>
+          </a:bodyPr>
+          <a:lstStyle/>
+          <a:p>
+            <a:endParaRPr lang="de-DE" dirty="0"/>
+          </a:p>
+        </p:txBody>
+      </p:sp>
+      <p:sp>
+        <p:nvSpPr>
+          <p:cNvPr id="5" name="Datumsplatzhalter 4"/>
+          <p:cNvSpPr>
+            <a:spLocks noGrp="1"/>
+          </p:cNvSpPr>
+          <p:nvPr>
+            <p:ph type="dt" sz="half" idx="10"/>
+          </p:nvPr>
+        </p:nvSpPr>
+        <p:spPr/>
+        <p:txBody>
+          <a:bodyPr/>
+          <a:lstStyle/>
+          <a:p>
+            <a:fld id="{4FE6A02D-F97E-3C4A-BBF0-7A59894D8CF5}" type="datetime1">
+              <a:rPr lang="de-CH" smtClean="0"/>
+              <a:t>27.09.15</a:t>
+            </a:fld>
+            <a:endParaRPr lang="de-DE"/>
+          </a:p>
+        </p:txBody>
+      </p:sp>
+      <p:sp>
+        <p:nvSpPr>
+          <p:cNvPr id="6" name="Fußzeilenplatzhalter 5"/>
+          <p:cNvSpPr>
+            <a:spLocks noGrp="1"/>
+          </p:cNvSpPr>
+          <p:nvPr>
+            <p:ph type="ftr" sz="quarter" idx="11"/>
+          </p:nvPr>
+        </p:nvSpPr>
+        <p:spPr/>
+        <p:txBody>
+          <a:bodyPr/>
+          <a:lstStyle/>
+          <a:p>
+            <a:endParaRPr lang="de-DE" dirty="0"/>
+          </a:p>
+        </p:txBody>
+      </p:sp>
+      <p:sp>
+        <p:nvSpPr>
+          <p:cNvPr id="7" name="Foliennummernplatzhalter 6"/>
+          <p:cNvSpPr>
+            <a:spLocks noGrp="1"/>
+          </p:cNvSpPr>
+          <p:nvPr>
+            <p:ph type="sldNum" sz="quarter" idx="12"/>
+          </p:nvPr>
+        </p:nvSpPr>
+        <p:spPr/>
+        <p:txBody>
+          <a:bodyPr/>
+          <a:lstStyle/>
+          <a:p>
+            <a:fld id="{6BB33ECD-5191-EC4A-BC48-DDE302A05FCA}" type="slidenum">
+              <a:rPr lang="de-DE" smtClean="0"/>
+              <a:t>2</a:t>
+            </a:fld>
+            <a:endParaRPr lang="de-DE"/>
+          </a:p>
+        </p:txBody>
+      </p:sp>
+    </p:spTree>
+    <p:extLst>
+      <p:ext uri="{BB962C8B-B14F-4D97-AF65-F5344CB8AC3E}">
+        <p14:creationId xmlns:p14="http://schemas.microsoft.com/office/powerpoint/2010/main" val="718020701"/>
+      </p:ext>
+    </p:extLst>
+  </p:cSld>
+  <p:clrMapOvr>
+    <a:masterClrMapping/>
+  </p:clrMapOvr>
+  <p:timing>
+    <p:tnLst>
+      <p:par>
+        <p:cTn xmlns:p14="http://schemas.microsoft.com/office/powerpoint/2010/main" id="1" dur="indefinite" restart="never" nodeType="tmRoot"/>
+      </p:par>
+    </p:tnLst>
+  </p:timing>
+</p:sld>
+</file>
+
+<file path=ppt/slides/slide3.xml><?xml version="1.0" encoding="utf-8"?>
+<p:sld xmlns:a="http://schemas.openxmlformats.org/drawingml/2006/main" xmlns:r="http://schemas.openxmlformats.org/officeDocument/2006/relationships" xmlns:p="http://schemas.openxmlformats.org/presentationml/2006/main">
+  <p:cSld>
+    <p:spTree>
+      <p:nvGrpSpPr>
+        <p:cNvPr id="1" name=""/>
+        <p:cNvGrpSpPr/>
+        <p:nvPr/>
+      </p:nvGrpSpPr>
+      <p:grpSpPr>
+        <a:xfrm>
+          <a:off x="0" y="0"/>
+          <a:ext cx="0" cy="0"/>
+          <a:chOff x="0" y="0"/>
+          <a:chExt cx="0" cy="0"/>
+        </a:xfrm>
+      </p:grpSpPr>
+      <p:sp>
+        <p:nvSpPr>
+          <p:cNvPr id="2" name="Titel 1"/>
+          <p:cNvSpPr>
+            <a:spLocks noGrp="1"/>
+          </p:cNvSpPr>
+          <p:nvPr>
+            <p:ph type="title"/>
+          </p:nvPr>
+        </p:nvSpPr>
+        <p:spPr/>
+        <p:txBody>
+          <a:bodyPr/>
+          <a:lstStyle/>
+          <a:p>
+            <a:endParaRPr lang="de-DE"/>
+          </a:p>
+        </p:txBody>
+      </p:sp>
+      <p:sp>
+        <p:nvSpPr>
+          <p:cNvPr id="3" name="Textplatzhalter 2"/>
+          <p:cNvSpPr>
+            <a:spLocks noGrp="1"/>
+          </p:cNvSpPr>
+          <p:nvPr>
+            <p:ph type="body" idx="1"/>
+          </p:nvPr>
+        </p:nvSpPr>
+        <p:spPr/>
+        <p:txBody>
+          <a:bodyPr/>
+          <a:lstStyle/>
+          <a:p>
+            <a:endParaRPr lang="de-DE"/>
+          </a:p>
+        </p:txBody>
+      </p:sp>
+      <p:sp>
+        <p:nvSpPr>
+          <p:cNvPr id="4" name="Inhaltsplatzhalter 3"/>
+          <p:cNvSpPr>
+            <a:spLocks noGrp="1"/>
+          </p:cNvSpPr>
+          <p:nvPr>
+            <p:ph sz="half" idx="2"/>
+          </p:nvPr>
+        </p:nvSpPr>
+        <p:spPr/>
+        <p:txBody>
+          <a:bodyPr/>
+          <a:lstStyle/>
+          <a:p>
+            <a:endParaRPr lang="de-DE"/>
+          </a:p>
+        </p:txBody>
+      </p:sp>
+      <p:sp>
+        <p:nvSpPr>
+          <p:cNvPr id="5" name="Textplatzhalter 4"/>
+          <p:cNvSpPr>
+            <a:spLocks noGrp="1"/>
+          </p:cNvSpPr>
+          <p:nvPr>
+            <p:ph type="body" sz="quarter" idx="3"/>
+          </p:nvPr>
+        </p:nvSpPr>
+        <p:spPr/>
+        <p:txBody>
+          <a:bodyPr/>
+          <a:lstStyle/>
+          <a:p>
+            <a:endParaRPr lang="de-DE"/>
+          </a:p>
+        </p:txBody>
+      </p:sp>
+      <p:sp>
+        <p:nvSpPr>
+          <p:cNvPr id="6" name="Inhaltsplatzhalter 5"/>
+          <p:cNvSpPr>
+            <a:spLocks noGrp="1"/>
+          </p:cNvSpPr>
+          <p:nvPr>
+            <p:ph sz="quarter" idx="4"/>
+          </p:nvPr>
+        </p:nvSpPr>
+        <p:spPr/>
+        <p:txBody>
+          <a:bodyPr/>
+          <a:lstStyle/>
+          <a:p>
+            <a:endParaRPr lang="de-DE"/>
+          </a:p>
+        </p:txBody>
+      </p:sp>
+      <p:sp>
+        <p:nvSpPr>
+          <p:cNvPr id="7" name="Datumsplatzhalter 6"/>
+          <p:cNvSpPr>
+            <a:spLocks noGrp="1"/>
+          </p:cNvSpPr>
+          <p:nvPr>
+            <p:ph type="dt" sz="half" idx="10"/>
+          </p:nvPr>
+        </p:nvSpPr>
+        <p:spPr/>
+        <p:txBody>
+          <a:bodyPr/>
+          <a:lstStyle/>
+          <a:p>
+            <a:fld id="{883190B9-A810-2B44-8BEB-7B44C93B3B56}" type="datetime1">
+              <a:rPr lang="de-CH" smtClean="0"/>
+              <a:t>27.09.15</a:t>
+            </a:fld>
+            <a:endParaRPr lang="de-DE"/>
+          </a:p>
+        </p:txBody>
+      </p:sp>
+      <p:sp>
+        <p:nvSpPr>
+          <p:cNvPr id="8" name="Fußzeilenplatzhalter 7"/>
+          <p:cNvSpPr>
+            <a:spLocks noGrp="1"/>
+          </p:cNvSpPr>
+          <p:nvPr>
+            <p:ph type="ftr" sz="quarter" idx="11"/>
+          </p:nvPr>
+        </p:nvSpPr>
+        <p:spPr/>
+        <p:txBody>
+          <a:bodyPr/>
+          <a:lstStyle/>
+          <a:p>
+            <a:endParaRPr lang="de-DE"/>
+          </a:p>
+        </p:txBody>
+      </p:sp>
+      <p:sp>
+        <p:nvSpPr>
+          <p:cNvPr id="9" name="Foliennummernplatzhalter 8"/>
+          <p:cNvSpPr>
+            <a:spLocks noGrp="1"/>
+          </p:cNvSpPr>
+          <p:nvPr>
+            <p:ph type="sldNum" sz="quarter" idx="12"/>
+          </p:nvPr>
+        </p:nvSpPr>
+        <p:spPr/>
+        <p:txBody>
+          <a:bodyPr/>
+          <a:lstStyle/>
+          <a:p>
+            <a:fld id="{6BB33ECD-5191-EC4A-BC48-DDE302A05FCA}" type="slidenum">
+              <a:rPr lang="de-DE" smtClean="0"/>
+              <a:t>3</a:t>
+            </a:fld>
+            <a:endParaRPr lang="de-DE"/>
+          </a:p>
+        </p:txBody>
+      </p:sp>
+    </p:spTree>
+    <p:extLst>
+      <p:ext uri="{BB962C8B-B14F-4D97-AF65-F5344CB8AC3E}">
+        <p14:creationId xmlns:p14="http://schemas.microsoft.com/office/powerpoint/2010/main" val="2714102238"/>
       </p:ext>
     </p:extLst>
   </p:cSld>
@@ -3016,9 +4098,9 @@
 </file>
 
 <file path=ppt/theme/theme1.xml><?xml version="1.0" encoding="utf-8"?>
-<a:theme xmlns:a="http://schemas.openxmlformats.org/drawingml/2006/main" name="Larissa">
+<a:theme xmlns:a="http://schemas.openxmlformats.org/drawingml/2006/main" name="Office-Design">
   <a:themeElements>
-    <a:clrScheme name="Larissa">
+    <a:clrScheme name="Office">
       <a:dk1>
         <a:sysClr val="windowText" lastClr="000000"/>
       </a:dk1>
@@ -3026,39 +4108,359 @@
         <a:sysClr val="window" lastClr="FFFFFF"/>
       </a:lt1>
       <a:dk2>
-        <a:srgbClr val="44546A"/>
+        <a:srgbClr val="1F497D"/>
       </a:dk2>
       <a:lt2>
-        <a:srgbClr val="E7E6E6"/>
+        <a:srgbClr val="EEECE1"/>
       </a:lt2>
       <a:accent1>
-        <a:srgbClr val="5B9BD5"/>
+        <a:srgbClr val="4F81BD"/>
       </a:accent1>
       <a:accent2>
-        <a:srgbClr val="ED7D31"/>
+        <a:srgbClr val="C0504D"/>
       </a:accent2>
       <a:accent3>
-        <a:srgbClr val="A5A5A5"/>
+        <a:srgbClr val="9BBB59"/>
       </a:accent3>
       <a:accent4>
-        <a:srgbClr val="FFC000"/>
+        <a:srgbClr val="8064A2"/>
       </a:accent4>
       <a:accent5>
-        <a:srgbClr val="4472C4"/>
+        <a:srgbClr val="4BACC6"/>
       </a:accent5>
       <a:accent6>
-        <a:srgbClr val="70AD47"/>
+        <a:srgbClr val="F79646"/>
       </a:accent6>
       <a:hlink>
-        <a:srgbClr val="0563C1"/>
+        <a:srgbClr val="0000FF"/>
       </a:hlink>
       <a:folHlink>
-        <a:srgbClr val="954F72"/>
+        <a:srgbClr val="800080"/>
       </a:folHlink>
     </a:clrScheme>
-    <a:fontScheme name="Larissa">
+    <a:fontScheme name="Austin">
       <a:majorFont>
-        <a:latin typeface="Calibri Light" panose="020F0302020204030204"/>
+        <a:latin typeface="Century Gothic"/>
+        <a:ea typeface=""/>
+        <a:cs typeface=""/>
+        <a:font script="Jpan" typeface="ＭＳ ゴシック"/>
+        <a:font script="Hang" typeface="HY중고딕"/>
+        <a:font script="Hans" typeface="微软雅黑"/>
+        <a:font script="Hant" typeface="微軟正黑體"/>
+        <a:font script="Arab" typeface="Tahoma"/>
+        <a:font script="Hebr" typeface="Gisha"/>
+        <a:font script="Thai" typeface="DilleniaUPC"/>
+        <a:font script="Ethi" typeface="Nyala"/>
+        <a:font script="Beng" typeface="Vrinda"/>
+        <a:font script="Gujr" typeface="Shruti"/>
+        <a:font script="Khmr" typeface="DaunPenh"/>
+        <a:font script="Knda" typeface="Tunga"/>
+        <a:font script="Guru" typeface="Raavi"/>
+        <a:font script="Cans" typeface="Euphemia"/>
+        <a:font script="Cher" typeface="Plantagenet Cherokee"/>
+        <a:font script="Yiii" typeface="Microsoft Yi Baiti"/>
+        <a:font script="Tibt" typeface="Microsoft Himalaya"/>
+        <a:font script="Thaa" typeface="MV Boli"/>
+        <a:font script="Deva" typeface="Mangal"/>
+        <a:font script="Telu" typeface="Gautami"/>
+        <a:font script="Taml" typeface="Latha"/>
+        <a:font script="Syrc" typeface="Estrangelo Edessa"/>
+        <a:font script="Orya" typeface="Kalinga"/>
+        <a:font script="Mlym" typeface="Kartika"/>
+        <a:font script="Laoo" typeface="DokChampa"/>
+        <a:font script="Sinh" typeface="Iskoola Pota"/>
+        <a:font script="Mong" typeface="Mongolian Baiti"/>
+        <a:font script="Viet" typeface="Tahoma"/>
+        <a:font script="Uigh" typeface="Microsoft Uighur"/>
+        <a:font script="Geor" typeface="Sylfaen"/>
+      </a:majorFont>
+      <a:minorFont>
+        <a:latin typeface="Century Gothic"/>
+        <a:ea typeface=""/>
+        <a:cs typeface=""/>
+        <a:font script="Jpan" typeface="ＭＳ ゴシック"/>
+        <a:font script="Hang" typeface="HY중고딕"/>
+        <a:font script="Hans" typeface="微软雅黑"/>
+        <a:font script="Hant" typeface="微軟正黑體"/>
+        <a:font script="Arab" typeface="Tahoma"/>
+        <a:font script="Hebr" typeface="Gisha"/>
+        <a:font script="Thai" typeface="DilleniaUPC"/>
+        <a:font script="Ethi" typeface="Nyala"/>
+        <a:font script="Beng" typeface="Vrinda"/>
+        <a:font script="Gujr" typeface="Shruti"/>
+        <a:font script="Khmr" typeface="DaunPenh"/>
+        <a:font script="Knda" typeface="Tunga"/>
+        <a:font script="Guru" typeface="Raavi"/>
+        <a:font script="Cans" typeface="Euphemia"/>
+        <a:font script="Cher" typeface="Plantagenet Cherokee"/>
+        <a:font script="Yiii" typeface="Microsoft Yi Baiti"/>
+        <a:font script="Tibt" typeface="Microsoft Himalaya"/>
+        <a:font script="Thaa" typeface="MV Boli"/>
+        <a:font script="Deva" typeface="Mangal"/>
+        <a:font script="Telu" typeface="Gautami"/>
+        <a:font script="Taml" typeface="Latha"/>
+        <a:font script="Syrc" typeface="Estrangelo Edessa"/>
+        <a:font script="Orya" typeface="Kalinga"/>
+        <a:font script="Mlym" typeface="Kartika"/>
+        <a:font script="Laoo" typeface="DokChampa"/>
+        <a:font script="Sinh" typeface="Iskoola Pota"/>
+        <a:font script="Mong" typeface="Mongolian Baiti"/>
+        <a:font script="Viet" typeface="Verdana"/>
+        <a:font script="Uigh" typeface="Microsoft Uighur"/>
+        <a:font script="Geor" typeface="Sylfaen"/>
+      </a:minorFont>
+    </a:fontScheme>
+    <a:fmtScheme name="Office">
+      <a:fillStyleLst>
+        <a:solidFill>
+          <a:schemeClr val="phClr"/>
+        </a:solidFill>
+        <a:gradFill rotWithShape="1">
+          <a:gsLst>
+            <a:gs pos="0">
+              <a:schemeClr val="phClr">
+                <a:tint val="50000"/>
+                <a:satMod val="300000"/>
+              </a:schemeClr>
+            </a:gs>
+            <a:gs pos="35000">
+              <a:schemeClr val="phClr">
+                <a:tint val="37000"/>
+                <a:satMod val="300000"/>
+              </a:schemeClr>
+            </a:gs>
+            <a:gs pos="100000">
+              <a:schemeClr val="phClr">
+                <a:tint val="15000"/>
+                <a:satMod val="350000"/>
+              </a:schemeClr>
+            </a:gs>
+          </a:gsLst>
+          <a:lin ang="16200000" scaled="1"/>
+        </a:gradFill>
+        <a:gradFill rotWithShape="1">
+          <a:gsLst>
+            <a:gs pos="0">
+              <a:schemeClr val="phClr">
+                <a:tint val="100000"/>
+                <a:shade val="100000"/>
+                <a:satMod val="130000"/>
+              </a:schemeClr>
+            </a:gs>
+            <a:gs pos="100000">
+              <a:schemeClr val="phClr">
+                <a:tint val="50000"/>
+                <a:shade val="100000"/>
+                <a:satMod val="350000"/>
+              </a:schemeClr>
+            </a:gs>
+          </a:gsLst>
+          <a:lin ang="16200000" scaled="0"/>
+        </a:gradFill>
+      </a:fillStyleLst>
+      <a:lnStyleLst>
+        <a:ln w="9525" cap="flat" cmpd="sng" algn="ctr">
+          <a:solidFill>
+            <a:schemeClr val="phClr">
+              <a:shade val="95000"/>
+              <a:satMod val="105000"/>
+            </a:schemeClr>
+          </a:solidFill>
+          <a:prstDash val="solid"/>
+        </a:ln>
+        <a:ln w="25400" cap="flat" cmpd="sng" algn="ctr">
+          <a:solidFill>
+            <a:schemeClr val="phClr"/>
+          </a:solidFill>
+          <a:prstDash val="solid"/>
+        </a:ln>
+        <a:ln w="38100" cap="flat" cmpd="sng" algn="ctr">
+          <a:solidFill>
+            <a:schemeClr val="phClr"/>
+          </a:solidFill>
+          <a:prstDash val="solid"/>
+        </a:ln>
+      </a:lnStyleLst>
+      <a:effectStyleLst>
+        <a:effectStyle>
+          <a:effectLst>
+            <a:outerShdw blurRad="40000" dist="20000" dir="5400000" rotWithShape="0">
+              <a:srgbClr val="000000">
+                <a:alpha val="38000"/>
+              </a:srgbClr>
+            </a:outerShdw>
+          </a:effectLst>
+        </a:effectStyle>
+        <a:effectStyle>
+          <a:effectLst>
+            <a:outerShdw blurRad="40000" dist="23000" dir="5400000" rotWithShape="0">
+              <a:srgbClr val="000000">
+                <a:alpha val="35000"/>
+              </a:srgbClr>
+            </a:outerShdw>
+          </a:effectLst>
+        </a:effectStyle>
+        <a:effectStyle>
+          <a:effectLst>
+            <a:outerShdw blurRad="40000" dist="23000" dir="5400000" rotWithShape="0">
+              <a:srgbClr val="000000">
+                <a:alpha val="35000"/>
+              </a:srgbClr>
+            </a:outerShdw>
+          </a:effectLst>
+          <a:scene3d>
+            <a:camera prst="orthographicFront">
+              <a:rot lat="0" lon="0" rev="0"/>
+            </a:camera>
+            <a:lightRig rig="threePt" dir="t">
+              <a:rot lat="0" lon="0" rev="1200000"/>
+            </a:lightRig>
+          </a:scene3d>
+          <a:sp3d>
+            <a:bevelT w="63500" h="25400"/>
+          </a:sp3d>
+        </a:effectStyle>
+      </a:effectStyleLst>
+      <a:bgFillStyleLst>
+        <a:solidFill>
+          <a:schemeClr val="phClr"/>
+        </a:solidFill>
+        <a:gradFill rotWithShape="1">
+          <a:gsLst>
+            <a:gs pos="0">
+              <a:schemeClr val="phClr">
+                <a:tint val="40000"/>
+                <a:satMod val="350000"/>
+              </a:schemeClr>
+            </a:gs>
+            <a:gs pos="40000">
+              <a:schemeClr val="phClr">
+                <a:tint val="45000"/>
+                <a:shade val="99000"/>
+                <a:satMod val="350000"/>
+              </a:schemeClr>
+            </a:gs>
+            <a:gs pos="100000">
+              <a:schemeClr val="phClr">
+                <a:shade val="20000"/>
+                <a:satMod val="255000"/>
+              </a:schemeClr>
+            </a:gs>
+          </a:gsLst>
+          <a:path path="circle">
+            <a:fillToRect l="50000" t="-80000" r="50000" b="180000"/>
+          </a:path>
+        </a:gradFill>
+        <a:gradFill rotWithShape="1">
+          <a:gsLst>
+            <a:gs pos="0">
+              <a:schemeClr val="phClr">
+                <a:tint val="80000"/>
+                <a:satMod val="300000"/>
+              </a:schemeClr>
+            </a:gs>
+            <a:gs pos="100000">
+              <a:schemeClr val="phClr">
+                <a:shade val="30000"/>
+                <a:satMod val="200000"/>
+              </a:schemeClr>
+            </a:gs>
+          </a:gsLst>
+          <a:path path="circle">
+            <a:fillToRect l="50000" t="50000" r="50000" b="50000"/>
+          </a:path>
+        </a:gradFill>
+      </a:bgFillStyleLst>
+    </a:fmtScheme>
+  </a:themeElements>
+  <a:objectDefaults>
+    <a:spDef>
+      <a:spPr/>
+      <a:bodyPr/>
+      <a:lstStyle/>
+      <a:style>
+        <a:lnRef idx="1">
+          <a:schemeClr val="accent1"/>
+        </a:lnRef>
+        <a:fillRef idx="3">
+          <a:schemeClr val="accent1"/>
+        </a:fillRef>
+        <a:effectRef idx="2">
+          <a:schemeClr val="accent1"/>
+        </a:effectRef>
+        <a:fontRef idx="minor">
+          <a:schemeClr val="lt1"/>
+        </a:fontRef>
+      </a:style>
+    </a:spDef>
+    <a:lnDef>
+      <a:spPr/>
+      <a:bodyPr/>
+      <a:lstStyle/>
+      <a:style>
+        <a:lnRef idx="2">
+          <a:schemeClr val="accent1"/>
+        </a:lnRef>
+        <a:fillRef idx="0">
+          <a:schemeClr val="accent1"/>
+        </a:fillRef>
+        <a:effectRef idx="1">
+          <a:schemeClr val="accent1"/>
+        </a:effectRef>
+        <a:fontRef idx="minor">
+          <a:schemeClr val="tx1"/>
+        </a:fontRef>
+      </a:style>
+    </a:lnDef>
+  </a:objectDefaults>
+  <a:extraClrSchemeLst/>
+</a:theme>
+</file>
+
+<file path=ppt/theme/theme2.xml><?xml version="1.0" encoding="utf-8"?>
+<a:theme xmlns:a="http://schemas.openxmlformats.org/drawingml/2006/main" name="Office-Design">
+  <a:themeElements>
+    <a:clrScheme name="Office">
+      <a:dk1>
+        <a:sysClr val="windowText" lastClr="000000"/>
+      </a:dk1>
+      <a:lt1>
+        <a:sysClr val="window" lastClr="FFFFFF"/>
+      </a:lt1>
+      <a:dk2>
+        <a:srgbClr val="1F497D"/>
+      </a:dk2>
+      <a:lt2>
+        <a:srgbClr val="EEECE1"/>
+      </a:lt2>
+      <a:accent1>
+        <a:srgbClr val="4F81BD"/>
+      </a:accent1>
+      <a:accent2>
+        <a:srgbClr val="C0504D"/>
+      </a:accent2>
+      <a:accent3>
+        <a:srgbClr val="9BBB59"/>
+      </a:accent3>
+      <a:accent4>
+        <a:srgbClr val="8064A2"/>
+      </a:accent4>
+      <a:accent5>
+        <a:srgbClr val="4BACC6"/>
+      </a:accent5>
+      <a:accent6>
+        <a:srgbClr val="F79646"/>
+      </a:accent6>
+      <a:hlink>
+        <a:srgbClr val="0000FF"/>
+      </a:hlink>
+      <a:folHlink>
+        <a:srgbClr val="800080"/>
+      </a:folHlink>
+    </a:clrScheme>
+    <a:fontScheme name="Office">
+      <a:majorFont>
+        <a:latin typeface="Calibri"/>
         <a:ea typeface=""/>
         <a:cs typeface=""/>
         <a:font script="Jpan" typeface="ＭＳ Ｐゴシック"/>
@@ -3093,7 +4495,7 @@
         <a:font script="Geor" typeface="Sylfaen"/>
       </a:majorFont>
       <a:minorFont>
-        <a:latin typeface="Calibri" panose="020F0502020204030204"/>
+        <a:latin typeface="Calibri"/>
         <a:ea typeface=""/>
         <a:cs typeface=""/>
         <a:font script="Jpan" typeface="ＭＳ Ｐゴシック"/>
@@ -3128,7 +4530,7 @@
         <a:font script="Geor" typeface="Sylfaen"/>
       </a:minorFont>
     </a:fontScheme>
-    <a:fmtScheme name="Larissa">
+    <a:fmtScheme name="Office">
       <a:fillStyleLst>
         <a:solidFill>
           <a:schemeClr val="phClr"/>
@@ -3137,141 +4539,520 @@
           <a:gsLst>
             <a:gs pos="0">
               <a:schemeClr val="phClr">
-                <a:lumMod val="110000"/>
-                <a:satMod val="105000"/>
-                <a:tint val="67000"/>
+                <a:tint val="50000"/>
+                <a:satMod val="300000"/>
               </a:schemeClr>
             </a:gs>
-            <a:gs pos="50000">
+            <a:gs pos="35000">
               <a:schemeClr val="phClr">
-                <a:lumMod val="105000"/>
-                <a:satMod val="103000"/>
-                <a:tint val="73000"/>
+                <a:tint val="37000"/>
+                <a:satMod val="300000"/>
               </a:schemeClr>
             </a:gs>
             <a:gs pos="100000">
               <a:schemeClr val="phClr">
-                <a:lumMod val="105000"/>
-                <a:satMod val="109000"/>
-                <a:tint val="81000"/>
+                <a:tint val="15000"/>
+                <a:satMod val="350000"/>
               </a:schemeClr>
             </a:gs>
           </a:gsLst>
-          <a:lin ang="5400000" scaled="0"/>
+          <a:lin ang="16200000" scaled="1"/>
         </a:gradFill>
         <a:gradFill rotWithShape="1">
           <a:gsLst>
             <a:gs pos="0">
               <a:schemeClr val="phClr">
-                <a:satMod val="103000"/>
-                <a:lumMod val="102000"/>
-                <a:tint val="94000"/>
-              </a:schemeClr>
-            </a:gs>
-            <a:gs pos="50000">
-              <a:schemeClr val="phClr">
-                <a:satMod val="110000"/>
-                <a:lumMod val="100000"/>
+                <a:tint val="100000"/>
                 <a:shade val="100000"/>
+                <a:satMod val="130000"/>
               </a:schemeClr>
             </a:gs>
             <a:gs pos="100000">
               <a:schemeClr val="phClr">
-                <a:lumMod val="99000"/>
-                <a:satMod val="120000"/>
-                <a:shade val="78000"/>
+                <a:tint val="50000"/>
+                <a:shade val="100000"/>
+                <a:satMod val="350000"/>
               </a:schemeClr>
             </a:gs>
           </a:gsLst>
-          <a:lin ang="5400000" scaled="0"/>
+          <a:lin ang="16200000" scaled="0"/>
         </a:gradFill>
       </a:fillStyleLst>
       <a:lnStyleLst>
-        <a:ln w="6350" cap="flat" cmpd="sng" algn="ctr">
+        <a:ln w="9525" cap="flat" cmpd="sng" algn="ctr">
+          <a:solidFill>
+            <a:schemeClr val="phClr">
+              <a:shade val="95000"/>
+              <a:satMod val="105000"/>
+            </a:schemeClr>
+          </a:solidFill>
+          <a:prstDash val="solid"/>
+        </a:ln>
+        <a:ln w="25400" cap="flat" cmpd="sng" algn="ctr">
           <a:solidFill>
             <a:schemeClr val="phClr"/>
           </a:solidFill>
           <a:prstDash val="solid"/>
-          <a:miter lim="800000"/>
         </a:ln>
-        <a:ln w="12700" cap="flat" cmpd="sng" algn="ctr">
+        <a:ln w="38100" cap="flat" cmpd="sng" algn="ctr">
           <a:solidFill>
             <a:schemeClr val="phClr"/>
           </a:solidFill>
           <a:prstDash val="solid"/>
-          <a:miter lim="800000"/>
-        </a:ln>
-        <a:ln w="19050" cap="flat" cmpd="sng" algn="ctr">
-          <a:solidFill>
-            <a:schemeClr val="phClr"/>
-          </a:solidFill>
-          <a:prstDash val="solid"/>
-          <a:miter lim="800000"/>
         </a:ln>
       </a:lnStyleLst>
       <a:effectStyleLst>
         <a:effectStyle>
-          <a:effectLst/>
-        </a:effectStyle>
-        <a:effectStyle>
-          <a:effectLst/>
+          <a:effectLst>
+            <a:outerShdw blurRad="40000" dist="20000" dir="5400000" rotWithShape="0">
+              <a:srgbClr val="000000">
+                <a:alpha val="38000"/>
+              </a:srgbClr>
+            </a:outerShdw>
+          </a:effectLst>
         </a:effectStyle>
         <a:effectStyle>
           <a:effectLst>
-            <a:outerShdw blurRad="57150" dist="19050" dir="5400000" algn="ctr" rotWithShape="0">
+            <a:outerShdw blurRad="40000" dist="23000" dir="5400000" rotWithShape="0">
               <a:srgbClr val="000000">
-                <a:alpha val="63000"/>
+                <a:alpha val="35000"/>
               </a:srgbClr>
             </a:outerShdw>
           </a:effectLst>
+        </a:effectStyle>
+        <a:effectStyle>
+          <a:effectLst>
+            <a:outerShdw blurRad="40000" dist="23000" dir="5400000" rotWithShape="0">
+              <a:srgbClr val="000000">
+                <a:alpha val="35000"/>
+              </a:srgbClr>
+            </a:outerShdw>
+          </a:effectLst>
+          <a:scene3d>
+            <a:camera prst="orthographicFront">
+              <a:rot lat="0" lon="0" rev="0"/>
+            </a:camera>
+            <a:lightRig rig="threePt" dir="t">
+              <a:rot lat="0" lon="0" rev="1200000"/>
+            </a:lightRig>
+          </a:scene3d>
+          <a:sp3d>
+            <a:bevelT w="63500" h="25400"/>
+          </a:sp3d>
         </a:effectStyle>
       </a:effectStyleLst>
       <a:bgFillStyleLst>
         <a:solidFill>
           <a:schemeClr val="phClr"/>
         </a:solidFill>
+        <a:gradFill rotWithShape="1">
+          <a:gsLst>
+            <a:gs pos="0">
+              <a:schemeClr val="phClr">
+                <a:tint val="40000"/>
+                <a:satMod val="350000"/>
+              </a:schemeClr>
+            </a:gs>
+            <a:gs pos="40000">
+              <a:schemeClr val="phClr">
+                <a:tint val="45000"/>
+                <a:shade val="99000"/>
+                <a:satMod val="350000"/>
+              </a:schemeClr>
+            </a:gs>
+            <a:gs pos="100000">
+              <a:schemeClr val="phClr">
+                <a:shade val="20000"/>
+                <a:satMod val="255000"/>
+              </a:schemeClr>
+            </a:gs>
+          </a:gsLst>
+          <a:path path="circle">
+            <a:fillToRect l="50000" t="-80000" r="50000" b="180000"/>
+          </a:path>
+        </a:gradFill>
+        <a:gradFill rotWithShape="1">
+          <a:gsLst>
+            <a:gs pos="0">
+              <a:schemeClr val="phClr">
+                <a:tint val="80000"/>
+                <a:satMod val="300000"/>
+              </a:schemeClr>
+            </a:gs>
+            <a:gs pos="100000">
+              <a:schemeClr val="phClr">
+                <a:shade val="30000"/>
+                <a:satMod val="200000"/>
+              </a:schemeClr>
+            </a:gs>
+          </a:gsLst>
+          <a:path path="circle">
+            <a:fillToRect l="50000" t="50000" r="50000" b="50000"/>
+          </a:path>
+        </a:gradFill>
+      </a:bgFillStyleLst>
+    </a:fmtScheme>
+  </a:themeElements>
+  <a:objectDefaults>
+    <a:spDef>
+      <a:spPr/>
+      <a:bodyPr/>
+      <a:lstStyle/>
+      <a:style>
+        <a:lnRef idx="1">
+          <a:schemeClr val="accent1"/>
+        </a:lnRef>
+        <a:fillRef idx="3">
+          <a:schemeClr val="accent1"/>
+        </a:fillRef>
+        <a:effectRef idx="2">
+          <a:schemeClr val="accent1"/>
+        </a:effectRef>
+        <a:fontRef idx="minor">
+          <a:schemeClr val="lt1"/>
+        </a:fontRef>
+      </a:style>
+    </a:spDef>
+    <a:lnDef>
+      <a:spPr/>
+      <a:bodyPr/>
+      <a:lstStyle/>
+      <a:style>
+        <a:lnRef idx="2">
+          <a:schemeClr val="accent1"/>
+        </a:lnRef>
+        <a:fillRef idx="0">
+          <a:schemeClr val="accent1"/>
+        </a:fillRef>
+        <a:effectRef idx="1">
+          <a:schemeClr val="accent1"/>
+        </a:effectRef>
+        <a:fontRef idx="minor">
+          <a:schemeClr val="tx1"/>
+        </a:fontRef>
+      </a:style>
+    </a:lnDef>
+  </a:objectDefaults>
+  <a:extraClrSchemeLst/>
+</a:theme>
+</file>
+
+<file path=ppt/theme/theme3.xml><?xml version="1.0" encoding="utf-8"?>
+<a:theme xmlns:a="http://schemas.openxmlformats.org/drawingml/2006/main" name="Office-Design">
+  <a:themeElements>
+    <a:clrScheme name="Office">
+      <a:dk1>
+        <a:sysClr val="windowText" lastClr="000000"/>
+      </a:dk1>
+      <a:lt1>
+        <a:sysClr val="window" lastClr="FFFFFF"/>
+      </a:lt1>
+      <a:dk2>
+        <a:srgbClr val="1F497D"/>
+      </a:dk2>
+      <a:lt2>
+        <a:srgbClr val="EEECE1"/>
+      </a:lt2>
+      <a:accent1>
+        <a:srgbClr val="4F81BD"/>
+      </a:accent1>
+      <a:accent2>
+        <a:srgbClr val="C0504D"/>
+      </a:accent2>
+      <a:accent3>
+        <a:srgbClr val="9BBB59"/>
+      </a:accent3>
+      <a:accent4>
+        <a:srgbClr val="8064A2"/>
+      </a:accent4>
+      <a:accent5>
+        <a:srgbClr val="4BACC6"/>
+      </a:accent5>
+      <a:accent6>
+        <a:srgbClr val="F79646"/>
+      </a:accent6>
+      <a:hlink>
+        <a:srgbClr val="0000FF"/>
+      </a:hlink>
+      <a:folHlink>
+        <a:srgbClr val="800080"/>
+      </a:folHlink>
+    </a:clrScheme>
+    <a:fontScheme name="Office">
+      <a:majorFont>
+        <a:latin typeface="Calibri"/>
+        <a:ea typeface=""/>
+        <a:cs typeface=""/>
+        <a:font script="Jpan" typeface="ＭＳ Ｐゴシック"/>
+        <a:font script="Hang" typeface="맑은 고딕"/>
+        <a:font script="Hans" typeface="宋体"/>
+        <a:font script="Hant" typeface="新細明體"/>
+        <a:font script="Arab" typeface="Times New Roman"/>
+        <a:font script="Hebr" typeface="Times New Roman"/>
+        <a:font script="Thai" typeface="Angsana New"/>
+        <a:font script="Ethi" typeface="Nyala"/>
+        <a:font script="Beng" typeface="Vrinda"/>
+        <a:font script="Gujr" typeface="Shruti"/>
+        <a:font script="Khmr" typeface="MoolBoran"/>
+        <a:font script="Knda" typeface="Tunga"/>
+        <a:font script="Guru" typeface="Raavi"/>
+        <a:font script="Cans" typeface="Euphemia"/>
+        <a:font script="Cher" typeface="Plantagenet Cherokee"/>
+        <a:font script="Yiii" typeface="Microsoft Yi Baiti"/>
+        <a:font script="Tibt" typeface="Microsoft Himalaya"/>
+        <a:font script="Thaa" typeface="MV Boli"/>
+        <a:font script="Deva" typeface="Mangal"/>
+        <a:font script="Telu" typeface="Gautami"/>
+        <a:font script="Taml" typeface="Latha"/>
+        <a:font script="Syrc" typeface="Estrangelo Edessa"/>
+        <a:font script="Orya" typeface="Kalinga"/>
+        <a:font script="Mlym" typeface="Kartika"/>
+        <a:font script="Laoo" typeface="DokChampa"/>
+        <a:font script="Sinh" typeface="Iskoola Pota"/>
+        <a:font script="Mong" typeface="Mongolian Baiti"/>
+        <a:font script="Viet" typeface="Times New Roman"/>
+        <a:font script="Uigh" typeface="Microsoft Uighur"/>
+        <a:font script="Geor" typeface="Sylfaen"/>
+      </a:majorFont>
+      <a:minorFont>
+        <a:latin typeface="Calibri"/>
+        <a:ea typeface=""/>
+        <a:cs typeface=""/>
+        <a:font script="Jpan" typeface="ＭＳ Ｐゴシック"/>
+        <a:font script="Hang" typeface="맑은 고딕"/>
+        <a:font script="Hans" typeface="宋体"/>
+        <a:font script="Hant" typeface="新細明體"/>
+        <a:font script="Arab" typeface="Arial"/>
+        <a:font script="Hebr" typeface="Arial"/>
+        <a:font script="Thai" typeface="Cordia New"/>
+        <a:font script="Ethi" typeface="Nyala"/>
+        <a:font script="Beng" typeface="Vrinda"/>
+        <a:font script="Gujr" typeface="Shruti"/>
+        <a:font script="Khmr" typeface="DaunPenh"/>
+        <a:font script="Knda" typeface="Tunga"/>
+        <a:font script="Guru" typeface="Raavi"/>
+        <a:font script="Cans" typeface="Euphemia"/>
+        <a:font script="Cher" typeface="Plantagenet Cherokee"/>
+        <a:font script="Yiii" typeface="Microsoft Yi Baiti"/>
+        <a:font script="Tibt" typeface="Microsoft Himalaya"/>
+        <a:font script="Thaa" typeface="MV Boli"/>
+        <a:font script="Deva" typeface="Mangal"/>
+        <a:font script="Telu" typeface="Gautami"/>
+        <a:font script="Taml" typeface="Latha"/>
+        <a:font script="Syrc" typeface="Estrangelo Edessa"/>
+        <a:font script="Orya" typeface="Kalinga"/>
+        <a:font script="Mlym" typeface="Kartika"/>
+        <a:font script="Laoo" typeface="DokChampa"/>
+        <a:font script="Sinh" typeface="Iskoola Pota"/>
+        <a:font script="Mong" typeface="Mongolian Baiti"/>
+        <a:font script="Viet" typeface="Arial"/>
+        <a:font script="Uigh" typeface="Microsoft Uighur"/>
+        <a:font script="Geor" typeface="Sylfaen"/>
+      </a:minorFont>
+    </a:fontScheme>
+    <a:fmtScheme name="Office">
+      <a:fillStyleLst>
         <a:solidFill>
-          <a:schemeClr val="phClr">
-            <a:tint val="95000"/>
-            <a:satMod val="170000"/>
-          </a:schemeClr>
+          <a:schemeClr val="phClr"/>
         </a:solidFill>
         <a:gradFill rotWithShape="1">
           <a:gsLst>
             <a:gs pos="0">
               <a:schemeClr val="phClr">
-                <a:tint val="93000"/>
-                <a:satMod val="150000"/>
-                <a:shade val="98000"/>
-                <a:lumMod val="102000"/>
+                <a:tint val="50000"/>
+                <a:satMod val="300000"/>
               </a:schemeClr>
             </a:gs>
-            <a:gs pos="50000">
+            <a:gs pos="35000">
               <a:schemeClr val="phClr">
-                <a:tint val="98000"/>
-                <a:satMod val="130000"/>
-                <a:shade val="90000"/>
-                <a:lumMod val="103000"/>
+                <a:tint val="37000"/>
+                <a:satMod val="300000"/>
               </a:schemeClr>
             </a:gs>
             <a:gs pos="100000">
               <a:schemeClr val="phClr">
-                <a:shade val="63000"/>
-                <a:satMod val="120000"/>
+                <a:tint val="15000"/>
+                <a:satMod val="350000"/>
               </a:schemeClr>
             </a:gs>
           </a:gsLst>
-          <a:lin ang="5400000" scaled="0"/>
+          <a:lin ang="16200000" scaled="1"/>
+        </a:gradFill>
+        <a:gradFill rotWithShape="1">
+          <a:gsLst>
+            <a:gs pos="0">
+              <a:schemeClr val="phClr">
+                <a:tint val="100000"/>
+                <a:shade val="100000"/>
+                <a:satMod val="130000"/>
+              </a:schemeClr>
+            </a:gs>
+            <a:gs pos="100000">
+              <a:schemeClr val="phClr">
+                <a:tint val="50000"/>
+                <a:shade val="100000"/>
+                <a:satMod val="350000"/>
+              </a:schemeClr>
+            </a:gs>
+          </a:gsLst>
+          <a:lin ang="16200000" scaled="0"/>
+        </a:gradFill>
+      </a:fillStyleLst>
+      <a:lnStyleLst>
+        <a:ln w="9525" cap="flat" cmpd="sng" algn="ctr">
+          <a:solidFill>
+            <a:schemeClr val="phClr">
+              <a:shade val="95000"/>
+              <a:satMod val="105000"/>
+            </a:schemeClr>
+          </a:solidFill>
+          <a:prstDash val="solid"/>
+        </a:ln>
+        <a:ln w="25400" cap="flat" cmpd="sng" algn="ctr">
+          <a:solidFill>
+            <a:schemeClr val="phClr"/>
+          </a:solidFill>
+          <a:prstDash val="solid"/>
+        </a:ln>
+        <a:ln w="38100" cap="flat" cmpd="sng" algn="ctr">
+          <a:solidFill>
+            <a:schemeClr val="phClr"/>
+          </a:solidFill>
+          <a:prstDash val="solid"/>
+        </a:ln>
+      </a:lnStyleLst>
+      <a:effectStyleLst>
+        <a:effectStyle>
+          <a:effectLst>
+            <a:outerShdw blurRad="40000" dist="20000" dir="5400000" rotWithShape="0">
+              <a:srgbClr val="000000">
+                <a:alpha val="38000"/>
+              </a:srgbClr>
+            </a:outerShdw>
+          </a:effectLst>
+        </a:effectStyle>
+        <a:effectStyle>
+          <a:effectLst>
+            <a:outerShdw blurRad="40000" dist="23000" dir="5400000" rotWithShape="0">
+              <a:srgbClr val="000000">
+                <a:alpha val="35000"/>
+              </a:srgbClr>
+            </a:outerShdw>
+          </a:effectLst>
+        </a:effectStyle>
+        <a:effectStyle>
+          <a:effectLst>
+            <a:outerShdw blurRad="40000" dist="23000" dir="5400000" rotWithShape="0">
+              <a:srgbClr val="000000">
+                <a:alpha val="35000"/>
+              </a:srgbClr>
+            </a:outerShdw>
+          </a:effectLst>
+          <a:scene3d>
+            <a:camera prst="orthographicFront">
+              <a:rot lat="0" lon="0" rev="0"/>
+            </a:camera>
+            <a:lightRig rig="threePt" dir="t">
+              <a:rot lat="0" lon="0" rev="1200000"/>
+            </a:lightRig>
+          </a:scene3d>
+          <a:sp3d>
+            <a:bevelT w="63500" h="25400"/>
+          </a:sp3d>
+        </a:effectStyle>
+      </a:effectStyleLst>
+      <a:bgFillStyleLst>
+        <a:solidFill>
+          <a:schemeClr val="phClr"/>
+        </a:solidFill>
+        <a:gradFill rotWithShape="1">
+          <a:gsLst>
+            <a:gs pos="0">
+              <a:schemeClr val="phClr">
+                <a:tint val="40000"/>
+                <a:satMod val="350000"/>
+              </a:schemeClr>
+            </a:gs>
+            <a:gs pos="40000">
+              <a:schemeClr val="phClr">
+                <a:tint val="45000"/>
+                <a:shade val="99000"/>
+                <a:satMod val="350000"/>
+              </a:schemeClr>
+            </a:gs>
+            <a:gs pos="100000">
+              <a:schemeClr val="phClr">
+                <a:shade val="20000"/>
+                <a:satMod val="255000"/>
+              </a:schemeClr>
+            </a:gs>
+          </a:gsLst>
+          <a:path path="circle">
+            <a:fillToRect l="50000" t="-80000" r="50000" b="180000"/>
+          </a:path>
+        </a:gradFill>
+        <a:gradFill rotWithShape="1">
+          <a:gsLst>
+            <a:gs pos="0">
+              <a:schemeClr val="phClr">
+                <a:tint val="80000"/>
+                <a:satMod val="300000"/>
+              </a:schemeClr>
+            </a:gs>
+            <a:gs pos="100000">
+              <a:schemeClr val="phClr">
+                <a:shade val="30000"/>
+                <a:satMod val="200000"/>
+              </a:schemeClr>
+            </a:gs>
+          </a:gsLst>
+          <a:path path="circle">
+            <a:fillToRect l="50000" t="50000" r="50000" b="50000"/>
+          </a:path>
         </a:gradFill>
       </a:bgFillStyleLst>
     </a:fmtScheme>
   </a:themeElements>
-  <a:objectDefaults/>
+  <a:objectDefaults>
+    <a:spDef>
+      <a:spPr/>
+      <a:bodyPr/>
+      <a:lstStyle/>
+      <a:style>
+        <a:lnRef idx="1">
+          <a:schemeClr val="accent1"/>
+        </a:lnRef>
+        <a:fillRef idx="3">
+          <a:schemeClr val="accent1"/>
+        </a:fillRef>
+        <a:effectRef idx="2">
+          <a:schemeClr val="accent1"/>
+        </a:effectRef>
+        <a:fontRef idx="minor">
+          <a:schemeClr val="lt1"/>
+        </a:fontRef>
+      </a:style>
+    </a:spDef>
+    <a:lnDef>
+      <a:spPr/>
+      <a:bodyPr/>
+      <a:lstStyle/>
+      <a:style>
+        <a:lnRef idx="2">
+          <a:schemeClr val="accent1"/>
+        </a:lnRef>
+        <a:fillRef idx="0">
+          <a:schemeClr val="accent1"/>
+        </a:fillRef>
+        <a:effectRef idx="1">
+          <a:schemeClr val="accent1"/>
+        </a:effectRef>
+        <a:fontRef idx="minor">
+          <a:schemeClr val="tx1"/>
+        </a:fontRef>
+      </a:style>
+    </a:lnDef>
+  </a:objectDefaults>
   <a:extraClrSchemeLst/>
-  <a:extLst>
-    <a:ext uri="{05A4C25C-085E-4340-85A3-A5531E510DB2}">
-      <thm15:themeFamily xmlns:thm15="http://schemas.microsoft.com/office/thememl/2012/main" name="Office Theme" id="{62F939B6-93AF-4DB8-9C6B-D6C7DFDC589F}" vid="{4A3C46E8-61CC-4603-A589-7422A47A8E4A}"/>
-    </a:ext>
-  </a:extLst>
 </a:theme>
 </file>
--- a/doc/CS1_Task1/Presentation_CS1_Task1.pptx
+++ b/doc/CS1_Task1/Presentation_CS1_Task1.pptx
@@ -5,15 +5,20 @@
     <p:sldMasterId id="2147483648" r:id="rId1"/>
   </p:sldMasterIdLst>
   <p:notesMasterIdLst>
-    <p:notesMasterId r:id="rId5"/>
+    <p:notesMasterId r:id="rId10"/>
   </p:notesMasterIdLst>
   <p:handoutMasterIdLst>
-    <p:handoutMasterId r:id="rId6"/>
+    <p:handoutMasterId r:id="rId11"/>
   </p:handoutMasterIdLst>
   <p:sldIdLst>
     <p:sldId id="256" r:id="rId2"/>
     <p:sldId id="257" r:id="rId3"/>
     <p:sldId id="258" r:id="rId4"/>
+    <p:sldId id="259" r:id="rId5"/>
+    <p:sldId id="260" r:id="rId6"/>
+    <p:sldId id="261" r:id="rId7"/>
+    <p:sldId id="262" r:id="rId8"/>
+    <p:sldId id="263" r:id="rId9"/>
   </p:sldIdLst>
   <p:sldSz cx="9144000" cy="6858000" type="screen4x3"/>
   <p:notesSz cx="6858000" cy="9144000"/>
@@ -197,7 +202,7 @@
           <a:p>
             <a:fld id="{47E3F55A-9F19-D94E-8909-A60208097873}" type="datetimeFigureOut">
               <a:rPr lang="de-DE" smtClean="0"/>
-              <a:t>27.09.15</a:t>
+              <a:t>28.09.15</a:t>
             </a:fld>
             <a:endParaRPr lang="de-DE"/>
           </a:p>
@@ -363,7 +368,7 @@
           <a:p>
             <a:fld id="{E59730A7-D9EA-EF44-A46E-923AED385B8A}" type="datetimeFigureOut">
               <a:rPr lang="de-DE" smtClean="0"/>
-              <a:t>27.09.15</a:t>
+              <a:t>28.09.15</a:t>
             </a:fld>
             <a:endParaRPr lang="de-DE"/>
           </a:p>
@@ -811,9 +816,9 @@
           <a:bodyPr/>
           <a:lstStyle/>
           <a:p>
-            <a:fld id="{CBD29935-9B7C-6940-92B6-E6B38ABF7A33}" type="datetime1">
-              <a:rPr lang="de-CH" smtClean="0"/>
-              <a:t>27.09.15</a:t>
+            <a:fld id="{95C4FCB7-8086-0941-96A2-30D308001608}" type="datetime1">
+              <a:rPr lang="de-CH" smtClean="0"/>
+              <a:t>28.09.15</a:t>
             </a:fld>
             <a:endParaRPr lang="de-DE"/>
           </a:p>
@@ -834,6 +839,10 @@
           <a:bodyPr/>
           <a:lstStyle/>
           <a:p>
+            <a:r>
+              <a:rPr lang="de-DE" smtClean="0"/>
+              <a:t>BFH –TI / Software Engineering &amp; Design </a:t>
+            </a:r>
             <a:endParaRPr lang="de-DE"/>
           </a:p>
         </p:txBody>
@@ -981,9 +990,9 @@
           <a:bodyPr/>
           <a:lstStyle/>
           <a:p>
-            <a:fld id="{81F46EDF-B096-2C41-8722-708F4344B1F0}" type="datetime1">
-              <a:rPr lang="de-CH" smtClean="0"/>
-              <a:t>27.09.15</a:t>
+            <a:fld id="{5B287D0B-37C2-3E43-A3F1-F6005A0EAB6D}" type="datetime1">
+              <a:rPr lang="de-CH" smtClean="0"/>
+              <a:t>28.09.15</a:t>
             </a:fld>
             <a:endParaRPr lang="de-DE"/>
           </a:p>
@@ -1004,6 +1013,10 @@
           <a:bodyPr/>
           <a:lstStyle/>
           <a:p>
+            <a:r>
+              <a:rPr lang="de-DE" smtClean="0"/>
+              <a:t>BFH –TI / Software Engineering &amp; Design </a:t>
+            </a:r>
             <a:endParaRPr lang="de-DE"/>
           </a:p>
         </p:txBody>
@@ -1161,9 +1174,9 @@
           <a:bodyPr/>
           <a:lstStyle/>
           <a:p>
-            <a:fld id="{D8180C87-BF35-8F46-BF91-F650A587160F}" type="datetime1">
-              <a:rPr lang="de-CH" smtClean="0"/>
-              <a:t>27.09.15</a:t>
+            <a:fld id="{6BFDA296-BCDA-214C-99E4-D9FD0B71FCE8}" type="datetime1">
+              <a:rPr lang="de-CH" smtClean="0"/>
+              <a:t>28.09.15</a:t>
             </a:fld>
             <a:endParaRPr lang="de-DE"/>
           </a:p>
@@ -1184,6 +1197,10 @@
           <a:bodyPr/>
           <a:lstStyle/>
           <a:p>
+            <a:r>
+              <a:rPr lang="de-DE" smtClean="0"/>
+              <a:t>BFH –TI / Software Engineering &amp; Design </a:t>
+            </a:r>
             <a:endParaRPr lang="de-DE"/>
           </a:p>
         </p:txBody>
@@ -1331,9 +1348,9 @@
           <a:bodyPr/>
           <a:lstStyle/>
           <a:p>
-            <a:fld id="{570992C3-92D7-8F40-A711-6CFB7B759DEC}" type="datetime1">
-              <a:rPr lang="de-CH" smtClean="0"/>
-              <a:t>27.09.15</a:t>
+            <a:fld id="{98B4B976-0272-8E4F-89CC-5AF7636C25E0}" type="datetime1">
+              <a:rPr lang="de-CH" smtClean="0"/>
+              <a:t>28.09.15</a:t>
             </a:fld>
             <a:endParaRPr lang="de-DE"/>
           </a:p>
@@ -1354,6 +1371,10 @@
           <a:bodyPr/>
           <a:lstStyle/>
           <a:p>
+            <a:r>
+              <a:rPr lang="de-DE" smtClean="0"/>
+              <a:t>BFH –TI / Software Engineering &amp; Design </a:t>
+            </a:r>
             <a:endParaRPr lang="de-DE" dirty="0"/>
           </a:p>
         </p:txBody>
@@ -1577,9 +1598,9 @@
           <a:bodyPr/>
           <a:lstStyle/>
           <a:p>
-            <a:fld id="{3AAEB2DB-9F07-AB4D-8BA5-B0B446B2F859}" type="datetime1">
-              <a:rPr lang="de-CH" smtClean="0"/>
-              <a:t>27.09.15</a:t>
+            <a:fld id="{5F617AB0-0A8E-4D4C-99F1-376B56445E0A}" type="datetime1">
+              <a:rPr lang="de-CH" smtClean="0"/>
+              <a:t>28.09.15</a:t>
             </a:fld>
             <a:endParaRPr lang="de-DE"/>
           </a:p>
@@ -1600,6 +1621,10 @@
           <a:bodyPr/>
           <a:lstStyle/>
           <a:p>
+            <a:r>
+              <a:rPr lang="de-DE" smtClean="0"/>
+              <a:t>BFH –TI / Software Engineering &amp; Design </a:t>
+            </a:r>
             <a:endParaRPr lang="de-DE"/>
           </a:p>
         </p:txBody>
@@ -1865,9 +1890,9 @@
           <a:bodyPr/>
           <a:lstStyle/>
           <a:p>
-            <a:fld id="{3B4E433F-F86A-0246-A08D-B76F53539323}" type="datetime1">
-              <a:rPr lang="de-CH" smtClean="0"/>
-              <a:t>27.09.15</a:t>
+            <a:fld id="{678AE65F-6448-2C4D-AADB-CF812DBC67CC}" type="datetime1">
+              <a:rPr lang="de-CH" smtClean="0"/>
+              <a:t>28.09.15</a:t>
             </a:fld>
             <a:endParaRPr lang="de-DE"/>
           </a:p>
@@ -1888,6 +1913,10 @@
           <a:bodyPr/>
           <a:lstStyle/>
           <a:p>
+            <a:r>
+              <a:rPr lang="de-DE" smtClean="0"/>
+              <a:t>BFH –TI / Software Engineering &amp; Design </a:t>
+            </a:r>
             <a:endParaRPr lang="de-DE"/>
           </a:p>
         </p:txBody>
@@ -2287,9 +2316,9 @@
           <a:bodyPr/>
           <a:lstStyle/>
           <a:p>
-            <a:fld id="{883190B9-A810-2B44-8BEB-7B44C93B3B56}" type="datetime1">
-              <a:rPr lang="de-CH" smtClean="0"/>
-              <a:t>27.09.15</a:t>
+            <a:fld id="{8A08EC50-98A1-EA45-B2BF-35EAED620E72}" type="datetime1">
+              <a:rPr lang="de-CH" smtClean="0"/>
+              <a:t>28.09.15</a:t>
             </a:fld>
             <a:endParaRPr lang="de-DE"/>
           </a:p>
@@ -2310,6 +2339,10 @@
           <a:bodyPr/>
           <a:lstStyle/>
           <a:p>
+            <a:r>
+              <a:rPr lang="de-DE" smtClean="0"/>
+              <a:t>BFH –TI / Software Engineering &amp; Design </a:t>
+            </a:r>
             <a:endParaRPr lang="de-DE"/>
           </a:p>
         </p:txBody>
@@ -2405,9 +2438,9 @@
           <a:bodyPr/>
           <a:lstStyle/>
           <a:p>
-            <a:fld id="{9FF8598B-26E9-DD43-9037-17DEB559E0C3}" type="datetime1">
-              <a:rPr lang="de-CH" smtClean="0"/>
-              <a:t>27.09.15</a:t>
+            <a:fld id="{12E0EAD6-3843-E841-8CE3-564E9F9F15B1}" type="datetime1">
+              <a:rPr lang="de-CH" smtClean="0"/>
+              <a:t>28.09.15</a:t>
             </a:fld>
             <a:endParaRPr lang="de-DE"/>
           </a:p>
@@ -2428,6 +2461,10 @@
           <a:bodyPr/>
           <a:lstStyle/>
           <a:p>
+            <a:r>
+              <a:rPr lang="de-DE" smtClean="0"/>
+              <a:t>BFH –TI / Software Engineering &amp; Design </a:t>
+            </a:r>
             <a:endParaRPr lang="de-DE"/>
           </a:p>
         </p:txBody>
@@ -2500,9 +2537,9 @@
           <a:bodyPr/>
           <a:lstStyle/>
           <a:p>
-            <a:fld id="{6617D5AA-B409-0C48-AC5E-C4A4104C6A7D}" type="datetime1">
-              <a:rPr lang="de-CH" smtClean="0"/>
-              <a:t>27.09.15</a:t>
+            <a:fld id="{39EF391C-AADB-EE45-BD88-1AD41BEF4532}" type="datetime1">
+              <a:rPr lang="de-CH" smtClean="0"/>
+              <a:t>28.09.15</a:t>
             </a:fld>
             <a:endParaRPr lang="de-DE"/>
           </a:p>
@@ -2523,6 +2560,10 @@
           <a:bodyPr/>
           <a:lstStyle/>
           <a:p>
+            <a:r>
+              <a:rPr lang="de-DE" smtClean="0"/>
+              <a:t>BFH –TI / Software Engineering &amp; Design </a:t>
+            </a:r>
             <a:endParaRPr lang="de-DE"/>
           </a:p>
         </p:txBody>
@@ -2777,9 +2818,9 @@
           <a:bodyPr/>
           <a:lstStyle/>
           <a:p>
-            <a:fld id="{4AEDE751-1D7B-724A-ACBB-6458F9EB4D57}" type="datetime1">
-              <a:rPr lang="de-CH" smtClean="0"/>
-              <a:t>27.09.15</a:t>
+            <a:fld id="{24BED78C-E75F-2A43-AAD0-0AE3477CD1D4}" type="datetime1">
+              <a:rPr lang="de-CH" smtClean="0"/>
+              <a:t>28.09.15</a:t>
             </a:fld>
             <a:endParaRPr lang="de-DE"/>
           </a:p>
@@ -2800,6 +2841,10 @@
           <a:bodyPr/>
           <a:lstStyle/>
           <a:p>
+            <a:r>
+              <a:rPr lang="de-DE" smtClean="0"/>
+              <a:t>BFH –TI / Software Engineering &amp; Design </a:t>
+            </a:r>
             <a:endParaRPr lang="de-DE"/>
           </a:p>
         </p:txBody>
@@ -3030,9 +3075,9 @@
           <a:bodyPr/>
           <a:lstStyle/>
           <a:p>
-            <a:fld id="{A2C2E3AF-746D-4F48-8A2F-BFF61E47F67A}" type="datetime1">
-              <a:rPr lang="de-CH" smtClean="0"/>
-              <a:t>27.09.15</a:t>
+            <a:fld id="{46E39517-2ABC-BA48-A3B5-8E20F24C471C}" type="datetime1">
+              <a:rPr lang="de-CH" smtClean="0"/>
+              <a:t>28.09.15</a:t>
             </a:fld>
             <a:endParaRPr lang="de-DE"/>
           </a:p>
@@ -3053,6 +3098,10 @@
           <a:bodyPr/>
           <a:lstStyle/>
           <a:p>
+            <a:r>
+              <a:rPr lang="de-DE" smtClean="0"/>
+              <a:t>BFH –TI / Software Engineering &amp; Design </a:t>
+            </a:r>
             <a:endParaRPr lang="de-DE"/>
           </a:p>
         </p:txBody>
@@ -3258,9 +3307,9 @@
             </a:lvl1pPr>
           </a:lstStyle>
           <a:p>
-            <a:fld id="{0D3EF838-2C0D-CF4F-8E14-D8681A7181B8}" type="datetime1">
-              <a:rPr lang="de-CH" smtClean="0"/>
-              <a:t>27.09.15</a:t>
+            <a:fld id="{00044A0C-E4F7-AF4B-A810-53966637CB69}" type="datetime1">
+              <a:rPr lang="de-CH" smtClean="0"/>
+              <a:t>28.09.15</a:t>
             </a:fld>
             <a:endParaRPr lang="de-DE" dirty="0"/>
           </a:p>
@@ -3278,8 +3327,8 @@
         </p:nvSpPr>
         <p:spPr>
           <a:xfrm>
-            <a:off x="3124200" y="6356350"/>
-            <a:ext cx="2895600" cy="365125"/>
+            <a:off x="3124199" y="6356350"/>
+            <a:ext cx="3256612" cy="365125"/>
           </a:xfrm>
           <a:prstGeom prst="rect">
             <a:avLst/>
@@ -3297,6 +3346,10 @@
             </a:lvl1pPr>
           </a:lstStyle>
           <a:p>
+            <a:r>
+              <a:rPr lang="de-DE" dirty="0" smtClean="0"/>
+              <a:t>BFH –TI / Software Engineering &amp; Design </a:t>
+            </a:r>
             <a:endParaRPr lang="de-DE" dirty="0"/>
           </a:p>
         </p:txBody>
@@ -3771,7 +3824,7 @@
           <a:p>
             <a:r>
               <a:rPr lang="de-DE" dirty="0" smtClean="0"/>
-              <a:t>Anspruchsgruppen</a:t>
+              <a:t>Zielbenutzer	</a:t>
             </a:r>
             <a:endParaRPr lang="de-DE" dirty="0"/>
           </a:p>
@@ -3789,9 +3842,86 @@
         </p:nvSpPr>
         <p:spPr/>
         <p:txBody>
-          <a:bodyPr/>
-          <a:lstStyle/>
-          <a:p>
+          <a:bodyPr>
+            <a:normAutofit fontScale="92500" lnSpcReduction="10000"/>
+          </a:bodyPr>
+          <a:lstStyle/>
+          <a:p>
+            <a:r>
+              <a:rPr lang="de-DE" dirty="0" smtClean="0"/>
+              <a:t>Medizinisches Personal</a:t>
+            </a:r>
+          </a:p>
+          <a:p>
+            <a:pPr lvl="1"/>
+            <a:r>
+              <a:rPr lang="de-DE" dirty="0"/>
+              <a:t>Doktor</a:t>
+            </a:r>
+          </a:p>
+          <a:p>
+            <a:pPr lvl="1"/>
+            <a:r>
+              <a:rPr lang="de-DE" dirty="0"/>
+              <a:t>MPA</a:t>
+            </a:r>
+          </a:p>
+          <a:p>
+            <a:pPr lvl="1"/>
+            <a:r>
+              <a:rPr lang="de-DE" dirty="0"/>
+              <a:t>Gesundheitsbeauftragter</a:t>
+            </a:r>
+          </a:p>
+          <a:p>
+            <a:pPr lvl="1"/>
+            <a:r>
+              <a:rPr lang="de-DE" dirty="0"/>
+              <a:t>Medizinischer </a:t>
+            </a:r>
+            <a:r>
+              <a:rPr lang="de-DE" dirty="0" err="1" smtClean="0"/>
+              <a:t>Kodierer</a:t>
+            </a:r>
+            <a:endParaRPr lang="de-DE" dirty="0" smtClean="0"/>
+          </a:p>
+          <a:p>
+            <a:pPr marL="457200" lvl="1" indent="0">
+              <a:buNone/>
+            </a:pPr>
+            <a:endParaRPr lang="de-DE" dirty="0" smtClean="0"/>
+          </a:p>
+          <a:p>
+            <a:r>
+              <a:rPr lang="de-DE" dirty="0" smtClean="0"/>
+              <a:t>Administratives Personal</a:t>
+            </a:r>
+          </a:p>
+          <a:p>
+            <a:pPr lvl="1"/>
+            <a:r>
+              <a:rPr lang="de-DE" dirty="0" smtClean="0"/>
+              <a:t>Empfang</a:t>
+            </a:r>
+          </a:p>
+          <a:p>
+            <a:pPr lvl="1"/>
+            <a:r>
+              <a:rPr lang="de-DE" dirty="0" smtClean="0"/>
+              <a:t>Statistiker</a:t>
+            </a:r>
+          </a:p>
+          <a:p>
+            <a:pPr lvl="1"/>
+            <a:r>
+              <a:rPr lang="de-DE" dirty="0" smtClean="0"/>
+              <a:t>Management</a:t>
+            </a:r>
+          </a:p>
+          <a:p>
+            <a:pPr marL="457200" lvl="1" indent="0">
+              <a:buNone/>
+            </a:pPr>
             <a:endParaRPr lang="de-DE" dirty="0"/>
           </a:p>
         </p:txBody>
@@ -3837,9 +3967,9 @@
           <a:bodyPr/>
           <a:lstStyle/>
           <a:p>
-            <a:fld id="{4FE6A02D-F97E-3C4A-BBF0-7A59894D8CF5}" type="datetime1">
-              <a:rPr lang="de-CH" smtClean="0"/>
-              <a:t>27.09.15</a:t>
+            <a:fld id="{500585FD-177F-8B4E-B35F-91A577357194}" type="datetime1">
+              <a:rPr lang="de-CH" smtClean="0"/>
+              <a:t>28.09.15</a:t>
             </a:fld>
             <a:endParaRPr lang="de-DE"/>
           </a:p>
@@ -3860,6 +3990,10 @@
           <a:bodyPr/>
           <a:lstStyle/>
           <a:p>
+            <a:r>
+              <a:rPr lang="de-DE" smtClean="0"/>
+              <a:t>BFH –TI / Software Engineering &amp; Design </a:t>
+            </a:r>
             <a:endParaRPr lang="de-DE" dirty="0"/>
           </a:p>
         </p:txBody>
@@ -3936,92 +4070,109 @@
         </p:nvSpPr>
         <p:spPr/>
         <p:txBody>
-          <a:bodyPr/>
-          <a:lstStyle/>
-          <a:p>
-            <a:endParaRPr lang="de-DE"/>
-          </a:p>
-        </p:txBody>
-      </p:sp>
-      <p:sp>
-        <p:nvSpPr>
-          <p:cNvPr id="3" name="Textplatzhalter 2"/>
-          <p:cNvSpPr>
-            <a:spLocks noGrp="1"/>
-          </p:cNvSpPr>
-          <p:nvPr>
-            <p:ph type="body" idx="1"/>
-          </p:nvPr>
-        </p:nvSpPr>
-        <p:spPr/>
-        <p:txBody>
-          <a:bodyPr/>
-          <a:lstStyle/>
-          <a:p>
-            <a:endParaRPr lang="de-DE"/>
-          </a:p>
-        </p:txBody>
-      </p:sp>
-      <p:sp>
-        <p:nvSpPr>
-          <p:cNvPr id="4" name="Inhaltsplatzhalter 3"/>
-          <p:cNvSpPr>
-            <a:spLocks noGrp="1"/>
-          </p:cNvSpPr>
-          <p:nvPr>
-            <p:ph sz="half" idx="2"/>
-          </p:nvPr>
-        </p:nvSpPr>
-        <p:spPr/>
-        <p:txBody>
-          <a:bodyPr/>
-          <a:lstStyle/>
-          <a:p>
-            <a:endParaRPr lang="de-DE"/>
-          </a:p>
-        </p:txBody>
-      </p:sp>
-      <p:sp>
-        <p:nvSpPr>
-          <p:cNvPr id="5" name="Textplatzhalter 4"/>
-          <p:cNvSpPr>
-            <a:spLocks noGrp="1"/>
-          </p:cNvSpPr>
-          <p:nvPr>
-            <p:ph type="body" sz="quarter" idx="3"/>
-          </p:nvPr>
-        </p:nvSpPr>
-        <p:spPr/>
-        <p:txBody>
-          <a:bodyPr/>
-          <a:lstStyle/>
-          <a:p>
-            <a:endParaRPr lang="de-DE"/>
-          </a:p>
-        </p:txBody>
-      </p:sp>
-      <p:sp>
-        <p:nvSpPr>
-          <p:cNvPr id="6" name="Inhaltsplatzhalter 5"/>
-          <p:cNvSpPr>
-            <a:spLocks noGrp="1"/>
-          </p:cNvSpPr>
-          <p:nvPr>
-            <p:ph sz="quarter" idx="4"/>
-          </p:nvPr>
-        </p:nvSpPr>
-        <p:spPr/>
-        <p:txBody>
-          <a:bodyPr/>
-          <a:lstStyle/>
-          <a:p>
-            <a:endParaRPr lang="de-DE"/>
-          </a:p>
-        </p:txBody>
-      </p:sp>
-      <p:sp>
-        <p:nvSpPr>
-          <p:cNvPr id="7" name="Datumsplatzhalter 6"/>
+          <a:bodyPr>
+            <a:normAutofit fontScale="90000"/>
+          </a:bodyPr>
+          <a:lstStyle/>
+          <a:p>
+            <a:r>
+              <a:rPr lang="de-DE" dirty="0" smtClean="0"/>
+              <a:t>Schlüsselfunktionen aus Benutzersicht</a:t>
+            </a:r>
+            <a:endParaRPr lang="de-DE" dirty="0"/>
+          </a:p>
+        </p:txBody>
+      </p:sp>
+      <p:sp>
+        <p:nvSpPr>
+          <p:cNvPr id="3" name="Inhaltsplatzhalter 2"/>
+          <p:cNvSpPr>
+            <a:spLocks noGrp="1"/>
+          </p:cNvSpPr>
+          <p:nvPr>
+            <p:ph idx="1"/>
+          </p:nvPr>
+        </p:nvSpPr>
+        <p:spPr/>
+        <p:txBody>
+          <a:bodyPr>
+            <a:normAutofit fontScale="85000" lnSpcReduction="20000"/>
+          </a:bodyPr>
+          <a:lstStyle/>
+          <a:p>
+            <a:endParaRPr lang="de-DE" dirty="0" smtClean="0"/>
+          </a:p>
+          <a:p>
+            <a:r>
+              <a:rPr lang="de-DE" dirty="0" smtClean="0"/>
+              <a:t>Patientenmanagement</a:t>
+            </a:r>
+          </a:p>
+          <a:p>
+            <a:pPr lvl="1"/>
+            <a:r>
+              <a:rPr lang="de-DE" dirty="0" smtClean="0"/>
+              <a:t>Daten</a:t>
+            </a:r>
+          </a:p>
+          <a:p>
+            <a:pPr lvl="1"/>
+            <a:r>
+              <a:rPr lang="de-DE" dirty="0" smtClean="0"/>
+              <a:t>Termine</a:t>
+            </a:r>
+          </a:p>
+          <a:p>
+            <a:pPr marL="457200" lvl="1" indent="0">
+              <a:buNone/>
+            </a:pPr>
+            <a:endParaRPr lang="de-DE" dirty="0" smtClean="0"/>
+          </a:p>
+          <a:p>
+            <a:r>
+              <a:rPr lang="de-DE" dirty="0" smtClean="0"/>
+              <a:t>Patientenüberwachung</a:t>
+            </a:r>
+          </a:p>
+          <a:p>
+            <a:pPr lvl="1"/>
+            <a:r>
+              <a:rPr lang="de-DE" dirty="0" smtClean="0"/>
+              <a:t>Termineinhaltung</a:t>
+            </a:r>
+          </a:p>
+          <a:p>
+            <a:pPr lvl="1"/>
+            <a:r>
+              <a:rPr lang="de-DE" dirty="0" smtClean="0"/>
+              <a:t>Gefahr</a:t>
+            </a:r>
+          </a:p>
+          <a:p>
+            <a:pPr marL="457200" lvl="1" indent="0">
+              <a:buNone/>
+            </a:pPr>
+            <a:endParaRPr lang="de-DE" dirty="0" smtClean="0"/>
+          </a:p>
+          <a:p>
+            <a:r>
+              <a:rPr lang="de-DE" dirty="0" smtClean="0"/>
+              <a:t>Managementbericht</a:t>
+            </a:r>
+          </a:p>
+          <a:p>
+            <a:pPr lvl="1"/>
+            <a:r>
+              <a:rPr lang="de-DE" dirty="0" smtClean="0"/>
+              <a:t>Aktuelle Situation</a:t>
+            </a:r>
+            <a:endParaRPr lang="de-DE" dirty="0"/>
+          </a:p>
+        </p:txBody>
+      </p:sp>
+      <p:sp>
+        <p:nvSpPr>
+          <p:cNvPr id="4" name="Datumsplatzhalter 3"/>
           <p:cNvSpPr>
             <a:spLocks noGrp="1"/>
           </p:cNvSpPr>
@@ -4034,9 +4185,9 @@
           <a:bodyPr/>
           <a:lstStyle/>
           <a:p>
-            <a:fld id="{883190B9-A810-2B44-8BEB-7B44C93B3B56}" type="datetime1">
-              <a:rPr lang="de-CH" smtClean="0"/>
-              <a:t>27.09.15</a:t>
+            <a:fld id="{3C674DDC-A31B-7E43-8845-AC6E653B8F36}" type="datetime1">
+              <a:rPr lang="de-CH" smtClean="0"/>
+              <a:t>28.09.15</a:t>
             </a:fld>
             <a:endParaRPr lang="de-DE"/>
           </a:p>
@@ -4044,7 +4195,7 @@
       </p:sp>
       <p:sp>
         <p:nvSpPr>
-          <p:cNvPr id="8" name="Fußzeilenplatzhalter 7"/>
+          <p:cNvPr id="5" name="Fußzeilenplatzhalter 4"/>
           <p:cNvSpPr>
             <a:spLocks noGrp="1"/>
           </p:cNvSpPr>
@@ -4057,13 +4208,17 @@
           <a:bodyPr/>
           <a:lstStyle/>
           <a:p>
-            <a:endParaRPr lang="de-DE"/>
-          </a:p>
-        </p:txBody>
-      </p:sp>
-      <p:sp>
-        <p:nvSpPr>
-          <p:cNvPr id="9" name="Foliennummernplatzhalter 8"/>
+            <a:r>
+              <a:rPr lang="de-DE" smtClean="0"/>
+              <a:t>BFH –TI / Software Engineering &amp; Design </a:t>
+            </a:r>
+            <a:endParaRPr lang="de-DE" dirty="0"/>
+          </a:p>
+        </p:txBody>
+      </p:sp>
+      <p:sp>
+        <p:nvSpPr>
+          <p:cNvPr id="6" name="Foliennummernplatzhalter 5"/>
           <p:cNvSpPr>
             <a:spLocks noGrp="1"/>
           </p:cNvSpPr>
@@ -4087,7 +4242,933 @@
     </p:spTree>
     <p:extLst>
       <p:ext uri="{BB962C8B-B14F-4D97-AF65-F5344CB8AC3E}">
-        <p14:creationId xmlns:p14="http://schemas.microsoft.com/office/powerpoint/2010/main" val="2714102238"/>
+        <p14:creationId xmlns:p14="http://schemas.microsoft.com/office/powerpoint/2010/main" val="1436751822"/>
+      </p:ext>
+    </p:extLst>
+  </p:cSld>
+  <p:clrMapOvr>
+    <a:masterClrMapping/>
+  </p:clrMapOvr>
+</p:sld>
+</file>
+
+<file path=ppt/slides/slide4.xml><?xml version="1.0" encoding="utf-8"?>
+<p:sld xmlns:a="http://schemas.openxmlformats.org/drawingml/2006/main" xmlns:r="http://schemas.openxmlformats.org/officeDocument/2006/relationships" xmlns:p="http://schemas.openxmlformats.org/presentationml/2006/main">
+  <p:cSld>
+    <p:spTree>
+      <p:nvGrpSpPr>
+        <p:cNvPr id="1" name=""/>
+        <p:cNvGrpSpPr/>
+        <p:nvPr/>
+      </p:nvGrpSpPr>
+      <p:grpSpPr>
+        <a:xfrm>
+          <a:off x="0" y="0"/>
+          <a:ext cx="0" cy="0"/>
+          <a:chOff x="0" y="0"/>
+          <a:chExt cx="0" cy="0"/>
+        </a:xfrm>
+      </p:grpSpPr>
+      <p:sp>
+        <p:nvSpPr>
+          <p:cNvPr id="2" name="Titel 1"/>
+          <p:cNvSpPr>
+            <a:spLocks noGrp="1"/>
+          </p:cNvSpPr>
+          <p:nvPr>
+            <p:ph type="title"/>
+          </p:nvPr>
+        </p:nvSpPr>
+        <p:spPr/>
+        <p:txBody>
+          <a:bodyPr/>
+          <a:lstStyle/>
+          <a:p>
+            <a:r>
+              <a:rPr lang="de-DE" dirty="0" smtClean="0"/>
+              <a:t>Kritische Erfolgsfaktoren</a:t>
+            </a:r>
+            <a:endParaRPr lang="de-DE" dirty="0"/>
+          </a:p>
+        </p:txBody>
+      </p:sp>
+      <p:sp>
+        <p:nvSpPr>
+          <p:cNvPr id="3" name="Inhaltsplatzhalter 2"/>
+          <p:cNvSpPr>
+            <a:spLocks noGrp="1"/>
+          </p:cNvSpPr>
+          <p:nvPr>
+            <p:ph idx="1"/>
+          </p:nvPr>
+        </p:nvSpPr>
+        <p:spPr/>
+        <p:txBody>
+          <a:bodyPr>
+            <a:normAutofit fontScale="92500" lnSpcReduction="20000"/>
+          </a:bodyPr>
+          <a:lstStyle/>
+          <a:p>
+            <a:r>
+              <a:rPr lang="de-DE" dirty="0" smtClean="0"/>
+              <a:t>Patientenadministration</a:t>
+            </a:r>
+          </a:p>
+          <a:p>
+            <a:pPr lvl="1"/>
+            <a:r>
+              <a:rPr lang="de-DE" dirty="0"/>
+              <a:t>Grundfunktionen </a:t>
+            </a:r>
+          </a:p>
+          <a:p>
+            <a:pPr lvl="1"/>
+            <a:r>
+              <a:rPr lang="de-DE" dirty="0"/>
+              <a:t>Neue </a:t>
+            </a:r>
+            <a:r>
+              <a:rPr lang="de-DE" dirty="0" smtClean="0"/>
+              <a:t>Termine</a:t>
+            </a:r>
+          </a:p>
+          <a:p>
+            <a:pPr marL="457200" lvl="1" indent="0">
+              <a:buNone/>
+            </a:pPr>
+            <a:endParaRPr lang="de-DE" dirty="0" smtClean="0"/>
+          </a:p>
+          <a:p>
+            <a:r>
+              <a:rPr lang="de-DE" dirty="0" smtClean="0"/>
+              <a:t>Patientenüberwachung</a:t>
+            </a:r>
+          </a:p>
+          <a:p>
+            <a:pPr lvl="1"/>
+            <a:r>
+              <a:rPr lang="de-DE" dirty="0" smtClean="0"/>
+              <a:t>Gefahrenstatus</a:t>
+            </a:r>
+          </a:p>
+          <a:p>
+            <a:pPr lvl="1"/>
+            <a:r>
+              <a:rPr lang="de-DE" dirty="0" smtClean="0"/>
+              <a:t>Adhärenz</a:t>
+            </a:r>
+          </a:p>
+          <a:p>
+            <a:pPr marL="457200" lvl="1" indent="0">
+              <a:buNone/>
+            </a:pPr>
+            <a:endParaRPr lang="de-DE" dirty="0" smtClean="0"/>
+          </a:p>
+          <a:p>
+            <a:r>
+              <a:rPr lang="de-DE" dirty="0" smtClean="0"/>
+              <a:t>Benutzerfreundliches GUI</a:t>
+            </a:r>
+          </a:p>
+          <a:p>
+            <a:pPr lvl="1"/>
+            <a:r>
+              <a:rPr lang="de-DE" dirty="0" smtClean="0"/>
+              <a:t>Zeiteffizienz</a:t>
+            </a:r>
+          </a:p>
+          <a:p>
+            <a:pPr lvl="1"/>
+            <a:endParaRPr lang="de-DE" dirty="0" smtClean="0"/>
+          </a:p>
+          <a:p>
+            <a:pPr marL="457200" lvl="1" indent="0">
+              <a:buNone/>
+            </a:pPr>
+            <a:endParaRPr lang="de-DE" dirty="0"/>
+          </a:p>
+        </p:txBody>
+      </p:sp>
+      <p:sp>
+        <p:nvSpPr>
+          <p:cNvPr id="4" name="Datumsplatzhalter 3"/>
+          <p:cNvSpPr>
+            <a:spLocks noGrp="1"/>
+          </p:cNvSpPr>
+          <p:nvPr>
+            <p:ph type="dt" sz="half" idx="10"/>
+          </p:nvPr>
+        </p:nvSpPr>
+        <p:spPr/>
+        <p:txBody>
+          <a:bodyPr/>
+          <a:lstStyle/>
+          <a:p>
+            <a:fld id="{A30EDCA9-DC40-D44A-8E56-56A45D92CE90}" type="datetime1">
+              <a:rPr lang="de-CH" smtClean="0"/>
+              <a:t>28.09.15</a:t>
+            </a:fld>
+            <a:endParaRPr lang="de-DE"/>
+          </a:p>
+        </p:txBody>
+      </p:sp>
+      <p:sp>
+        <p:nvSpPr>
+          <p:cNvPr id="5" name="Fußzeilenplatzhalter 4"/>
+          <p:cNvSpPr>
+            <a:spLocks noGrp="1"/>
+          </p:cNvSpPr>
+          <p:nvPr>
+            <p:ph type="ftr" sz="quarter" idx="11"/>
+          </p:nvPr>
+        </p:nvSpPr>
+        <p:spPr/>
+        <p:txBody>
+          <a:bodyPr/>
+          <a:lstStyle/>
+          <a:p>
+            <a:r>
+              <a:rPr lang="de-DE" smtClean="0"/>
+              <a:t>BFH –TI / Software Engineering &amp; Design </a:t>
+            </a:r>
+            <a:endParaRPr lang="de-DE" dirty="0"/>
+          </a:p>
+        </p:txBody>
+      </p:sp>
+      <p:sp>
+        <p:nvSpPr>
+          <p:cNvPr id="6" name="Foliennummernplatzhalter 5"/>
+          <p:cNvSpPr>
+            <a:spLocks noGrp="1"/>
+          </p:cNvSpPr>
+          <p:nvPr>
+            <p:ph type="sldNum" sz="quarter" idx="12"/>
+          </p:nvPr>
+        </p:nvSpPr>
+        <p:spPr/>
+        <p:txBody>
+          <a:bodyPr/>
+          <a:lstStyle/>
+          <a:p>
+            <a:fld id="{6BB33ECD-5191-EC4A-BC48-DDE302A05FCA}" type="slidenum">
+              <a:rPr lang="de-DE" smtClean="0"/>
+              <a:t>4</a:t>
+            </a:fld>
+            <a:endParaRPr lang="de-DE"/>
+          </a:p>
+        </p:txBody>
+      </p:sp>
+    </p:spTree>
+    <p:extLst>
+      <p:ext uri="{BB962C8B-B14F-4D97-AF65-F5344CB8AC3E}">
+        <p14:creationId xmlns:p14="http://schemas.microsoft.com/office/powerpoint/2010/main" val="666749121"/>
+      </p:ext>
+    </p:extLst>
+  </p:cSld>
+  <p:clrMapOvr>
+    <a:masterClrMapping/>
+  </p:clrMapOvr>
+</p:sld>
+</file>
+
+<file path=ppt/slides/slide5.xml><?xml version="1.0" encoding="utf-8"?>
+<p:sld xmlns:a="http://schemas.openxmlformats.org/drawingml/2006/main" xmlns:r="http://schemas.openxmlformats.org/officeDocument/2006/relationships" xmlns:p="http://schemas.openxmlformats.org/presentationml/2006/main">
+  <p:cSld>
+    <p:spTree>
+      <p:nvGrpSpPr>
+        <p:cNvPr id="1" name=""/>
+        <p:cNvGrpSpPr/>
+        <p:nvPr/>
+      </p:nvGrpSpPr>
+      <p:grpSpPr>
+        <a:xfrm>
+          <a:off x="0" y="0"/>
+          <a:ext cx="0" cy="0"/>
+          <a:chOff x="0" y="0"/>
+          <a:chExt cx="0" cy="0"/>
+        </a:xfrm>
+      </p:grpSpPr>
+      <p:sp>
+        <p:nvSpPr>
+          <p:cNvPr id="2" name="Titel 1"/>
+          <p:cNvSpPr>
+            <a:spLocks noGrp="1"/>
+          </p:cNvSpPr>
+          <p:nvPr>
+            <p:ph type="title"/>
+          </p:nvPr>
+        </p:nvSpPr>
+        <p:spPr/>
+        <p:txBody>
+          <a:bodyPr/>
+          <a:lstStyle/>
+          <a:p>
+            <a:r>
+              <a:rPr lang="de-DE" dirty="0"/>
+              <a:t>Kritische Erfolgsfaktoren</a:t>
+            </a:r>
+          </a:p>
+        </p:txBody>
+      </p:sp>
+      <p:sp>
+        <p:nvSpPr>
+          <p:cNvPr id="3" name="Inhaltsplatzhalter 2"/>
+          <p:cNvSpPr>
+            <a:spLocks noGrp="1"/>
+          </p:cNvSpPr>
+          <p:nvPr>
+            <p:ph idx="1"/>
+          </p:nvPr>
+        </p:nvSpPr>
+        <p:spPr/>
+        <p:txBody>
+          <a:bodyPr>
+            <a:normAutofit fontScale="92500" lnSpcReduction="20000"/>
+          </a:bodyPr>
+          <a:lstStyle/>
+          <a:p>
+            <a:r>
+              <a:rPr lang="de-DE" dirty="0" smtClean="0"/>
+              <a:t>Zuverlässigkeit</a:t>
+            </a:r>
+            <a:endParaRPr lang="de-DE" dirty="0"/>
+          </a:p>
+          <a:p>
+            <a:pPr lvl="1"/>
+            <a:r>
+              <a:rPr lang="de-DE" dirty="0"/>
+              <a:t>Verfügbarkeit</a:t>
+            </a:r>
+          </a:p>
+          <a:p>
+            <a:pPr marL="457200" lvl="1" indent="0">
+              <a:buNone/>
+            </a:pPr>
+            <a:endParaRPr lang="de-DE" dirty="0"/>
+          </a:p>
+          <a:p>
+            <a:r>
+              <a:rPr lang="de-DE" dirty="0"/>
+              <a:t>Schneller Datenzugriff</a:t>
+            </a:r>
+          </a:p>
+          <a:p>
+            <a:pPr lvl="1"/>
+            <a:r>
+              <a:rPr lang="de-DE" dirty="0"/>
+              <a:t>Zeitdruck</a:t>
+            </a:r>
+          </a:p>
+          <a:p>
+            <a:pPr lvl="1"/>
+            <a:r>
+              <a:rPr lang="de-DE" dirty="0"/>
+              <a:t>Benutzerakzeptanz</a:t>
+            </a:r>
+          </a:p>
+          <a:p>
+            <a:pPr marL="457200" lvl="1" indent="0">
+              <a:buNone/>
+            </a:pPr>
+            <a:endParaRPr lang="de-DE" dirty="0"/>
+          </a:p>
+          <a:p>
+            <a:r>
+              <a:rPr lang="de-DE" dirty="0"/>
+              <a:t>Rahmenbedingungen</a:t>
+            </a:r>
+          </a:p>
+          <a:p>
+            <a:pPr lvl="1"/>
+            <a:r>
+              <a:rPr lang="de-DE" dirty="0"/>
+              <a:t>Gesetze </a:t>
+            </a:r>
+          </a:p>
+          <a:p>
+            <a:pPr lvl="2"/>
+            <a:r>
+              <a:rPr lang="de-DE" dirty="0"/>
+              <a:t>Datenschutz</a:t>
+            </a:r>
+          </a:p>
+          <a:p>
+            <a:pPr lvl="2"/>
+            <a:r>
+              <a:rPr lang="de-DE" dirty="0"/>
+              <a:t>Zwangsinhaftierung bei </a:t>
+            </a:r>
+            <a:r>
+              <a:rPr lang="de-DE" dirty="0" smtClean="0"/>
+              <a:t>Gefahr</a:t>
+            </a:r>
+          </a:p>
+          <a:p>
+            <a:pPr marL="914400" lvl="2" indent="0">
+              <a:buNone/>
+            </a:pPr>
+            <a:endParaRPr lang="de-DE" dirty="0" smtClean="0"/>
+          </a:p>
+          <a:p>
+            <a:pPr marL="0" indent="0">
+              <a:buNone/>
+            </a:pPr>
+            <a:endParaRPr lang="de-DE" dirty="0"/>
+          </a:p>
+          <a:p>
+            <a:endParaRPr lang="de-DE" dirty="0"/>
+          </a:p>
+        </p:txBody>
+      </p:sp>
+      <p:sp>
+        <p:nvSpPr>
+          <p:cNvPr id="4" name="Datumsplatzhalter 3"/>
+          <p:cNvSpPr>
+            <a:spLocks noGrp="1"/>
+          </p:cNvSpPr>
+          <p:nvPr>
+            <p:ph type="dt" sz="half" idx="10"/>
+          </p:nvPr>
+        </p:nvSpPr>
+        <p:spPr/>
+        <p:txBody>
+          <a:bodyPr/>
+          <a:lstStyle/>
+          <a:p>
+            <a:fld id="{77A8BE79-2E38-8144-9C79-629C9006020A}" type="datetime1">
+              <a:rPr lang="de-CH" smtClean="0"/>
+              <a:t>28.09.15</a:t>
+            </a:fld>
+            <a:endParaRPr lang="de-DE"/>
+          </a:p>
+        </p:txBody>
+      </p:sp>
+      <p:sp>
+        <p:nvSpPr>
+          <p:cNvPr id="5" name="Fußzeilenplatzhalter 4"/>
+          <p:cNvSpPr>
+            <a:spLocks noGrp="1"/>
+          </p:cNvSpPr>
+          <p:nvPr>
+            <p:ph type="ftr" sz="quarter" idx="11"/>
+          </p:nvPr>
+        </p:nvSpPr>
+        <p:spPr/>
+        <p:txBody>
+          <a:bodyPr/>
+          <a:lstStyle/>
+          <a:p>
+            <a:r>
+              <a:rPr lang="de-DE" smtClean="0"/>
+              <a:t>BFH –TI / Software Engineering &amp; Design </a:t>
+            </a:r>
+            <a:endParaRPr lang="de-DE" dirty="0"/>
+          </a:p>
+        </p:txBody>
+      </p:sp>
+      <p:sp>
+        <p:nvSpPr>
+          <p:cNvPr id="6" name="Foliennummernplatzhalter 5"/>
+          <p:cNvSpPr>
+            <a:spLocks noGrp="1"/>
+          </p:cNvSpPr>
+          <p:nvPr>
+            <p:ph type="sldNum" sz="quarter" idx="12"/>
+          </p:nvPr>
+        </p:nvSpPr>
+        <p:spPr/>
+        <p:txBody>
+          <a:bodyPr/>
+          <a:lstStyle/>
+          <a:p>
+            <a:fld id="{6BB33ECD-5191-EC4A-BC48-DDE302A05FCA}" type="slidenum">
+              <a:rPr lang="de-DE" smtClean="0"/>
+              <a:t>5</a:t>
+            </a:fld>
+            <a:endParaRPr lang="de-DE"/>
+          </a:p>
+        </p:txBody>
+      </p:sp>
+    </p:spTree>
+    <p:extLst>
+      <p:ext uri="{BB962C8B-B14F-4D97-AF65-F5344CB8AC3E}">
+        <p14:creationId xmlns:p14="http://schemas.microsoft.com/office/powerpoint/2010/main" val="1376888937"/>
+      </p:ext>
+    </p:extLst>
+  </p:cSld>
+  <p:clrMapOvr>
+    <a:masterClrMapping/>
+  </p:clrMapOvr>
+</p:sld>
+</file>
+
+<file path=ppt/slides/slide6.xml><?xml version="1.0" encoding="utf-8"?>
+<p:sld xmlns:a="http://schemas.openxmlformats.org/drawingml/2006/main" xmlns:r="http://schemas.openxmlformats.org/officeDocument/2006/relationships" xmlns:p="http://schemas.openxmlformats.org/presentationml/2006/main">
+  <p:cSld>
+    <p:spTree>
+      <p:nvGrpSpPr>
+        <p:cNvPr id="1" name=""/>
+        <p:cNvGrpSpPr/>
+        <p:nvPr/>
+      </p:nvGrpSpPr>
+      <p:grpSpPr>
+        <a:xfrm>
+          <a:off x="0" y="0"/>
+          <a:ext cx="0" cy="0"/>
+          <a:chOff x="0" y="0"/>
+          <a:chExt cx="0" cy="0"/>
+        </a:xfrm>
+      </p:grpSpPr>
+      <p:sp>
+        <p:nvSpPr>
+          <p:cNvPr id="2" name="Titel 1"/>
+          <p:cNvSpPr>
+            <a:spLocks noGrp="1"/>
+          </p:cNvSpPr>
+          <p:nvPr>
+            <p:ph type="title"/>
+          </p:nvPr>
+        </p:nvSpPr>
+        <p:spPr/>
+        <p:txBody>
+          <a:bodyPr/>
+          <a:lstStyle/>
+          <a:p>
+            <a:r>
+              <a:rPr lang="de-DE" dirty="0"/>
+              <a:t>Kritische Erfolgsfaktoren</a:t>
+            </a:r>
+          </a:p>
+        </p:txBody>
+      </p:sp>
+      <p:sp>
+        <p:nvSpPr>
+          <p:cNvPr id="3" name="Inhaltsplatzhalter 2"/>
+          <p:cNvSpPr>
+            <a:spLocks noGrp="1"/>
+          </p:cNvSpPr>
+          <p:nvPr>
+            <p:ph idx="1"/>
+          </p:nvPr>
+        </p:nvSpPr>
+        <p:spPr/>
+        <p:txBody>
+          <a:bodyPr/>
+          <a:lstStyle/>
+          <a:p>
+            <a:r>
+              <a:rPr lang="de-DE" dirty="0" smtClean="0"/>
+              <a:t>Zusammenfassung</a:t>
+            </a:r>
+          </a:p>
+          <a:p>
+            <a:pPr lvl="1"/>
+            <a:r>
+              <a:rPr lang="de-DE" dirty="0" smtClean="0"/>
+              <a:t>Vergleich aktuelle Performance &amp;  Zielvorgabe</a:t>
+            </a:r>
+            <a:endParaRPr lang="de-DE" dirty="0"/>
+          </a:p>
+          <a:p>
+            <a:pPr marL="457200" lvl="1" indent="0">
+              <a:buNone/>
+            </a:pPr>
+            <a:endParaRPr lang="de-DE" dirty="0"/>
+          </a:p>
+        </p:txBody>
+      </p:sp>
+      <p:sp>
+        <p:nvSpPr>
+          <p:cNvPr id="4" name="Datumsplatzhalter 3"/>
+          <p:cNvSpPr>
+            <a:spLocks noGrp="1"/>
+          </p:cNvSpPr>
+          <p:nvPr>
+            <p:ph type="dt" sz="half" idx="10"/>
+          </p:nvPr>
+        </p:nvSpPr>
+        <p:spPr/>
+        <p:txBody>
+          <a:bodyPr/>
+          <a:lstStyle/>
+          <a:p>
+            <a:fld id="{F829A5E9-E37E-7746-9C90-21D3DEE8CB04}" type="datetime1">
+              <a:rPr lang="de-CH" smtClean="0"/>
+              <a:t>28.09.15</a:t>
+            </a:fld>
+            <a:endParaRPr lang="de-DE"/>
+          </a:p>
+        </p:txBody>
+      </p:sp>
+      <p:sp>
+        <p:nvSpPr>
+          <p:cNvPr id="5" name="Fußzeilenplatzhalter 4"/>
+          <p:cNvSpPr>
+            <a:spLocks noGrp="1"/>
+          </p:cNvSpPr>
+          <p:nvPr>
+            <p:ph type="ftr" sz="quarter" idx="11"/>
+          </p:nvPr>
+        </p:nvSpPr>
+        <p:spPr/>
+        <p:txBody>
+          <a:bodyPr/>
+          <a:lstStyle/>
+          <a:p>
+            <a:r>
+              <a:rPr lang="de-DE" smtClean="0"/>
+              <a:t>BFH –TI / Software Engineering &amp; Design </a:t>
+            </a:r>
+            <a:endParaRPr lang="de-DE" dirty="0"/>
+          </a:p>
+        </p:txBody>
+      </p:sp>
+      <p:sp>
+        <p:nvSpPr>
+          <p:cNvPr id="6" name="Foliennummernplatzhalter 5"/>
+          <p:cNvSpPr>
+            <a:spLocks noGrp="1"/>
+          </p:cNvSpPr>
+          <p:nvPr>
+            <p:ph type="sldNum" sz="quarter" idx="12"/>
+          </p:nvPr>
+        </p:nvSpPr>
+        <p:spPr/>
+        <p:txBody>
+          <a:bodyPr/>
+          <a:lstStyle/>
+          <a:p>
+            <a:fld id="{6BB33ECD-5191-EC4A-BC48-DDE302A05FCA}" type="slidenum">
+              <a:rPr lang="de-DE" smtClean="0"/>
+              <a:t>6</a:t>
+            </a:fld>
+            <a:endParaRPr lang="de-DE"/>
+          </a:p>
+        </p:txBody>
+      </p:sp>
+    </p:spTree>
+    <p:extLst>
+      <p:ext uri="{BB962C8B-B14F-4D97-AF65-F5344CB8AC3E}">
+        <p14:creationId xmlns:p14="http://schemas.microsoft.com/office/powerpoint/2010/main" val="878196829"/>
+      </p:ext>
+    </p:extLst>
+  </p:cSld>
+  <p:clrMapOvr>
+    <a:masterClrMapping/>
+  </p:clrMapOvr>
+</p:sld>
+</file>
+
+<file path=ppt/slides/slide7.xml><?xml version="1.0" encoding="utf-8"?>
+<p:sld xmlns:a="http://schemas.openxmlformats.org/drawingml/2006/main" xmlns:r="http://schemas.openxmlformats.org/officeDocument/2006/relationships" xmlns:p="http://schemas.openxmlformats.org/presentationml/2006/main">
+  <p:cSld>
+    <p:spTree>
+      <p:nvGrpSpPr>
+        <p:cNvPr id="1" name=""/>
+        <p:cNvGrpSpPr/>
+        <p:nvPr/>
+      </p:nvGrpSpPr>
+      <p:grpSpPr>
+        <a:xfrm>
+          <a:off x="0" y="0"/>
+          <a:ext cx="0" cy="0"/>
+          <a:chOff x="0" y="0"/>
+          <a:chExt cx="0" cy="0"/>
+        </a:xfrm>
+      </p:grpSpPr>
+      <p:sp>
+        <p:nvSpPr>
+          <p:cNvPr id="2" name="Titel 1"/>
+          <p:cNvSpPr>
+            <a:spLocks noGrp="1"/>
+          </p:cNvSpPr>
+          <p:nvPr>
+            <p:ph type="title"/>
+          </p:nvPr>
+        </p:nvSpPr>
+        <p:spPr/>
+        <p:txBody>
+          <a:bodyPr/>
+          <a:lstStyle/>
+          <a:p>
+            <a:r>
+              <a:rPr lang="de-DE" dirty="0" smtClean="0"/>
+              <a:t>Architektur</a:t>
+            </a:r>
+            <a:endParaRPr lang="de-DE" dirty="0"/>
+          </a:p>
+        </p:txBody>
+      </p:sp>
+      <p:sp>
+        <p:nvSpPr>
+          <p:cNvPr id="3" name="Inhaltsplatzhalter 2"/>
+          <p:cNvSpPr>
+            <a:spLocks noGrp="1"/>
+          </p:cNvSpPr>
+          <p:nvPr>
+            <p:ph idx="1"/>
+          </p:nvPr>
+        </p:nvSpPr>
+        <p:spPr/>
+        <p:txBody>
+          <a:bodyPr/>
+          <a:lstStyle/>
+          <a:p>
+            <a:endParaRPr lang="de-DE" dirty="0"/>
+          </a:p>
+        </p:txBody>
+      </p:sp>
+      <p:sp>
+        <p:nvSpPr>
+          <p:cNvPr id="4" name="Datumsplatzhalter 3"/>
+          <p:cNvSpPr>
+            <a:spLocks noGrp="1"/>
+          </p:cNvSpPr>
+          <p:nvPr>
+            <p:ph type="dt" sz="half" idx="10"/>
+          </p:nvPr>
+        </p:nvSpPr>
+        <p:spPr/>
+        <p:txBody>
+          <a:bodyPr/>
+          <a:lstStyle/>
+          <a:p>
+            <a:fld id="{3118490A-8D35-7743-9E31-4F156F025DED}" type="datetime1">
+              <a:rPr lang="de-CH" smtClean="0"/>
+              <a:t>28.09.15</a:t>
+            </a:fld>
+            <a:endParaRPr lang="de-DE"/>
+          </a:p>
+        </p:txBody>
+      </p:sp>
+      <p:sp>
+        <p:nvSpPr>
+          <p:cNvPr id="5" name="Fußzeilenplatzhalter 4"/>
+          <p:cNvSpPr>
+            <a:spLocks noGrp="1"/>
+          </p:cNvSpPr>
+          <p:nvPr>
+            <p:ph type="ftr" sz="quarter" idx="11"/>
+          </p:nvPr>
+        </p:nvSpPr>
+        <p:spPr/>
+        <p:txBody>
+          <a:bodyPr/>
+          <a:lstStyle/>
+          <a:p>
+            <a:r>
+              <a:rPr lang="de-DE" smtClean="0"/>
+              <a:t>BFH –TI / Software Engineering &amp; Design </a:t>
+            </a:r>
+            <a:endParaRPr lang="de-DE" dirty="0"/>
+          </a:p>
+        </p:txBody>
+      </p:sp>
+      <p:sp>
+        <p:nvSpPr>
+          <p:cNvPr id="6" name="Foliennummernplatzhalter 5"/>
+          <p:cNvSpPr>
+            <a:spLocks noGrp="1"/>
+          </p:cNvSpPr>
+          <p:nvPr>
+            <p:ph type="sldNum" sz="quarter" idx="12"/>
+          </p:nvPr>
+        </p:nvSpPr>
+        <p:spPr/>
+        <p:txBody>
+          <a:bodyPr/>
+          <a:lstStyle/>
+          <a:p>
+            <a:fld id="{6BB33ECD-5191-EC4A-BC48-DDE302A05FCA}" type="slidenum">
+              <a:rPr lang="de-DE" smtClean="0"/>
+              <a:t>7</a:t>
+            </a:fld>
+            <a:endParaRPr lang="de-DE"/>
+          </a:p>
+        </p:txBody>
+      </p:sp>
+    </p:spTree>
+    <p:extLst>
+      <p:ext uri="{BB962C8B-B14F-4D97-AF65-F5344CB8AC3E}">
+        <p14:creationId xmlns:p14="http://schemas.microsoft.com/office/powerpoint/2010/main" val="1259856784"/>
+      </p:ext>
+    </p:extLst>
+  </p:cSld>
+  <p:clrMapOvr>
+    <a:masterClrMapping/>
+  </p:clrMapOvr>
+</p:sld>
+</file>
+
+<file path=ppt/slides/slide8.xml><?xml version="1.0" encoding="utf-8"?>
+<p:sld xmlns:a="http://schemas.openxmlformats.org/drawingml/2006/main" xmlns:r="http://schemas.openxmlformats.org/officeDocument/2006/relationships" xmlns:p="http://schemas.openxmlformats.org/presentationml/2006/main">
+  <p:cSld>
+    <p:spTree>
+      <p:nvGrpSpPr>
+        <p:cNvPr id="1" name=""/>
+        <p:cNvGrpSpPr/>
+        <p:nvPr/>
+      </p:nvGrpSpPr>
+      <p:grpSpPr>
+        <a:xfrm>
+          <a:off x="0" y="0"/>
+          <a:ext cx="0" cy="0"/>
+          <a:chOff x="0" y="0"/>
+          <a:chExt cx="0" cy="0"/>
+        </a:xfrm>
+      </p:grpSpPr>
+      <p:sp>
+        <p:nvSpPr>
+          <p:cNvPr id="2" name="Titel 1"/>
+          <p:cNvSpPr>
+            <a:spLocks noGrp="1"/>
+          </p:cNvSpPr>
+          <p:nvPr>
+            <p:ph type="title"/>
+          </p:nvPr>
+        </p:nvSpPr>
+        <p:spPr/>
+        <p:txBody>
+          <a:bodyPr/>
+          <a:lstStyle/>
+          <a:p>
+            <a:r>
+              <a:rPr lang="de-DE" dirty="0" smtClean="0"/>
+              <a:t>Systemkomponenten</a:t>
+            </a:r>
+            <a:endParaRPr lang="de-DE" dirty="0"/>
+          </a:p>
+        </p:txBody>
+      </p:sp>
+      <p:sp>
+        <p:nvSpPr>
+          <p:cNvPr id="3" name="Inhaltsplatzhalter 2"/>
+          <p:cNvSpPr>
+            <a:spLocks noGrp="1"/>
+          </p:cNvSpPr>
+          <p:nvPr>
+            <p:ph idx="1"/>
+          </p:nvPr>
+        </p:nvSpPr>
+        <p:spPr/>
+        <p:txBody>
+          <a:bodyPr/>
+          <a:lstStyle/>
+          <a:p>
+            <a:endParaRPr lang="de-DE" dirty="0" smtClean="0"/>
+          </a:p>
+          <a:p>
+            <a:r>
+              <a:rPr lang="de-DE" dirty="0" smtClean="0"/>
+              <a:t>Benutzerverwaltung</a:t>
+            </a:r>
+          </a:p>
+          <a:p>
+            <a:r>
+              <a:rPr lang="de-DE" dirty="0" smtClean="0"/>
+              <a:t>Patientenverwaltung</a:t>
+            </a:r>
+          </a:p>
+          <a:p>
+            <a:r>
+              <a:rPr lang="de-DE" dirty="0" smtClean="0"/>
+              <a:t>Managementansicht</a:t>
+            </a:r>
+          </a:p>
+          <a:p>
+            <a:r>
+              <a:rPr lang="de-DE" dirty="0" smtClean="0"/>
+              <a:t>Patientendossier</a:t>
+            </a:r>
+          </a:p>
+          <a:p>
+            <a:r>
+              <a:rPr lang="de-DE" dirty="0" smtClean="0"/>
+              <a:t>Zentrale Datenbank</a:t>
+            </a:r>
+          </a:p>
+          <a:p>
+            <a:r>
+              <a:rPr lang="de-DE" dirty="0" smtClean="0"/>
+              <a:t>Schnittstelle zur zentralen Datenbank</a:t>
+            </a:r>
+            <a:endParaRPr lang="de-DE" dirty="0"/>
+          </a:p>
+        </p:txBody>
+      </p:sp>
+      <p:sp>
+        <p:nvSpPr>
+          <p:cNvPr id="4" name="Datumsplatzhalter 3"/>
+          <p:cNvSpPr>
+            <a:spLocks noGrp="1"/>
+          </p:cNvSpPr>
+          <p:nvPr>
+            <p:ph type="dt" sz="half" idx="10"/>
+          </p:nvPr>
+        </p:nvSpPr>
+        <p:spPr/>
+        <p:txBody>
+          <a:bodyPr/>
+          <a:lstStyle/>
+          <a:p>
+            <a:fld id="{98B4B976-0272-8E4F-89CC-5AF7636C25E0}" type="datetime1">
+              <a:rPr lang="de-CH" smtClean="0"/>
+              <a:t>28.09.15</a:t>
+            </a:fld>
+            <a:endParaRPr lang="de-DE"/>
+          </a:p>
+        </p:txBody>
+      </p:sp>
+      <p:sp>
+        <p:nvSpPr>
+          <p:cNvPr id="5" name="Fußzeilenplatzhalter 4"/>
+          <p:cNvSpPr>
+            <a:spLocks noGrp="1"/>
+          </p:cNvSpPr>
+          <p:nvPr>
+            <p:ph type="ftr" sz="quarter" idx="11"/>
+          </p:nvPr>
+        </p:nvSpPr>
+        <p:spPr/>
+        <p:txBody>
+          <a:bodyPr/>
+          <a:lstStyle/>
+          <a:p>
+            <a:r>
+              <a:rPr lang="de-DE" smtClean="0"/>
+              <a:t>BFH –TI / Software Engineering &amp; Design </a:t>
+            </a:r>
+            <a:endParaRPr lang="de-DE" dirty="0"/>
+          </a:p>
+        </p:txBody>
+      </p:sp>
+      <p:sp>
+        <p:nvSpPr>
+          <p:cNvPr id="6" name="Foliennummernplatzhalter 5"/>
+          <p:cNvSpPr>
+            <a:spLocks noGrp="1"/>
+          </p:cNvSpPr>
+          <p:nvPr>
+            <p:ph type="sldNum" sz="quarter" idx="12"/>
+          </p:nvPr>
+        </p:nvSpPr>
+        <p:spPr/>
+        <p:txBody>
+          <a:bodyPr/>
+          <a:lstStyle/>
+          <a:p>
+            <a:fld id="{6BB33ECD-5191-EC4A-BC48-DDE302A05FCA}" type="slidenum">
+              <a:rPr lang="de-DE" smtClean="0"/>
+              <a:t>8</a:t>
+            </a:fld>
+            <a:endParaRPr lang="de-DE"/>
+          </a:p>
+        </p:txBody>
+      </p:sp>
+    </p:spTree>
+    <p:extLst>
+      <p:ext uri="{BB962C8B-B14F-4D97-AF65-F5344CB8AC3E}">
+        <p14:creationId xmlns:p14="http://schemas.microsoft.com/office/powerpoint/2010/main" val="2094352634"/>
       </p:ext>
     </p:extLst>
   </p:cSld>
